--- a/Presentation/1505065_1505069.pptx
+++ b/Presentation/1505065_1505069.pptx
@@ -5,10 +5,10 @@
     <p:sldMasterId id="2147483648" r:id="rId4"/>
   </p:sldMasterIdLst>
   <p:notesMasterIdLst>
-    <p:notesMasterId r:id="rId42"/>
+    <p:notesMasterId r:id="rId32"/>
   </p:notesMasterIdLst>
   <p:handoutMasterIdLst>
-    <p:handoutMasterId r:id="rId43"/>
+    <p:handoutMasterId r:id="rId33"/>
   </p:handoutMasterIdLst>
   <p:sldIdLst>
     <p:sldId id="256" r:id="rId5"/>
@@ -17,37 +17,27 @@
     <p:sldId id="275" r:id="rId8"/>
     <p:sldId id="270" r:id="rId9"/>
     <p:sldId id="271" r:id="rId10"/>
-    <p:sldId id="272" r:id="rId11"/>
-    <p:sldId id="273" r:id="rId12"/>
-    <p:sldId id="276" r:id="rId13"/>
-    <p:sldId id="277" r:id="rId14"/>
-    <p:sldId id="278" r:id="rId15"/>
-    <p:sldId id="282" r:id="rId16"/>
-    <p:sldId id="286" r:id="rId17"/>
-    <p:sldId id="284" r:id="rId18"/>
-    <p:sldId id="285" r:id="rId19"/>
-    <p:sldId id="288" r:id="rId20"/>
-    <p:sldId id="289" r:id="rId21"/>
-    <p:sldId id="267" r:id="rId22"/>
-    <p:sldId id="280" r:id="rId23"/>
-    <p:sldId id="281" r:id="rId24"/>
-    <p:sldId id="305" r:id="rId25"/>
-    <p:sldId id="306" r:id="rId26"/>
-    <p:sldId id="290" r:id="rId27"/>
-    <p:sldId id="291" r:id="rId28"/>
-    <p:sldId id="292" r:id="rId29"/>
-    <p:sldId id="308" r:id="rId30"/>
-    <p:sldId id="309" r:id="rId31"/>
-    <p:sldId id="310" r:id="rId32"/>
-    <p:sldId id="313" r:id="rId33"/>
-    <p:sldId id="307" r:id="rId34"/>
-    <p:sldId id="263" r:id="rId35"/>
-    <p:sldId id="301" r:id="rId36"/>
-    <p:sldId id="302" r:id="rId37"/>
-    <p:sldId id="303" r:id="rId38"/>
-    <p:sldId id="262" r:id="rId39"/>
-    <p:sldId id="304" r:id="rId40"/>
-    <p:sldId id="264" r:id="rId41"/>
+    <p:sldId id="273" r:id="rId11"/>
+    <p:sldId id="282" r:id="rId12"/>
+    <p:sldId id="284" r:id="rId13"/>
+    <p:sldId id="288" r:id="rId14"/>
+    <p:sldId id="289" r:id="rId15"/>
+    <p:sldId id="267" r:id="rId16"/>
+    <p:sldId id="314" r:id="rId17"/>
+    <p:sldId id="290" r:id="rId18"/>
+    <p:sldId id="291" r:id="rId19"/>
+    <p:sldId id="292" r:id="rId20"/>
+    <p:sldId id="309" r:id="rId21"/>
+    <p:sldId id="308" r:id="rId22"/>
+    <p:sldId id="310" r:id="rId23"/>
+    <p:sldId id="313" r:id="rId24"/>
+    <p:sldId id="307" r:id="rId25"/>
+    <p:sldId id="263" r:id="rId26"/>
+    <p:sldId id="301" r:id="rId27"/>
+    <p:sldId id="303" r:id="rId28"/>
+    <p:sldId id="262" r:id="rId29"/>
+    <p:sldId id="304" r:id="rId30"/>
+    <p:sldId id="264" r:id="rId31"/>
   </p:sldIdLst>
   <p:sldSz cx="12192000" cy="6858000"/>
   <p:notesSz cx="6858000" cy="9144000"/>
@@ -251,7 +241,7 @@
           <a:p>
             <a:fld id="{73B2889B-A0AC-4482-8592-5C96F2309420}" type="datetimeFigureOut">
               <a:rPr lang="en-US" smtClean="0"/>
-              <a:t>10-Mar-20</a:t>
+              <a:t>08-Nov-20</a:t>
             </a:fld>
             <a:endParaRPr lang="en-US"/>
           </a:p>
@@ -428,7 +418,7 @@
           <a:p>
             <a:fld id="{830EB223-FFC0-462A-A3B8-EAA7CE0F8CBD}" type="datetimeFigureOut">
               <a:rPr lang="en-US" smtClean="0"/>
-              <a:t>10-Mar-20</a:t>
+              <a:t>08-Nov-20</a:t>
             </a:fld>
             <a:endParaRPr lang="en-US" dirty="0"/>
           </a:p>
@@ -1225,7 +1215,7 @@
           <a:p>
             <a:fld id="{BC849E9A-41F7-4779-A581-48A7C374A227}" type="slidenum">
               <a:rPr lang="en-US" smtClean="0"/>
-              <a:t>18</a:t>
+              <a:t>12</a:t>
             </a:fld>
             <a:endParaRPr lang="en-US" dirty="0"/>
           </a:p>
@@ -1395,7 +1385,7 @@
           <a:p>
             <a:fld id="{BC849E9A-41F7-4779-A581-48A7C374A227}" type="slidenum">
               <a:rPr lang="en-US" smtClean="0"/>
-              <a:t>31</a:t>
+              <a:t>22</a:t>
             </a:fld>
             <a:endParaRPr lang="en-US" dirty="0"/>
           </a:p>
@@ -1875,7 +1865,7 @@
           <a:p>
             <a:fld id="{BC849E9A-41F7-4779-A581-48A7C374A227}" type="slidenum">
               <a:rPr lang="en-US" smtClean="0"/>
-              <a:t>35</a:t>
+              <a:t>25</a:t>
             </a:fld>
             <a:endParaRPr lang="en-US" dirty="0"/>
           </a:p>
@@ -2049,7 +2039,7 @@
           <a:p>
             <a:fld id="{BC849E9A-41F7-4779-A581-48A7C374A227}" type="slidenum">
               <a:rPr lang="en-US" smtClean="0"/>
-              <a:t>37</a:t>
+              <a:t>27</a:t>
             </a:fld>
             <a:endParaRPr lang="en-US" dirty="0"/>
           </a:p>
@@ -2215,7 +2205,7 @@
           <a:p>
             <a:fld id="{DECF21A4-E71B-4D3A-AF45-E989C23A7BB1}" type="datetimeFigureOut">
               <a:rPr lang="en-US" smtClean="0"/>
-              <a:t>10-Mar-20</a:t>
+              <a:t>08-Nov-20</a:t>
             </a:fld>
             <a:endParaRPr lang="en-US" dirty="0"/>
           </a:p>
@@ -2413,7 +2403,7 @@
           <a:p>
             <a:fld id="{DECF21A4-E71B-4D3A-AF45-E989C23A7BB1}" type="datetimeFigureOut">
               <a:rPr lang="en-US" smtClean="0"/>
-              <a:t>10-Mar-20</a:t>
+              <a:t>08-Nov-20</a:t>
             </a:fld>
             <a:endParaRPr lang="en-US" dirty="0"/>
           </a:p>
@@ -2621,7 +2611,7 @@
           <a:p>
             <a:fld id="{DECF21A4-E71B-4D3A-AF45-E989C23A7BB1}" type="datetimeFigureOut">
               <a:rPr lang="en-US" smtClean="0"/>
-              <a:t>10-Mar-20</a:t>
+              <a:t>08-Nov-20</a:t>
             </a:fld>
             <a:endParaRPr lang="en-US" dirty="0"/>
           </a:p>
@@ -2819,7 +2809,7 @@
           <a:p>
             <a:fld id="{DECF21A4-E71B-4D3A-AF45-E989C23A7BB1}" type="datetimeFigureOut">
               <a:rPr lang="en-US" smtClean="0"/>
-              <a:t>10-Mar-20</a:t>
+              <a:t>08-Nov-20</a:t>
             </a:fld>
             <a:endParaRPr lang="en-US" dirty="0"/>
           </a:p>
@@ -3094,7 +3084,7 @@
           <a:p>
             <a:fld id="{DECF21A4-E71B-4D3A-AF45-E989C23A7BB1}" type="datetimeFigureOut">
               <a:rPr lang="en-US" smtClean="0"/>
-              <a:t>10-Mar-20</a:t>
+              <a:t>08-Nov-20</a:t>
             </a:fld>
             <a:endParaRPr lang="en-US" dirty="0"/>
           </a:p>
@@ -3359,7 +3349,7 @@
           <a:p>
             <a:fld id="{DECF21A4-E71B-4D3A-AF45-E989C23A7BB1}" type="datetimeFigureOut">
               <a:rPr lang="en-US" smtClean="0"/>
-              <a:t>10-Mar-20</a:t>
+              <a:t>08-Nov-20</a:t>
             </a:fld>
             <a:endParaRPr lang="en-US" dirty="0"/>
           </a:p>
@@ -3771,7 +3761,7 @@
           <a:p>
             <a:fld id="{DECF21A4-E71B-4D3A-AF45-E989C23A7BB1}" type="datetimeFigureOut">
               <a:rPr lang="en-US" smtClean="0"/>
-              <a:t>10-Mar-20</a:t>
+              <a:t>08-Nov-20</a:t>
             </a:fld>
             <a:endParaRPr lang="en-US" dirty="0"/>
           </a:p>
@@ -3912,7 +3902,7 @@
           <a:p>
             <a:fld id="{DECF21A4-E71B-4D3A-AF45-E989C23A7BB1}" type="datetimeFigureOut">
               <a:rPr lang="en-US" smtClean="0"/>
-              <a:t>10-Mar-20</a:t>
+              <a:t>08-Nov-20</a:t>
             </a:fld>
             <a:endParaRPr lang="en-US" dirty="0"/>
           </a:p>
@@ -4025,7 +4015,7 @@
           <a:p>
             <a:fld id="{DECF21A4-E71B-4D3A-AF45-E989C23A7BB1}" type="datetimeFigureOut">
               <a:rPr lang="en-US" smtClean="0"/>
-              <a:t>10-Mar-20</a:t>
+              <a:t>08-Nov-20</a:t>
             </a:fld>
             <a:endParaRPr lang="en-US" dirty="0"/>
           </a:p>
@@ -4336,7 +4326,7 @@
           <a:p>
             <a:fld id="{DECF21A4-E71B-4D3A-AF45-E989C23A7BB1}" type="datetimeFigureOut">
               <a:rPr lang="en-US" smtClean="0"/>
-              <a:t>10-Mar-20</a:t>
+              <a:t>08-Nov-20</a:t>
             </a:fld>
             <a:endParaRPr lang="en-US" dirty="0"/>
           </a:p>
@@ -4628,7 +4618,7 @@
           <a:p>
             <a:fld id="{DECF21A4-E71B-4D3A-AF45-E989C23A7BB1}" type="datetimeFigureOut">
               <a:rPr lang="en-US" smtClean="0"/>
-              <a:t>10-Mar-20</a:t>
+              <a:t>08-Nov-20</a:t>
             </a:fld>
             <a:endParaRPr lang="en-US" dirty="0"/>
           </a:p>
@@ -4869,7 +4859,7 @@
           <a:p>
             <a:fld id="{DECF21A4-E71B-4D3A-AF45-E989C23A7BB1}" type="datetimeFigureOut">
               <a:rPr lang="en-US" smtClean="0"/>
-              <a:t>10-Mar-20</a:t>
+              <a:t>08-Nov-20</a:t>
             </a:fld>
             <a:endParaRPr lang="en-US" dirty="0"/>
           </a:p>
@@ -6801,7 +6791,7 @@
           <p:cNvPr id="2" name="Title 1">
             <a:extLst>
               <a:ext uri="{FF2B5EF4-FFF2-40B4-BE49-F238E27FC236}">
-                <a16:creationId xmlns:a16="http://schemas.microsoft.com/office/drawing/2014/main" id="{BF8439C0-EEED-49F6-81F5-4281ADEC38C2}"/>
+                <a16:creationId xmlns:a16="http://schemas.microsoft.com/office/drawing/2014/main" id="{818C3A69-2CF9-4309-A933-28B81DD84199}"/>
               </a:ext>
             </a:extLst>
           </p:cNvPr>
@@ -6814,8 +6804,8 @@
         </p:nvSpPr>
         <p:spPr>
           <a:xfrm>
-            <a:off x="838200" y="506109"/>
-            <a:ext cx="10515600" cy="724203"/>
+            <a:off x="838200" y="365126"/>
+            <a:ext cx="10515600" cy="922986"/>
           </a:xfrm>
         </p:spPr>
         <p:txBody>
@@ -6826,7 +6816,7 @@
               <a:rPr lang="en-US" dirty="0">
                 <a:latin typeface="Franklin Gothic Book" panose="020B0503020102020204" pitchFamily="34" charset="0"/>
               </a:rPr>
-              <a:t>Types of SQL Injection</a:t>
+              <a:t>Statement Class</a:t>
             </a:r>
           </a:p>
         </p:txBody>
@@ -6836,7 +6826,7 @@
           <p:cNvPr id="3" name="Content Placeholder 2">
             <a:extLst>
               <a:ext uri="{FF2B5EF4-FFF2-40B4-BE49-F238E27FC236}">
-                <a16:creationId xmlns:a16="http://schemas.microsoft.com/office/drawing/2014/main" id="{53450A49-8B9B-47DA-A813-07A9431609BC}"/>
+                <a16:creationId xmlns:a16="http://schemas.microsoft.com/office/drawing/2014/main" id="{27BE9567-6084-45EA-A644-8CE2994F2703}"/>
               </a:ext>
             </a:extLst>
           </p:cNvPr>
@@ -6849,95 +6839,173 @@
         </p:nvSpPr>
         <p:spPr>
           <a:xfrm>
-            <a:off x="838200" y="1550504"/>
-            <a:ext cx="10515600" cy="4801387"/>
+            <a:off x="838200" y="1415332"/>
+            <a:ext cx="10515600" cy="4761631"/>
           </a:xfrm>
         </p:spPr>
         <p:txBody>
-          <a:bodyPr>
-            <a:noAutofit/>
+          <a:bodyPr/>
+          <a:lstStyle/>
+          <a:p>
+            <a:pPr marL="0" indent="0">
+              <a:buNone/>
+            </a:pPr>
+            <a:r>
+              <a:rPr lang="en-US" dirty="0"/>
+              <a:t>We can use Statement class to execute SQL query.</a:t>
+            </a:r>
+          </a:p>
+          <a:p>
+            <a:pPr marL="0" indent="0">
+              <a:buNone/>
+            </a:pPr>
+            <a:r>
+              <a:rPr lang="en-US" dirty="0"/>
+              <a:t>See the following code :</a:t>
+            </a:r>
+          </a:p>
+          <a:p>
+            <a:pPr marL="0" indent="0">
+              <a:buNone/>
+            </a:pPr>
+            <a:endParaRPr lang="en-US" b="1" dirty="0"/>
+          </a:p>
+          <a:p>
+            <a:pPr marL="0" indent="0">
+              <a:buNone/>
+            </a:pPr>
+            <a:endParaRPr lang="en-US" b="1" dirty="0"/>
+          </a:p>
+          <a:p>
+            <a:pPr marL="0" indent="0">
+              <a:buNone/>
+            </a:pPr>
+            <a:endParaRPr lang="en-US" b="1" dirty="0"/>
+          </a:p>
+          <a:p>
+            <a:pPr marL="0" indent="0">
+              <a:buNone/>
+            </a:pPr>
+            <a:endParaRPr lang="en-US" dirty="0"/>
+          </a:p>
+          <a:p>
+            <a:pPr marL="0" indent="0">
+              <a:buNone/>
+            </a:pPr>
+            <a:r>
+              <a:rPr lang="en-US" dirty="0"/>
+              <a:t>In this code, we can inject malicious code to perform SQL inject which we are discussing earlier.</a:t>
+            </a:r>
+          </a:p>
+          <a:p>
+            <a:pPr marL="0" indent="0">
+              <a:buNone/>
+            </a:pPr>
+            <a:endParaRPr lang="en-US" b="1" dirty="0"/>
+          </a:p>
+        </p:txBody>
+      </p:sp>
+      <p:sp>
+        <p:nvSpPr>
+          <p:cNvPr id="4" name="TextBox 3">
+            <a:extLst>
+              <a:ext uri="{FF2B5EF4-FFF2-40B4-BE49-F238E27FC236}">
+                <a16:creationId xmlns:a16="http://schemas.microsoft.com/office/drawing/2014/main" id="{B854F326-7D63-446E-A885-82E0BEF65200}"/>
+              </a:ext>
+            </a:extLst>
+          </p:cNvPr>
+          <p:cNvSpPr txBox="1"/>
+          <p:nvPr/>
+        </p:nvSpPr>
+        <p:spPr>
+          <a:xfrm>
+            <a:off x="838200" y="2690336"/>
+            <a:ext cx="10515599" cy="1754326"/>
+          </a:xfrm>
+          <a:prstGeom prst="rect">
+            <a:avLst/>
+          </a:prstGeom>
+          <a:solidFill>
+            <a:schemeClr val="accent3">
+              <a:lumMod val="40000"/>
+              <a:lumOff val="60000"/>
+            </a:schemeClr>
+          </a:solidFill>
+        </p:spPr>
+        <p:txBody>
+          <a:bodyPr wrap="square" rtlCol="0">
+            <a:spAutoFit/>
           </a:bodyPr>
           <a:lstStyle/>
           <a:p>
-            <a:pPr marL="514350" indent="-514350">
-              <a:buFont typeface="+mj-lt"/>
-              <a:buAutoNum type="arabicPeriod" startAt="2"/>
-            </a:pPr>
-            <a:r>
-              <a:rPr lang="en-US" b="1" dirty="0"/>
-              <a:t>Inferential </a:t>
-            </a:r>
-            <a:r>
-              <a:rPr lang="en-US" b="1" dirty="0" err="1"/>
-              <a:t>SQLi</a:t>
-            </a:r>
             <a:r>
               <a:rPr lang="en-US" dirty="0"/>
-              <a:t> : In an inferential </a:t>
+              <a:t>Connection con = </a:t>
             </a:r>
             <a:r>
               <a:rPr lang="en-US" dirty="0" err="1"/>
-              <a:t>SQLi</a:t>
+              <a:t>DBConnection.getConnection</a:t>
             </a:r>
             <a:r>
               <a:rPr lang="en-US" dirty="0"/>
-              <a:t> attack, an attacker is able to reconstruct the database structure by sending payloads, observing the web application’s response and the resulting behavior of the database server.</a:t>
-            </a:r>
-          </a:p>
-          <a:p>
-            <a:pPr marL="1028700" lvl="1" indent="-571500">
-              <a:buFont typeface="+mj-lt"/>
-              <a:buAutoNum type="romanUcPeriod"/>
-            </a:pPr>
-            <a:r>
-              <a:rPr lang="en-US" sz="2800" b="1" dirty="0"/>
-              <a:t>Boolean-based (content-based) Blind </a:t>
-            </a:r>
-            <a:r>
-              <a:rPr lang="en-US" sz="2800" b="1" dirty="0" err="1"/>
-              <a:t>SQLi</a:t>
-            </a:r>
-            <a:r>
-              <a:rPr lang="en-US" sz="2800" b="1" dirty="0"/>
-              <a:t> </a:t>
-            </a:r>
-            <a:r>
-              <a:rPr lang="en-US" sz="2800" dirty="0"/>
-              <a:t>: Boolean-based SQL Injection relies on sending an SQL query to the database which forces the application to return a different result depending on whether the query returns a TRUE or FALSE result.</a:t>
-            </a:r>
-          </a:p>
-          <a:p>
-            <a:pPr marL="971550" lvl="1" indent="-514350">
-              <a:buFont typeface="+mj-lt"/>
-              <a:buAutoNum type="romanUcPeriod"/>
-            </a:pPr>
-            <a:r>
-              <a:rPr lang="en-US" sz="2800" b="1" dirty="0"/>
-              <a:t>Time-based Blind </a:t>
-            </a:r>
-            <a:r>
-              <a:rPr lang="en-US" sz="2800" b="1" dirty="0" err="1"/>
-              <a:t>SQLi</a:t>
-            </a:r>
-            <a:r>
-              <a:rPr lang="en-US" sz="2800" b="1" dirty="0"/>
-              <a:t> </a:t>
-            </a:r>
-            <a:r>
-              <a:rPr lang="en-US" sz="2800" dirty="0"/>
-              <a:t>: Time-based SQL Injection relies on sending an SQL query to the database which forces the database to wait for a specified amount of time (in seconds) before responding.</a:t>
-            </a:r>
-            <a:br>
-              <a:rPr lang="en-US" sz="2800" dirty="0"/>
-            </a:br>
-            <a:endParaRPr lang="en-US" sz="2800" dirty="0"/>
+              <a:t>(); </a:t>
+            </a:r>
+          </a:p>
+          <a:p>
+            <a:r>
+              <a:rPr lang="en-US" dirty="0"/>
+              <a:t>Statement </a:t>
+            </a:r>
+            <a:r>
+              <a:rPr lang="en-US" dirty="0" err="1"/>
+              <a:t>stmt</a:t>
+            </a:r>
+            <a:r>
+              <a:rPr lang="en-US" dirty="0"/>
+              <a:t> = </a:t>
+            </a:r>
+            <a:r>
+              <a:rPr lang="en-US" dirty="0" err="1"/>
+              <a:t>con.createStatement</a:t>
+            </a:r>
+            <a:r>
+              <a:rPr lang="en-US" dirty="0"/>
+              <a:t>(); </a:t>
+            </a:r>
+          </a:p>
+          <a:p>
+            <a:r>
+              <a:rPr lang="en-US" dirty="0"/>
+              <a:t>String query = "select name, country, password from Users where email = \'"+id+"' and 			password=\'"+</a:t>
+            </a:r>
+            <a:r>
+              <a:rPr lang="en-US" dirty="0" err="1"/>
+              <a:t>pwd</a:t>
+            </a:r>
+            <a:r>
+              <a:rPr lang="en-US" dirty="0"/>
+              <a:t>+“\'";  </a:t>
+            </a:r>
+          </a:p>
+          <a:p>
+            <a:r>
+              <a:rPr lang="en-US" dirty="0" err="1"/>
+              <a:t>stmt.executeQuery</a:t>
+            </a:r>
+            <a:r>
+              <a:rPr lang="en-US" dirty="0"/>
+              <a:t>(query);</a:t>
+            </a:r>
+          </a:p>
+          <a:p>
+            <a:endParaRPr lang="en-US" dirty="0"/>
           </a:p>
         </p:txBody>
       </p:sp>
     </p:spTree>
     <p:extLst>
       <p:ext uri="{BB962C8B-B14F-4D97-AF65-F5344CB8AC3E}">
-        <p14:creationId xmlns:p14="http://schemas.microsoft.com/office/powerpoint/2010/main" val="2135422412"/>
+        <p14:creationId xmlns:p14="http://schemas.microsoft.com/office/powerpoint/2010/main" val="2409524689"/>
       </p:ext>
     </p:extLst>
   </p:cSld>
@@ -6969,1302 +7037,6 @@
           <p:cNvPr id="2" name="Title 1">
             <a:extLst>
               <a:ext uri="{FF2B5EF4-FFF2-40B4-BE49-F238E27FC236}">
-                <a16:creationId xmlns:a16="http://schemas.microsoft.com/office/drawing/2014/main" id="{BF8439C0-EEED-49F6-81F5-4281ADEC38C2}"/>
-              </a:ext>
-            </a:extLst>
-          </p:cNvPr>
-          <p:cNvSpPr>
-            <a:spLocks noGrp="1"/>
-          </p:cNvSpPr>
-          <p:nvPr>
-            <p:ph type="title"/>
-          </p:nvPr>
-        </p:nvSpPr>
-        <p:spPr>
-          <a:xfrm>
-            <a:off x="838200" y="520176"/>
-            <a:ext cx="10515600" cy="724203"/>
-          </a:xfrm>
-        </p:spPr>
-        <p:txBody>
-          <a:bodyPr/>
-          <a:lstStyle/>
-          <a:p>
-            <a:r>
-              <a:rPr lang="en-US" dirty="0">
-                <a:latin typeface="Franklin Gothic Book" panose="020B0503020102020204" pitchFamily="34" charset="0"/>
-              </a:rPr>
-              <a:t>Types of SQL Injection</a:t>
-            </a:r>
-          </a:p>
-        </p:txBody>
-      </p:sp>
-      <p:sp>
-        <p:nvSpPr>
-          <p:cNvPr id="3" name="Content Placeholder 2">
-            <a:extLst>
-              <a:ext uri="{FF2B5EF4-FFF2-40B4-BE49-F238E27FC236}">
-                <a16:creationId xmlns:a16="http://schemas.microsoft.com/office/drawing/2014/main" id="{53450A49-8B9B-47DA-A813-07A9431609BC}"/>
-              </a:ext>
-            </a:extLst>
-          </p:cNvPr>
-          <p:cNvSpPr>
-            <a:spLocks noGrp="1"/>
-          </p:cNvSpPr>
-          <p:nvPr>
-            <p:ph idx="1"/>
-          </p:nvPr>
-        </p:nvSpPr>
-        <p:spPr>
-          <a:xfrm>
-            <a:off x="838200" y="1544541"/>
-            <a:ext cx="10515600" cy="4166483"/>
-          </a:xfrm>
-        </p:spPr>
-        <p:txBody>
-          <a:bodyPr>
-            <a:noAutofit/>
-          </a:bodyPr>
-          <a:lstStyle/>
-          <a:p>
-            <a:pPr marL="514350" indent="-514350">
-              <a:buFont typeface="+mj-lt"/>
-              <a:buAutoNum type="arabicPeriod" startAt="3"/>
-            </a:pPr>
-            <a:r>
-              <a:rPr lang="en-US" b="1" dirty="0"/>
-              <a:t>Out-of-band </a:t>
-            </a:r>
-            <a:r>
-              <a:rPr lang="en-US" b="1" dirty="0" err="1"/>
-              <a:t>SQLi</a:t>
-            </a:r>
-            <a:r>
-              <a:rPr lang="en-US" b="1" dirty="0"/>
-              <a:t> : </a:t>
-            </a:r>
-            <a:r>
-              <a:rPr lang="en-US" dirty="0"/>
-              <a:t>Out-of-band techniques, offer an attacker an alternative to inferential time-based techniques, especially if the server responses are not very stable (making an inferential time-based attack unreliable).</a:t>
-            </a:r>
-            <a:endParaRPr lang="en-US" b="1" dirty="0"/>
-          </a:p>
-        </p:txBody>
-      </p:sp>
-    </p:spTree>
-    <p:extLst>
-      <p:ext uri="{BB962C8B-B14F-4D97-AF65-F5344CB8AC3E}">
-        <p14:creationId xmlns:p14="http://schemas.microsoft.com/office/powerpoint/2010/main" val="2149488660"/>
-      </p:ext>
-    </p:extLst>
-  </p:cSld>
-  <p:clrMapOvr>
-    <a:masterClrMapping/>
-  </p:clrMapOvr>
-</p:sld>
-</file>
-
-<file path=ppt/slides/slide12.xml><?xml version="1.0" encoding="utf-8"?>
-<p:sld xmlns:a="http://schemas.openxmlformats.org/drawingml/2006/main" xmlns:r="http://schemas.openxmlformats.org/officeDocument/2006/relationships" xmlns:p="http://schemas.openxmlformats.org/presentationml/2006/main">
-  <p:cSld>
-    <p:spTree>
-      <p:nvGrpSpPr>
-        <p:cNvPr id="1" name=""/>
-        <p:cNvGrpSpPr/>
-        <p:nvPr/>
-      </p:nvGrpSpPr>
-      <p:grpSpPr>
-        <a:xfrm>
-          <a:off x="0" y="0"/>
-          <a:ext cx="0" cy="0"/>
-          <a:chOff x="0" y="0"/>
-          <a:chExt cx="0" cy="0"/>
-        </a:xfrm>
-      </p:grpSpPr>
-      <p:sp>
-        <p:nvSpPr>
-          <p:cNvPr id="2" name="Title 1">
-            <a:extLst>
-              <a:ext uri="{FF2B5EF4-FFF2-40B4-BE49-F238E27FC236}">
-                <a16:creationId xmlns:a16="http://schemas.microsoft.com/office/drawing/2014/main" id="{D26614AE-C51B-405A-9918-CA7CEBCEA741}"/>
-              </a:ext>
-            </a:extLst>
-          </p:cNvPr>
-          <p:cNvSpPr>
-            <a:spLocks noGrp="1"/>
-          </p:cNvSpPr>
-          <p:nvPr>
-            <p:ph type="title"/>
-          </p:nvPr>
-        </p:nvSpPr>
-        <p:spPr>
-          <a:xfrm>
-            <a:off x="838200" y="365125"/>
-            <a:ext cx="10515600" cy="962743"/>
-          </a:xfrm>
-        </p:spPr>
-        <p:txBody>
-          <a:bodyPr/>
-          <a:lstStyle/>
-          <a:p>
-            <a:r>
-              <a:rPr lang="en-US" dirty="0">
-                <a:latin typeface="Franklin Gothic Book" panose="020B0503020102020204" pitchFamily="34" charset="0"/>
-              </a:rPr>
-              <a:t>Java Database Connectivity (</a:t>
-            </a:r>
-            <a:r>
-              <a:rPr lang="en-US" b="1" dirty="0">
-                <a:latin typeface="Franklin Gothic Book" panose="020B0503020102020204" pitchFamily="34" charset="0"/>
-              </a:rPr>
-              <a:t>JDBC</a:t>
-            </a:r>
-            <a:r>
-              <a:rPr lang="en-US" dirty="0">
-                <a:latin typeface="Franklin Gothic Book" panose="020B0503020102020204" pitchFamily="34" charset="0"/>
-              </a:rPr>
-              <a:t>)</a:t>
-            </a:r>
-          </a:p>
-        </p:txBody>
-      </p:sp>
-      <p:sp>
-        <p:nvSpPr>
-          <p:cNvPr id="3" name="Content Placeholder 2">
-            <a:extLst>
-              <a:ext uri="{FF2B5EF4-FFF2-40B4-BE49-F238E27FC236}">
-                <a16:creationId xmlns:a16="http://schemas.microsoft.com/office/drawing/2014/main" id="{552DD24B-B101-4308-B734-1FBA8D56B67D}"/>
-              </a:ext>
-            </a:extLst>
-          </p:cNvPr>
-          <p:cNvSpPr>
-            <a:spLocks noGrp="1"/>
-          </p:cNvSpPr>
-          <p:nvPr>
-            <p:ph idx="1"/>
-          </p:nvPr>
-        </p:nvSpPr>
-        <p:spPr>
-          <a:xfrm>
-            <a:off x="838200" y="1661823"/>
-            <a:ext cx="10515600" cy="4515140"/>
-          </a:xfrm>
-        </p:spPr>
-        <p:txBody>
-          <a:bodyPr>
-            <a:normAutofit lnSpcReduction="10000"/>
-          </a:bodyPr>
-          <a:lstStyle/>
-          <a:p>
-            <a:r>
-              <a:rPr lang="en-US" b="1" dirty="0"/>
-              <a:t>Java Database Connectivity</a:t>
-            </a:r>
-            <a:r>
-              <a:rPr lang="en-US" dirty="0"/>
-              <a:t> (</a:t>
-            </a:r>
-            <a:r>
-              <a:rPr lang="en-US" b="1" dirty="0"/>
-              <a:t>JDBC</a:t>
-            </a:r>
-            <a:r>
-              <a:rPr lang="en-US" dirty="0"/>
-              <a:t>) is an application programming interface (API) for the programming language Java</a:t>
-            </a:r>
-          </a:p>
-          <a:p>
-            <a:r>
-              <a:rPr lang="en-US" dirty="0"/>
-              <a:t>Defines how a client may access a database</a:t>
-            </a:r>
-          </a:p>
-          <a:p>
-            <a:r>
-              <a:rPr lang="en-US" dirty="0"/>
-              <a:t>A Java-based data access technology used for Java database connectivity.</a:t>
-            </a:r>
-          </a:p>
-          <a:p>
-            <a:r>
-              <a:rPr lang="en-US" dirty="0"/>
-              <a:t>Part of the Java Standard Edition platform, from Oracle Corporation</a:t>
-            </a:r>
-          </a:p>
-          <a:p>
-            <a:r>
-              <a:rPr lang="en-US" dirty="0"/>
-              <a:t>Provides methods to query and update data in a database, and is oriented towards relational databases</a:t>
-            </a:r>
-          </a:p>
-          <a:p>
-            <a:r>
-              <a:rPr lang="en-US" dirty="0"/>
-              <a:t>A JDBC-to-ODBC bridge enables connections to any ODBC-accessible data source in the Java virtual machine (JVM) host environment</a:t>
-            </a:r>
-          </a:p>
-        </p:txBody>
-      </p:sp>
-    </p:spTree>
-    <p:extLst>
-      <p:ext uri="{BB962C8B-B14F-4D97-AF65-F5344CB8AC3E}">
-        <p14:creationId xmlns:p14="http://schemas.microsoft.com/office/powerpoint/2010/main" val="2120208632"/>
-      </p:ext>
-    </p:extLst>
-  </p:cSld>
-  <p:clrMapOvr>
-    <a:masterClrMapping/>
-  </p:clrMapOvr>
-</p:sld>
-</file>
-
-<file path=ppt/slides/slide13.xml><?xml version="1.0" encoding="utf-8"?>
-<p:sld xmlns:a="http://schemas.openxmlformats.org/drawingml/2006/main" xmlns:r="http://schemas.openxmlformats.org/officeDocument/2006/relationships" xmlns:p="http://schemas.openxmlformats.org/presentationml/2006/main">
-  <p:cSld>
-    <p:spTree>
-      <p:nvGrpSpPr>
-        <p:cNvPr id="1" name=""/>
-        <p:cNvGrpSpPr/>
-        <p:nvPr/>
-      </p:nvGrpSpPr>
-      <p:grpSpPr>
-        <a:xfrm>
-          <a:off x="0" y="0"/>
-          <a:ext cx="0" cy="0"/>
-          <a:chOff x="0" y="0"/>
-          <a:chExt cx="0" cy="0"/>
-        </a:xfrm>
-      </p:grpSpPr>
-      <p:sp>
-        <p:nvSpPr>
-          <p:cNvPr id="2" name="Title 1">
-            <a:extLst>
-              <a:ext uri="{FF2B5EF4-FFF2-40B4-BE49-F238E27FC236}">
-                <a16:creationId xmlns:a16="http://schemas.microsoft.com/office/drawing/2014/main" id="{A4F5D51B-5743-4344-9534-5349129D9D39}"/>
-              </a:ext>
-            </a:extLst>
-          </p:cNvPr>
-          <p:cNvSpPr>
-            <a:spLocks noGrp="1"/>
-          </p:cNvSpPr>
-          <p:nvPr>
-            <p:ph type="title"/>
-          </p:nvPr>
-        </p:nvSpPr>
-        <p:spPr>
-          <a:xfrm>
-            <a:off x="838200" y="484394"/>
-            <a:ext cx="10515600" cy="756009"/>
-          </a:xfrm>
-        </p:spPr>
-        <p:txBody>
-          <a:bodyPr/>
-          <a:lstStyle/>
-          <a:p>
-            <a:r>
-              <a:rPr lang="en-US" dirty="0">
-                <a:latin typeface="Franklin Gothic Book" panose="020B0503020102020204" pitchFamily="34" charset="0"/>
-              </a:rPr>
-              <a:t>JDBC Functionality</a:t>
-            </a:r>
-          </a:p>
-        </p:txBody>
-      </p:sp>
-      <p:sp>
-        <p:nvSpPr>
-          <p:cNvPr id="4" name="Rectangle 3">
-            <a:extLst>
-              <a:ext uri="{FF2B5EF4-FFF2-40B4-BE49-F238E27FC236}">
-                <a16:creationId xmlns:a16="http://schemas.microsoft.com/office/drawing/2014/main" id="{869411E9-01FB-46CD-BB60-237F50A70E87}"/>
-              </a:ext>
-            </a:extLst>
-          </p:cNvPr>
-          <p:cNvSpPr/>
-          <p:nvPr/>
-        </p:nvSpPr>
-        <p:spPr>
-          <a:xfrm>
-            <a:off x="838200" y="1407380"/>
-            <a:ext cx="10515600" cy="5262979"/>
-          </a:xfrm>
-          <a:prstGeom prst="rect">
-            <a:avLst/>
-          </a:prstGeom>
-        </p:spPr>
-        <p:txBody>
-          <a:bodyPr wrap="square">
-            <a:spAutoFit/>
-          </a:bodyPr>
-          <a:lstStyle/>
-          <a:p>
-            <a:pPr marL="457200" indent="-457200">
-              <a:lnSpc>
-                <a:spcPct val="100000"/>
-              </a:lnSpc>
-              <a:buFont typeface="Arial" panose="020B0604020202020204" pitchFamily="34" charset="0"/>
-              <a:buChar char="•"/>
-            </a:pPr>
-            <a:r>
-              <a:rPr lang="en-US" altLang="en-US" sz="2800" dirty="0">
-                <a:solidFill>
-                  <a:srgbClr val="222222"/>
-                </a:solidFill>
-              </a:rPr>
-              <a:t>JDBC (Java Database Connectivity) allows multiple implementations to exist and be used by the same application </a:t>
-            </a:r>
-          </a:p>
-          <a:p>
-            <a:pPr marL="457200" indent="-457200">
-              <a:lnSpc>
-                <a:spcPct val="100000"/>
-              </a:lnSpc>
-              <a:buFont typeface="Arial" panose="020B0604020202020204" pitchFamily="34" charset="0"/>
-              <a:buChar char="•"/>
-            </a:pPr>
-            <a:r>
-              <a:rPr lang="en-US" altLang="en-US" sz="2800" dirty="0">
-                <a:solidFill>
-                  <a:srgbClr val="222222"/>
-                </a:solidFill>
-              </a:rPr>
-              <a:t>The API provides a mechanism for dynamically loading the correct Java packages and registering them with the JDBC Driver Manager.</a:t>
-            </a:r>
-          </a:p>
-          <a:p>
-            <a:pPr marL="457200" indent="-457200">
-              <a:lnSpc>
-                <a:spcPct val="100000"/>
-              </a:lnSpc>
-              <a:buFont typeface="Arial" panose="020B0604020202020204" pitchFamily="34" charset="0"/>
-              <a:buChar char="•"/>
-            </a:pPr>
-            <a:r>
-              <a:rPr lang="en-US" altLang="en-US" sz="2800" dirty="0">
-                <a:solidFill>
-                  <a:srgbClr val="222222"/>
-                </a:solidFill>
-              </a:rPr>
-              <a:t>The Driver Manager is used as a connection factory for creating JDBC connections.</a:t>
-            </a:r>
-            <a:endParaRPr lang="en-US" altLang="en-US" sz="2800" dirty="0"/>
-          </a:p>
-          <a:p>
-            <a:pPr marL="457200" indent="-457200">
-              <a:lnSpc>
-                <a:spcPct val="100000"/>
-              </a:lnSpc>
-              <a:buFont typeface="Arial" panose="020B0604020202020204" pitchFamily="34" charset="0"/>
-              <a:buChar char="•"/>
-            </a:pPr>
-            <a:r>
-              <a:rPr lang="en-US" altLang="en-US" sz="2800" dirty="0">
-                <a:solidFill>
-                  <a:srgbClr val="222222"/>
-                </a:solidFill>
-                <a:cs typeface="Arial" panose="020B0604020202020204" pitchFamily="34" charset="0"/>
-              </a:rPr>
-              <a:t>JDBC connections support creating and executing statements. </a:t>
-            </a:r>
-          </a:p>
-          <a:p>
-            <a:pPr marL="457200" indent="-457200">
-              <a:lnSpc>
-                <a:spcPct val="100000"/>
-              </a:lnSpc>
-              <a:buFont typeface="Arial" panose="020B0604020202020204" pitchFamily="34" charset="0"/>
-              <a:buChar char="•"/>
-            </a:pPr>
-            <a:r>
-              <a:rPr lang="en-US" altLang="en-US" sz="2800" dirty="0">
-                <a:solidFill>
-                  <a:srgbClr val="222222"/>
-                </a:solidFill>
-                <a:cs typeface="Arial" panose="020B0604020202020204" pitchFamily="34" charset="0"/>
-              </a:rPr>
-              <a:t>These may be update statements such as SQL's CREATE, INSERT, UPDATE and DELETE, or they may be query statements such as SELECT. Additionally, stored procedures may be invoked through a JDBC connection. </a:t>
-            </a:r>
-          </a:p>
-          <a:p>
-            <a:endParaRPr lang="en-US" altLang="en-US" sz="2800" dirty="0">
-              <a:solidFill>
-                <a:srgbClr val="222222"/>
-              </a:solidFill>
-              <a:latin typeface="Arial" panose="020B0604020202020204" pitchFamily="34" charset="0"/>
-              <a:cs typeface="Arial" panose="020B0604020202020204" pitchFamily="34" charset="0"/>
-            </a:endParaRPr>
-          </a:p>
-        </p:txBody>
-      </p:sp>
-    </p:spTree>
-    <p:extLst>
-      <p:ext uri="{BB962C8B-B14F-4D97-AF65-F5344CB8AC3E}">
-        <p14:creationId xmlns:p14="http://schemas.microsoft.com/office/powerpoint/2010/main" val="1033686089"/>
-      </p:ext>
-    </p:extLst>
-  </p:cSld>
-  <p:clrMapOvr>
-    <a:masterClrMapping/>
-  </p:clrMapOvr>
-</p:sld>
-</file>
-
-<file path=ppt/slides/slide14.xml><?xml version="1.0" encoding="utf-8"?>
-<p:sld xmlns:a="http://schemas.openxmlformats.org/drawingml/2006/main" xmlns:r="http://schemas.openxmlformats.org/officeDocument/2006/relationships" xmlns:p="http://schemas.openxmlformats.org/presentationml/2006/main">
-  <p:cSld>
-    <p:spTree>
-      <p:nvGrpSpPr>
-        <p:cNvPr id="1" name=""/>
-        <p:cNvGrpSpPr/>
-        <p:nvPr/>
-      </p:nvGrpSpPr>
-      <p:grpSpPr>
-        <a:xfrm>
-          <a:off x="0" y="0"/>
-          <a:ext cx="0" cy="0"/>
-          <a:chOff x="0" y="0"/>
-          <a:chExt cx="0" cy="0"/>
-        </a:xfrm>
-      </p:grpSpPr>
-      <p:sp>
-        <p:nvSpPr>
-          <p:cNvPr id="2" name="Title 1">
-            <a:extLst>
-              <a:ext uri="{FF2B5EF4-FFF2-40B4-BE49-F238E27FC236}">
-                <a16:creationId xmlns:a16="http://schemas.microsoft.com/office/drawing/2014/main" id="{BE1A42D3-F33A-41E7-8512-CEA35F482902}"/>
-              </a:ext>
-            </a:extLst>
-          </p:cNvPr>
-          <p:cNvSpPr>
-            <a:spLocks noGrp="1"/>
-          </p:cNvSpPr>
-          <p:nvPr>
-            <p:ph type="title"/>
-          </p:nvPr>
-        </p:nvSpPr>
-        <p:spPr>
-          <a:xfrm>
-            <a:off x="838200" y="465834"/>
-            <a:ext cx="10515600" cy="859376"/>
-          </a:xfrm>
-        </p:spPr>
-        <p:txBody>
-          <a:bodyPr/>
-          <a:lstStyle/>
-          <a:p>
-            <a:r>
-              <a:rPr lang="en-US" dirty="0">
-                <a:latin typeface="Franklin Gothic Book" panose="020B0503020102020204" pitchFamily="34" charset="0"/>
-              </a:rPr>
-              <a:t>JDBC Classes</a:t>
-            </a:r>
-          </a:p>
-        </p:txBody>
-      </p:sp>
-      <p:sp>
-        <p:nvSpPr>
-          <p:cNvPr id="3" name="Content Placeholder 2">
-            <a:extLst>
-              <a:ext uri="{FF2B5EF4-FFF2-40B4-BE49-F238E27FC236}">
-                <a16:creationId xmlns:a16="http://schemas.microsoft.com/office/drawing/2014/main" id="{A9012416-305B-47B4-90FB-5F8DA4B0D0D9}"/>
-              </a:ext>
-            </a:extLst>
-          </p:cNvPr>
-          <p:cNvSpPr>
-            <a:spLocks noGrp="1"/>
-          </p:cNvSpPr>
-          <p:nvPr>
-            <p:ph idx="1"/>
-          </p:nvPr>
-        </p:nvSpPr>
-        <p:spPr>
-          <a:xfrm>
-            <a:off x="838200" y="1547530"/>
-            <a:ext cx="10515600" cy="4351338"/>
-          </a:xfrm>
-        </p:spPr>
-        <p:txBody>
-          <a:bodyPr>
-            <a:noAutofit/>
-          </a:bodyPr>
-          <a:lstStyle/>
-          <a:p>
-            <a:pPr marL="0" indent="0">
-              <a:lnSpc>
-                <a:spcPct val="100000"/>
-              </a:lnSpc>
-              <a:buNone/>
-            </a:pPr>
-            <a:r>
-              <a:rPr lang="en-US" altLang="en-US" dirty="0">
-                <a:solidFill>
-                  <a:srgbClr val="222222"/>
-                </a:solidFill>
-                <a:latin typeface="Arial" panose="020B0604020202020204" pitchFamily="34" charset="0"/>
-                <a:cs typeface="Arial" panose="020B0604020202020204" pitchFamily="34" charset="0"/>
-              </a:rPr>
-              <a:t>JDBC represents statements using one of the following classes:</a:t>
-            </a:r>
-            <a:endParaRPr lang="en-US" altLang="en-US" dirty="0"/>
-          </a:p>
-          <a:p>
-            <a:pPr marL="0" lvl="0" indent="0" eaLnBrk="0" fontAlgn="base" hangingPunct="0">
-              <a:lnSpc>
-                <a:spcPct val="100000"/>
-              </a:lnSpc>
-              <a:spcBef>
-                <a:spcPct val="0"/>
-              </a:spcBef>
-              <a:spcAft>
-                <a:spcPct val="0"/>
-              </a:spcAft>
-              <a:buFontTx/>
-              <a:buChar char="•"/>
-            </a:pPr>
-            <a:r>
-              <a:rPr lang="en-US" altLang="en-US" b="1" dirty="0">
-                <a:latin typeface="Franklin Gothic Book" panose="020B0503020102020204" pitchFamily="34" charset="0"/>
-                <a:cs typeface="Arial" panose="020B0604020202020204" pitchFamily="34" charset="0"/>
-              </a:rPr>
-              <a:t>Statement</a:t>
-            </a:r>
-            <a:r>
-              <a:rPr lang="en-US" altLang="en-US" dirty="0">
-                <a:solidFill>
-                  <a:srgbClr val="222222"/>
-                </a:solidFill>
-                <a:latin typeface="Franklin Gothic Book" panose="020B0503020102020204" pitchFamily="34" charset="0"/>
-                <a:cs typeface="Arial" panose="020B0604020202020204" pitchFamily="34" charset="0"/>
-              </a:rPr>
-              <a:t> </a:t>
-            </a:r>
-            <a:r>
-              <a:rPr lang="en-US" altLang="en-US" dirty="0">
-                <a:solidFill>
-                  <a:srgbClr val="222222"/>
-                </a:solidFill>
-                <a:latin typeface="Arial" panose="020B0604020202020204" pitchFamily="34" charset="0"/>
-                <a:cs typeface="Arial" panose="020B0604020202020204" pitchFamily="34" charset="0"/>
-              </a:rPr>
-              <a:t>– the statement is sent to the database server each and every time.</a:t>
-            </a:r>
-          </a:p>
-          <a:p>
-            <a:pPr marL="0" lvl="0" indent="0" eaLnBrk="0" fontAlgn="base" hangingPunct="0">
-              <a:lnSpc>
-                <a:spcPct val="100000"/>
-              </a:lnSpc>
-              <a:spcBef>
-                <a:spcPct val="0"/>
-              </a:spcBef>
-              <a:spcAft>
-                <a:spcPct val="0"/>
-              </a:spcAft>
-              <a:buFontTx/>
-              <a:buChar char="•"/>
-            </a:pPr>
-            <a:endParaRPr lang="en-US" altLang="en-US" dirty="0">
-              <a:solidFill>
-                <a:srgbClr val="222222"/>
-              </a:solidFill>
-              <a:latin typeface="Arial" panose="020B0604020202020204" pitchFamily="34" charset="0"/>
-              <a:cs typeface="Arial" panose="020B0604020202020204" pitchFamily="34" charset="0"/>
-            </a:endParaRPr>
-          </a:p>
-          <a:p>
-            <a:pPr marL="0" lvl="0" indent="0" eaLnBrk="0" fontAlgn="base" hangingPunct="0">
-              <a:lnSpc>
-                <a:spcPct val="100000"/>
-              </a:lnSpc>
-              <a:spcBef>
-                <a:spcPct val="0"/>
-              </a:spcBef>
-              <a:spcAft>
-                <a:spcPct val="0"/>
-              </a:spcAft>
-              <a:buFontTx/>
-              <a:buChar char="•"/>
-            </a:pPr>
-            <a:r>
-              <a:rPr lang="en-US" altLang="en-US" b="1" dirty="0">
-                <a:latin typeface="Franklin Gothic Book" panose="020B0503020102020204" pitchFamily="34" charset="0"/>
-                <a:cs typeface="Arial" panose="020B0604020202020204" pitchFamily="34" charset="0"/>
-              </a:rPr>
-              <a:t>PreparedStatement</a:t>
-            </a:r>
-            <a:r>
-              <a:rPr lang="en-US" altLang="en-US" dirty="0">
-                <a:solidFill>
-                  <a:srgbClr val="222222"/>
-                </a:solidFill>
-                <a:latin typeface="Arial" panose="020B0604020202020204" pitchFamily="34" charset="0"/>
-                <a:cs typeface="Arial" panose="020B0604020202020204" pitchFamily="34" charset="0"/>
-              </a:rPr>
-              <a:t> – the statement is cached and then the </a:t>
-            </a:r>
-            <a:r>
-              <a:rPr lang="en-US" altLang="en-US" dirty="0">
-                <a:latin typeface="Arial" panose="020B0604020202020204" pitchFamily="34" charset="0"/>
-                <a:cs typeface="Arial" panose="020B0604020202020204" pitchFamily="34" charset="0"/>
-              </a:rPr>
-              <a:t>execution path</a:t>
-            </a:r>
-            <a:r>
-              <a:rPr lang="en-US" altLang="en-US" dirty="0">
-                <a:solidFill>
-                  <a:srgbClr val="222222"/>
-                </a:solidFill>
-                <a:latin typeface="Arial" panose="020B0604020202020204" pitchFamily="34" charset="0"/>
-                <a:cs typeface="Arial" panose="020B0604020202020204" pitchFamily="34" charset="0"/>
-              </a:rPr>
-              <a:t> is pre-determined on the database server allowing it to be executed multiple times in an efficient manner.</a:t>
-            </a:r>
-          </a:p>
-          <a:p>
-            <a:pPr marL="0" lvl="0" indent="0" eaLnBrk="0" fontAlgn="base" hangingPunct="0">
-              <a:lnSpc>
-                <a:spcPct val="100000"/>
-              </a:lnSpc>
-              <a:spcBef>
-                <a:spcPct val="0"/>
-              </a:spcBef>
-              <a:spcAft>
-                <a:spcPct val="0"/>
-              </a:spcAft>
-              <a:buNone/>
-            </a:pPr>
-            <a:endParaRPr lang="en-US" altLang="en-US" dirty="0">
-              <a:solidFill>
-                <a:srgbClr val="222222"/>
-              </a:solidFill>
-              <a:latin typeface="Arial" panose="020B0604020202020204" pitchFamily="34" charset="0"/>
-              <a:cs typeface="Arial" panose="020B0604020202020204" pitchFamily="34" charset="0"/>
-            </a:endParaRPr>
-          </a:p>
-          <a:p>
-            <a:pPr marL="0" lvl="0" indent="0" eaLnBrk="0" fontAlgn="base" hangingPunct="0">
-              <a:lnSpc>
-                <a:spcPct val="100000"/>
-              </a:lnSpc>
-              <a:spcBef>
-                <a:spcPct val="0"/>
-              </a:spcBef>
-              <a:spcAft>
-                <a:spcPct val="0"/>
-              </a:spcAft>
-              <a:buFontTx/>
-              <a:buChar char="•"/>
-            </a:pPr>
-            <a:r>
-              <a:rPr lang="en-US" altLang="en-US" b="1" dirty="0">
-                <a:latin typeface="Franklin Gothic Book" panose="020B0503020102020204" pitchFamily="34" charset="0"/>
-                <a:cs typeface="Arial" panose="020B0604020202020204" pitchFamily="34" charset="0"/>
-              </a:rPr>
-              <a:t>CallableStatement</a:t>
-            </a:r>
-            <a:r>
-              <a:rPr lang="en-US" altLang="en-US" dirty="0">
-                <a:solidFill>
-                  <a:srgbClr val="222222"/>
-                </a:solidFill>
-                <a:latin typeface="Arial" panose="020B0604020202020204" pitchFamily="34" charset="0"/>
-                <a:cs typeface="Arial" panose="020B0604020202020204" pitchFamily="34" charset="0"/>
-              </a:rPr>
-              <a:t> – used for executing </a:t>
-            </a:r>
-            <a:r>
-              <a:rPr lang="en-US" altLang="en-US" dirty="0">
-                <a:latin typeface="Arial" panose="020B0604020202020204" pitchFamily="34" charset="0"/>
-                <a:cs typeface="Arial" panose="020B0604020202020204" pitchFamily="34" charset="0"/>
-              </a:rPr>
-              <a:t>stored procedures</a:t>
-            </a:r>
-            <a:r>
-              <a:rPr lang="en-US" altLang="en-US" dirty="0">
-                <a:solidFill>
-                  <a:srgbClr val="222222"/>
-                </a:solidFill>
-                <a:latin typeface="Arial" panose="020B0604020202020204" pitchFamily="34" charset="0"/>
-                <a:cs typeface="Arial" panose="020B0604020202020204" pitchFamily="34" charset="0"/>
-              </a:rPr>
-              <a:t> on the database.</a:t>
-            </a:r>
-          </a:p>
-          <a:p>
-            <a:endParaRPr lang="en-US" dirty="0"/>
-          </a:p>
-        </p:txBody>
-      </p:sp>
-    </p:spTree>
-    <p:extLst>
-      <p:ext uri="{BB962C8B-B14F-4D97-AF65-F5344CB8AC3E}">
-        <p14:creationId xmlns:p14="http://schemas.microsoft.com/office/powerpoint/2010/main" val="2338048470"/>
-      </p:ext>
-    </p:extLst>
-  </p:cSld>
-  <p:clrMapOvr>
-    <a:masterClrMapping/>
-  </p:clrMapOvr>
-</p:sld>
-</file>
-
-<file path=ppt/slides/slide15.xml><?xml version="1.0" encoding="utf-8"?>
-<p:sld xmlns:a="http://schemas.openxmlformats.org/drawingml/2006/main" xmlns:r="http://schemas.openxmlformats.org/officeDocument/2006/relationships" xmlns:p="http://schemas.openxmlformats.org/presentationml/2006/main">
-  <p:cSld>
-    <p:spTree>
-      <p:nvGrpSpPr>
-        <p:cNvPr id="1" name=""/>
-        <p:cNvGrpSpPr/>
-        <p:nvPr/>
-      </p:nvGrpSpPr>
-      <p:grpSpPr>
-        <a:xfrm>
-          <a:off x="0" y="0"/>
-          <a:ext cx="0" cy="0"/>
-          <a:chOff x="0" y="0"/>
-          <a:chExt cx="0" cy="0"/>
-        </a:xfrm>
-      </p:grpSpPr>
-      <p:sp>
-        <p:nvSpPr>
-          <p:cNvPr id="2" name="Title 1">
-            <a:extLst>
-              <a:ext uri="{FF2B5EF4-FFF2-40B4-BE49-F238E27FC236}">
-                <a16:creationId xmlns:a16="http://schemas.microsoft.com/office/drawing/2014/main" id="{82D08C47-B97D-49DF-8D61-32852C36BBAF}"/>
-              </a:ext>
-            </a:extLst>
-          </p:cNvPr>
-          <p:cNvSpPr>
-            <a:spLocks noGrp="1"/>
-          </p:cNvSpPr>
-          <p:nvPr>
-            <p:ph type="title"/>
-          </p:nvPr>
-        </p:nvSpPr>
-        <p:spPr>
-          <a:xfrm>
-            <a:off x="838200" y="508250"/>
-            <a:ext cx="10515600" cy="748058"/>
-          </a:xfrm>
-        </p:spPr>
-        <p:txBody>
-          <a:bodyPr/>
-          <a:lstStyle/>
-          <a:p>
-            <a:r>
-              <a:rPr lang="en-US" dirty="0">
-                <a:latin typeface="Franklin Gothic Book" panose="020B0503020102020204" pitchFamily="34" charset="0"/>
-              </a:rPr>
-              <a:t>JDBC Result Set</a:t>
-            </a:r>
-          </a:p>
-        </p:txBody>
-      </p:sp>
-      <p:sp>
-        <p:nvSpPr>
-          <p:cNvPr id="3" name="Content Placeholder 2">
-            <a:extLst>
-              <a:ext uri="{FF2B5EF4-FFF2-40B4-BE49-F238E27FC236}">
-                <a16:creationId xmlns:a16="http://schemas.microsoft.com/office/drawing/2014/main" id="{ED588877-B6FA-4F88-A253-EE2679163C44}"/>
-              </a:ext>
-            </a:extLst>
-          </p:cNvPr>
-          <p:cNvSpPr>
-            <a:spLocks noGrp="1"/>
-          </p:cNvSpPr>
-          <p:nvPr>
-            <p:ph idx="1"/>
-          </p:nvPr>
-        </p:nvSpPr>
-        <p:spPr>
-          <a:xfrm>
-            <a:off x="838200" y="1591695"/>
-            <a:ext cx="10515600" cy="4901179"/>
-          </a:xfrm>
-        </p:spPr>
-        <p:txBody>
-          <a:bodyPr>
-            <a:normAutofit/>
-          </a:bodyPr>
-          <a:lstStyle/>
-          <a:p>
-            <a:pPr eaLnBrk="0" fontAlgn="base" hangingPunct="0">
-              <a:lnSpc>
-                <a:spcPct val="100000"/>
-              </a:lnSpc>
-              <a:spcBef>
-                <a:spcPct val="0"/>
-              </a:spcBef>
-              <a:spcAft>
-                <a:spcPct val="0"/>
-              </a:spcAft>
-            </a:pPr>
-            <a:r>
-              <a:rPr lang="en-US" altLang="en-US" dirty="0">
-                <a:solidFill>
-                  <a:srgbClr val="222222"/>
-                </a:solidFill>
-                <a:latin typeface="Arial" panose="020B0604020202020204" pitchFamily="34" charset="0"/>
-                <a:cs typeface="Arial" panose="020B0604020202020204" pitchFamily="34" charset="0"/>
-              </a:rPr>
-              <a:t>Update statements such as INSERT, UPDATE and DELETE return an update count that indicates how many </a:t>
-            </a:r>
-            <a:r>
-              <a:rPr lang="en-US" altLang="en-US" dirty="0">
-                <a:latin typeface="Arial" panose="020B0604020202020204" pitchFamily="34" charset="0"/>
-                <a:cs typeface="Arial" panose="020B0604020202020204" pitchFamily="34" charset="0"/>
-              </a:rPr>
-              <a:t>rows</a:t>
-            </a:r>
-            <a:r>
-              <a:rPr lang="en-US" altLang="en-US" dirty="0">
-                <a:solidFill>
-                  <a:srgbClr val="222222"/>
-                </a:solidFill>
-                <a:latin typeface="Arial" panose="020B0604020202020204" pitchFamily="34" charset="0"/>
-                <a:cs typeface="Arial" panose="020B0604020202020204" pitchFamily="34" charset="0"/>
-              </a:rPr>
-              <a:t> were affected in the database</a:t>
-            </a:r>
-          </a:p>
-          <a:p>
-            <a:pPr eaLnBrk="0" fontAlgn="base" hangingPunct="0">
-              <a:lnSpc>
-                <a:spcPct val="100000"/>
-              </a:lnSpc>
-              <a:spcBef>
-                <a:spcPct val="0"/>
-              </a:spcBef>
-              <a:spcAft>
-                <a:spcPct val="0"/>
-              </a:spcAft>
-            </a:pPr>
-            <a:r>
-              <a:rPr lang="en-US" altLang="en-US" dirty="0">
-                <a:solidFill>
-                  <a:srgbClr val="222222"/>
-                </a:solidFill>
-                <a:latin typeface="Arial" panose="020B0604020202020204" pitchFamily="34" charset="0"/>
-                <a:cs typeface="Arial" panose="020B0604020202020204" pitchFamily="34" charset="0"/>
-              </a:rPr>
-              <a:t>Query statements return a JDBC row result set</a:t>
-            </a:r>
-          </a:p>
-          <a:p>
-            <a:pPr eaLnBrk="0" fontAlgn="base" hangingPunct="0">
-              <a:lnSpc>
-                <a:spcPct val="100000"/>
-              </a:lnSpc>
-              <a:spcBef>
-                <a:spcPct val="0"/>
-              </a:spcBef>
-              <a:spcAft>
-                <a:spcPct val="0"/>
-              </a:spcAft>
-            </a:pPr>
-            <a:r>
-              <a:rPr lang="en-US" altLang="en-US" dirty="0">
-                <a:solidFill>
-                  <a:srgbClr val="222222"/>
-                </a:solidFill>
-                <a:latin typeface="Arial" panose="020B0604020202020204" pitchFamily="34" charset="0"/>
-                <a:cs typeface="Arial" panose="020B0604020202020204" pitchFamily="34" charset="0"/>
-              </a:rPr>
-              <a:t>The row result set is used to walk over the </a:t>
-            </a:r>
-            <a:r>
-              <a:rPr lang="en-US" altLang="en-US" dirty="0">
-                <a:latin typeface="Arial" panose="020B0604020202020204" pitchFamily="34" charset="0"/>
-                <a:cs typeface="Arial" panose="020B0604020202020204" pitchFamily="34" charset="0"/>
-              </a:rPr>
-              <a:t>result set</a:t>
-            </a:r>
-            <a:endParaRPr lang="en-US" altLang="en-US" dirty="0">
-              <a:solidFill>
-                <a:srgbClr val="222222"/>
-              </a:solidFill>
-              <a:latin typeface="Arial" panose="020B0604020202020204" pitchFamily="34" charset="0"/>
-              <a:cs typeface="Arial" panose="020B0604020202020204" pitchFamily="34" charset="0"/>
-            </a:endParaRPr>
-          </a:p>
-          <a:p>
-            <a:pPr eaLnBrk="0" fontAlgn="base" hangingPunct="0">
-              <a:lnSpc>
-                <a:spcPct val="100000"/>
-              </a:lnSpc>
-              <a:spcBef>
-                <a:spcPct val="0"/>
-              </a:spcBef>
-              <a:spcAft>
-                <a:spcPct val="0"/>
-              </a:spcAft>
-            </a:pPr>
-            <a:r>
-              <a:rPr lang="en-US" altLang="en-US" dirty="0">
-                <a:solidFill>
-                  <a:srgbClr val="222222"/>
-                </a:solidFill>
-                <a:latin typeface="Arial" panose="020B0604020202020204" pitchFamily="34" charset="0"/>
-                <a:cs typeface="Arial" panose="020B0604020202020204" pitchFamily="34" charset="0"/>
-              </a:rPr>
-              <a:t>Individual </a:t>
-            </a:r>
-            <a:r>
-              <a:rPr lang="en-US" altLang="en-US" dirty="0">
-                <a:latin typeface="Arial" panose="020B0604020202020204" pitchFamily="34" charset="0"/>
-                <a:cs typeface="Arial" panose="020B0604020202020204" pitchFamily="34" charset="0"/>
-              </a:rPr>
-              <a:t>columns</a:t>
-            </a:r>
-            <a:r>
-              <a:rPr lang="en-US" altLang="en-US" dirty="0">
-                <a:solidFill>
-                  <a:srgbClr val="222222"/>
-                </a:solidFill>
-                <a:latin typeface="Arial" panose="020B0604020202020204" pitchFamily="34" charset="0"/>
-                <a:cs typeface="Arial" panose="020B0604020202020204" pitchFamily="34" charset="0"/>
-              </a:rPr>
-              <a:t> in a row are retrieved either by name or by column number</a:t>
-            </a:r>
-          </a:p>
-          <a:p>
-            <a:pPr eaLnBrk="0" fontAlgn="base" hangingPunct="0">
-              <a:lnSpc>
-                <a:spcPct val="100000"/>
-              </a:lnSpc>
-              <a:spcBef>
-                <a:spcPct val="0"/>
-              </a:spcBef>
-              <a:spcAft>
-                <a:spcPct val="0"/>
-              </a:spcAft>
-            </a:pPr>
-            <a:r>
-              <a:rPr lang="en-US" altLang="en-US" dirty="0">
-                <a:solidFill>
-                  <a:srgbClr val="222222"/>
-                </a:solidFill>
-                <a:latin typeface="Arial" panose="020B0604020202020204" pitchFamily="34" charset="0"/>
-                <a:cs typeface="Arial" panose="020B0604020202020204" pitchFamily="34" charset="0"/>
-              </a:rPr>
-              <a:t>There may be any number of rows in the result set</a:t>
-            </a:r>
-          </a:p>
-          <a:p>
-            <a:pPr eaLnBrk="0" fontAlgn="base" hangingPunct="0">
-              <a:lnSpc>
-                <a:spcPct val="100000"/>
-              </a:lnSpc>
-              <a:spcBef>
-                <a:spcPct val="0"/>
-              </a:spcBef>
-              <a:spcAft>
-                <a:spcPct val="0"/>
-              </a:spcAft>
-            </a:pPr>
-            <a:r>
-              <a:rPr lang="en-US" altLang="en-US" dirty="0">
-                <a:solidFill>
-                  <a:srgbClr val="222222"/>
-                </a:solidFill>
-                <a:latin typeface="Arial" panose="020B0604020202020204" pitchFamily="34" charset="0"/>
-                <a:cs typeface="Arial" panose="020B0604020202020204" pitchFamily="34" charset="0"/>
-              </a:rPr>
-              <a:t>The row result set has metadata that describes the names of the columns and their types</a:t>
-            </a:r>
-            <a:endParaRPr lang="en-US" altLang="en-US" dirty="0">
-              <a:latin typeface="Arial" panose="020B0604020202020204" pitchFamily="34" charset="0"/>
-              <a:cs typeface="Arial" panose="020B0604020202020204" pitchFamily="34" charset="0"/>
-            </a:endParaRPr>
-          </a:p>
-          <a:p>
-            <a:endParaRPr lang="en-US" dirty="0">
-              <a:latin typeface="Arial" panose="020B0604020202020204" pitchFamily="34" charset="0"/>
-              <a:cs typeface="Arial" panose="020B0604020202020204" pitchFamily="34" charset="0"/>
-            </a:endParaRPr>
-          </a:p>
-        </p:txBody>
-      </p:sp>
-    </p:spTree>
-    <p:extLst>
-      <p:ext uri="{BB962C8B-B14F-4D97-AF65-F5344CB8AC3E}">
-        <p14:creationId xmlns:p14="http://schemas.microsoft.com/office/powerpoint/2010/main" val="4245947990"/>
-      </p:ext>
-    </p:extLst>
-  </p:cSld>
-  <p:clrMapOvr>
-    <a:masterClrMapping/>
-  </p:clrMapOvr>
-</p:sld>
-</file>
-
-<file path=ppt/slides/slide16.xml><?xml version="1.0" encoding="utf-8"?>
-<p:sld xmlns:a="http://schemas.openxmlformats.org/drawingml/2006/main" xmlns:r="http://schemas.openxmlformats.org/officeDocument/2006/relationships" xmlns:p="http://schemas.openxmlformats.org/presentationml/2006/main">
-  <p:cSld>
-    <p:spTree>
-      <p:nvGrpSpPr>
-        <p:cNvPr id="1" name=""/>
-        <p:cNvGrpSpPr/>
-        <p:nvPr/>
-      </p:nvGrpSpPr>
-      <p:grpSpPr>
-        <a:xfrm>
-          <a:off x="0" y="0"/>
-          <a:ext cx="0" cy="0"/>
-          <a:chOff x="0" y="0"/>
-          <a:chExt cx="0" cy="0"/>
-        </a:xfrm>
-      </p:grpSpPr>
-      <p:sp>
-        <p:nvSpPr>
-          <p:cNvPr id="2" name="Title 1">
-            <a:extLst>
-              <a:ext uri="{FF2B5EF4-FFF2-40B4-BE49-F238E27FC236}">
-                <a16:creationId xmlns:a16="http://schemas.microsoft.com/office/drawing/2014/main" id="{818C3A69-2CF9-4309-A933-28B81DD84199}"/>
-              </a:ext>
-            </a:extLst>
-          </p:cNvPr>
-          <p:cNvSpPr>
-            <a:spLocks noGrp="1"/>
-          </p:cNvSpPr>
-          <p:nvPr>
-            <p:ph type="title"/>
-          </p:nvPr>
-        </p:nvSpPr>
-        <p:spPr>
-          <a:xfrm>
-            <a:off x="838200" y="365126"/>
-            <a:ext cx="10515600" cy="922986"/>
-          </a:xfrm>
-        </p:spPr>
-        <p:txBody>
-          <a:bodyPr/>
-          <a:lstStyle/>
-          <a:p>
-            <a:r>
-              <a:rPr lang="en-US" dirty="0">
-                <a:latin typeface="Franklin Gothic Book" panose="020B0503020102020204" pitchFamily="34" charset="0"/>
-              </a:rPr>
-              <a:t>Statement Class</a:t>
-            </a:r>
-          </a:p>
-        </p:txBody>
-      </p:sp>
-      <p:sp>
-        <p:nvSpPr>
-          <p:cNvPr id="3" name="Content Placeholder 2">
-            <a:extLst>
-              <a:ext uri="{FF2B5EF4-FFF2-40B4-BE49-F238E27FC236}">
-                <a16:creationId xmlns:a16="http://schemas.microsoft.com/office/drawing/2014/main" id="{27BE9567-6084-45EA-A644-8CE2994F2703}"/>
-              </a:ext>
-            </a:extLst>
-          </p:cNvPr>
-          <p:cNvSpPr>
-            <a:spLocks noGrp="1"/>
-          </p:cNvSpPr>
-          <p:nvPr>
-            <p:ph idx="1"/>
-          </p:nvPr>
-        </p:nvSpPr>
-        <p:spPr>
-          <a:xfrm>
-            <a:off x="838200" y="1415332"/>
-            <a:ext cx="10515600" cy="4761631"/>
-          </a:xfrm>
-        </p:spPr>
-        <p:txBody>
-          <a:bodyPr/>
-          <a:lstStyle/>
-          <a:p>
-            <a:pPr marL="0" indent="0">
-              <a:buNone/>
-            </a:pPr>
-            <a:r>
-              <a:rPr lang="en-US" dirty="0"/>
-              <a:t>We can use Statement class to execute SQL query.</a:t>
-            </a:r>
-          </a:p>
-          <a:p>
-            <a:pPr marL="0" indent="0">
-              <a:buNone/>
-            </a:pPr>
-            <a:r>
-              <a:rPr lang="en-US" dirty="0"/>
-              <a:t>See the following code :</a:t>
-            </a:r>
-          </a:p>
-          <a:p>
-            <a:pPr marL="0" indent="0">
-              <a:buNone/>
-            </a:pPr>
-            <a:endParaRPr lang="en-US" b="1" dirty="0"/>
-          </a:p>
-          <a:p>
-            <a:pPr marL="0" indent="0">
-              <a:buNone/>
-            </a:pPr>
-            <a:endParaRPr lang="en-US" b="1" dirty="0"/>
-          </a:p>
-          <a:p>
-            <a:pPr marL="0" indent="0">
-              <a:buNone/>
-            </a:pPr>
-            <a:endParaRPr lang="en-US" b="1" dirty="0"/>
-          </a:p>
-          <a:p>
-            <a:pPr marL="0" indent="0">
-              <a:buNone/>
-            </a:pPr>
-            <a:endParaRPr lang="en-US" dirty="0"/>
-          </a:p>
-          <a:p>
-            <a:pPr marL="0" indent="0">
-              <a:buNone/>
-            </a:pPr>
-            <a:r>
-              <a:rPr lang="en-US" dirty="0"/>
-              <a:t>In this code, we can inject malicious code to perform SQL inject which we are discussing earlier.</a:t>
-            </a:r>
-          </a:p>
-          <a:p>
-            <a:pPr marL="0" indent="0">
-              <a:buNone/>
-            </a:pPr>
-            <a:endParaRPr lang="en-US" b="1" dirty="0"/>
-          </a:p>
-        </p:txBody>
-      </p:sp>
-      <p:sp>
-        <p:nvSpPr>
-          <p:cNvPr id="4" name="TextBox 3">
-            <a:extLst>
-              <a:ext uri="{FF2B5EF4-FFF2-40B4-BE49-F238E27FC236}">
-                <a16:creationId xmlns:a16="http://schemas.microsoft.com/office/drawing/2014/main" id="{B854F326-7D63-446E-A885-82E0BEF65200}"/>
-              </a:ext>
-            </a:extLst>
-          </p:cNvPr>
-          <p:cNvSpPr txBox="1"/>
-          <p:nvPr/>
-        </p:nvSpPr>
-        <p:spPr>
-          <a:xfrm>
-            <a:off x="838200" y="2690336"/>
-            <a:ext cx="10515599" cy="1754326"/>
-          </a:xfrm>
-          <a:prstGeom prst="rect">
-            <a:avLst/>
-          </a:prstGeom>
-          <a:solidFill>
-            <a:schemeClr val="accent3">
-              <a:lumMod val="40000"/>
-              <a:lumOff val="60000"/>
-            </a:schemeClr>
-          </a:solidFill>
-        </p:spPr>
-        <p:txBody>
-          <a:bodyPr wrap="square" rtlCol="0">
-            <a:spAutoFit/>
-          </a:bodyPr>
-          <a:lstStyle/>
-          <a:p>
-            <a:r>
-              <a:rPr lang="en-US" dirty="0"/>
-              <a:t>Connection con = </a:t>
-            </a:r>
-            <a:r>
-              <a:rPr lang="en-US" dirty="0" err="1"/>
-              <a:t>DBConnection.getConnection</a:t>
-            </a:r>
-            <a:r>
-              <a:rPr lang="en-US" dirty="0"/>
-              <a:t>(); </a:t>
-            </a:r>
-          </a:p>
-          <a:p>
-            <a:r>
-              <a:rPr lang="en-US" dirty="0"/>
-              <a:t>Statement </a:t>
-            </a:r>
-            <a:r>
-              <a:rPr lang="en-US" dirty="0" err="1"/>
-              <a:t>stmt</a:t>
-            </a:r>
-            <a:r>
-              <a:rPr lang="en-US" dirty="0"/>
-              <a:t> = </a:t>
-            </a:r>
-            <a:r>
-              <a:rPr lang="en-US" dirty="0" err="1"/>
-              <a:t>con.createStatement</a:t>
-            </a:r>
-            <a:r>
-              <a:rPr lang="en-US" dirty="0"/>
-              <a:t>(); </a:t>
-            </a:r>
-          </a:p>
-          <a:p>
-            <a:r>
-              <a:rPr lang="en-US" dirty="0"/>
-              <a:t>String query = "select name, country, password from Users where email = \'"+id+"' and 			password=\'"+</a:t>
-            </a:r>
-            <a:r>
-              <a:rPr lang="en-US" dirty="0" err="1"/>
-              <a:t>pwd</a:t>
-            </a:r>
-            <a:r>
-              <a:rPr lang="en-US" dirty="0"/>
-              <a:t>+“\'";  </a:t>
-            </a:r>
-          </a:p>
-          <a:p>
-            <a:r>
-              <a:rPr lang="en-US" dirty="0" err="1"/>
-              <a:t>stmt.executeQuery</a:t>
-            </a:r>
-            <a:r>
-              <a:rPr lang="en-US" dirty="0"/>
-              <a:t>(query);</a:t>
-            </a:r>
-          </a:p>
-          <a:p>
-            <a:endParaRPr lang="en-US" dirty="0"/>
-          </a:p>
-        </p:txBody>
-      </p:sp>
-    </p:spTree>
-    <p:extLst>
-      <p:ext uri="{BB962C8B-B14F-4D97-AF65-F5344CB8AC3E}">
-        <p14:creationId xmlns:p14="http://schemas.microsoft.com/office/powerpoint/2010/main" val="2409524689"/>
-      </p:ext>
-    </p:extLst>
-  </p:cSld>
-  <p:clrMapOvr>
-    <a:masterClrMapping/>
-  </p:clrMapOvr>
-</p:sld>
-</file>
-
-<file path=ppt/slides/slide17.xml><?xml version="1.0" encoding="utf-8"?>
-<p:sld xmlns:a="http://schemas.openxmlformats.org/drawingml/2006/main" xmlns:r="http://schemas.openxmlformats.org/officeDocument/2006/relationships" xmlns:p="http://schemas.openxmlformats.org/presentationml/2006/main">
-  <p:cSld>
-    <p:spTree>
-      <p:nvGrpSpPr>
-        <p:cNvPr id="1" name=""/>
-        <p:cNvGrpSpPr/>
-        <p:nvPr/>
-      </p:nvGrpSpPr>
-      <p:grpSpPr>
-        <a:xfrm>
-          <a:off x="0" y="0"/>
-          <a:ext cx="0" cy="0"/>
-          <a:chOff x="0" y="0"/>
-          <a:chExt cx="0" cy="0"/>
-        </a:xfrm>
-      </p:grpSpPr>
-      <p:sp>
-        <p:nvSpPr>
-          <p:cNvPr id="2" name="Title 1">
-            <a:extLst>
-              <a:ext uri="{FF2B5EF4-FFF2-40B4-BE49-F238E27FC236}">
                 <a16:creationId xmlns:a16="http://schemas.microsoft.com/office/drawing/2014/main" id="{818C3A69-2CF9-4309-A933-28B81DD84199}"/>
               </a:ext>
             </a:extLst>
@@ -8533,7 +7305,7 @@
 </p:sld>
 </file>
 
-<file path=ppt/slides/slide18.xml><?xml version="1.0" encoding="utf-8"?>
+<file path=ppt/slides/slide12.xml><?xml version="1.0" encoding="utf-8"?>
 <p:sld xmlns:a="http://schemas.openxmlformats.org/drawingml/2006/main" xmlns:r="http://schemas.openxmlformats.org/officeDocument/2006/relationships" xmlns:p="http://schemas.openxmlformats.org/presentationml/2006/main">
   <p:cSld>
     <p:bg>
@@ -8700,6 +7472,900 @@
 </p:sld>
 </file>
 
+<file path=ppt/slides/slide13.xml><?xml version="1.0" encoding="utf-8"?>
+<p:sld xmlns:a="http://schemas.openxmlformats.org/drawingml/2006/main" xmlns:r="http://schemas.openxmlformats.org/officeDocument/2006/relationships" xmlns:p="http://schemas.openxmlformats.org/presentationml/2006/main">
+  <p:cSld>
+    <p:spTree>
+      <p:nvGrpSpPr>
+        <p:cNvPr id="1" name=""/>
+        <p:cNvGrpSpPr/>
+        <p:nvPr/>
+      </p:nvGrpSpPr>
+      <p:grpSpPr>
+        <a:xfrm>
+          <a:off x="0" y="0"/>
+          <a:ext cx="0" cy="0"/>
+          <a:chOff x="0" y="0"/>
+          <a:chExt cx="0" cy="0"/>
+        </a:xfrm>
+      </p:grpSpPr>
+      <p:pic>
+        <p:nvPicPr>
+          <p:cNvPr id="5" name="Content Placeholder 4">
+            <a:extLst>
+              <a:ext uri="{FF2B5EF4-FFF2-40B4-BE49-F238E27FC236}">
+                <a16:creationId xmlns:a16="http://schemas.microsoft.com/office/drawing/2014/main" id="{8D69B690-478C-4901-9C32-9BEDEF7FCE32}"/>
+              </a:ext>
+            </a:extLst>
+          </p:cNvPr>
+          <p:cNvPicPr>
+            <a:picLocks noGrp="1" noChangeAspect="1"/>
+          </p:cNvPicPr>
+          <p:nvPr>
+            <p:ph idx="1"/>
+          </p:nvPr>
+        </p:nvPicPr>
+        <p:blipFill>
+          <a:blip r:embed="rId2">
+            <a:extLst>
+              <a:ext uri="{28A0092B-C50C-407E-A947-70E740481C1C}">
+                <a14:useLocalDpi xmlns:a14="http://schemas.microsoft.com/office/drawing/2010/main" val="0"/>
+              </a:ext>
+            </a:extLst>
+          </a:blip>
+          <a:stretch>
+            <a:fillRect/>
+          </a:stretch>
+        </p:blipFill>
+        <p:spPr>
+          <a:xfrm>
+            <a:off x="383516" y="1245367"/>
+            <a:ext cx="11424968" cy="4367266"/>
+          </a:xfrm>
+        </p:spPr>
+      </p:pic>
+    </p:spTree>
+    <p:extLst>
+      <p:ext uri="{BB962C8B-B14F-4D97-AF65-F5344CB8AC3E}">
+        <p14:creationId xmlns:p14="http://schemas.microsoft.com/office/powerpoint/2010/main" val="1924560903"/>
+      </p:ext>
+    </p:extLst>
+  </p:cSld>
+  <p:clrMapOvr>
+    <a:masterClrMapping/>
+  </p:clrMapOvr>
+</p:sld>
+</file>
+
+<file path=ppt/slides/slide14.xml><?xml version="1.0" encoding="utf-8"?>
+<p:sld xmlns:a="http://schemas.openxmlformats.org/drawingml/2006/main" xmlns:r="http://schemas.openxmlformats.org/officeDocument/2006/relationships" xmlns:p="http://schemas.openxmlformats.org/presentationml/2006/main">
+  <p:cSld>
+    <p:spTree>
+      <p:nvGrpSpPr>
+        <p:cNvPr id="1" name=""/>
+        <p:cNvGrpSpPr/>
+        <p:nvPr/>
+      </p:nvGrpSpPr>
+      <p:grpSpPr>
+        <a:xfrm>
+          <a:off x="0" y="0"/>
+          <a:ext cx="0" cy="0"/>
+          <a:chOff x="0" y="0"/>
+          <a:chExt cx="0" cy="0"/>
+        </a:xfrm>
+      </p:grpSpPr>
+      <p:sp>
+        <p:nvSpPr>
+          <p:cNvPr id="2" name="Title 1">
+            <a:extLst>
+              <a:ext uri="{FF2B5EF4-FFF2-40B4-BE49-F238E27FC236}">
+                <a16:creationId xmlns:a16="http://schemas.microsoft.com/office/drawing/2014/main" id="{976B7C23-67CA-46D7-8E6E-6325EF064630}"/>
+              </a:ext>
+            </a:extLst>
+          </p:cNvPr>
+          <p:cNvSpPr>
+            <a:spLocks noGrp="1"/>
+          </p:cNvSpPr>
+          <p:nvPr>
+            <p:ph type="title"/>
+          </p:nvPr>
+        </p:nvSpPr>
+        <p:spPr>
+          <a:xfrm>
+            <a:off x="838200" y="396930"/>
+            <a:ext cx="10515600" cy="756009"/>
+          </a:xfrm>
+        </p:spPr>
+        <p:txBody>
+          <a:bodyPr/>
+          <a:lstStyle/>
+          <a:p>
+            <a:r>
+              <a:rPr lang="en-US" dirty="0">
+                <a:latin typeface="Franklin Gothic Book" panose="020B0503020102020204" pitchFamily="34" charset="0"/>
+              </a:rPr>
+              <a:t>Data Collection and Preparation Phase</a:t>
+            </a:r>
+          </a:p>
+        </p:txBody>
+      </p:sp>
+      <p:sp>
+        <p:nvSpPr>
+          <p:cNvPr id="3" name="Content Placeholder 2">
+            <a:extLst>
+              <a:ext uri="{FF2B5EF4-FFF2-40B4-BE49-F238E27FC236}">
+                <a16:creationId xmlns:a16="http://schemas.microsoft.com/office/drawing/2014/main" id="{D67BD02C-74C8-4D0F-A9FF-979369B86C05}"/>
+              </a:ext>
+            </a:extLst>
+          </p:cNvPr>
+          <p:cNvSpPr>
+            <a:spLocks noGrp="1"/>
+          </p:cNvSpPr>
+          <p:nvPr>
+            <p:ph idx="1"/>
+          </p:nvPr>
+        </p:nvSpPr>
+        <p:spPr>
+          <a:xfrm>
+            <a:off x="838200" y="2210462"/>
+            <a:ext cx="10515600" cy="2687541"/>
+          </a:xfrm>
+        </p:spPr>
+        <p:txBody>
+          <a:bodyPr/>
+          <a:lstStyle/>
+          <a:p>
+            <a:r>
+              <a:rPr lang="en-US" dirty="0"/>
+              <a:t>We collect data from </a:t>
+            </a:r>
+            <a:r>
+              <a:rPr lang="en-US" dirty="0" err="1"/>
+              <a:t>Github</a:t>
+            </a:r>
+            <a:r>
+              <a:rPr lang="en-US" dirty="0"/>
+              <a:t> by their API.</a:t>
+            </a:r>
+          </a:p>
+          <a:p>
+            <a:r>
+              <a:rPr lang="en-US" dirty="0"/>
+              <a:t>We use a python script which  will collect Java project from </a:t>
+            </a:r>
+            <a:r>
+              <a:rPr lang="en-US" dirty="0" err="1"/>
+              <a:t>Github</a:t>
+            </a:r>
+            <a:r>
+              <a:rPr lang="en-US" dirty="0"/>
+              <a:t> and track the downloaded file.</a:t>
+            </a:r>
+          </a:p>
+          <a:p>
+            <a:r>
+              <a:rPr lang="en-US" dirty="0"/>
+              <a:t>We also collect data from some projects which using JDBC.</a:t>
+            </a:r>
+          </a:p>
+        </p:txBody>
+      </p:sp>
+    </p:spTree>
+    <p:extLst>
+      <p:ext uri="{BB962C8B-B14F-4D97-AF65-F5344CB8AC3E}">
+        <p14:creationId xmlns:p14="http://schemas.microsoft.com/office/powerpoint/2010/main" val="138118208"/>
+      </p:ext>
+    </p:extLst>
+  </p:cSld>
+  <p:clrMapOvr>
+    <a:masterClrMapping/>
+  </p:clrMapOvr>
+</p:sld>
+</file>
+
+<file path=ppt/slides/slide15.xml><?xml version="1.0" encoding="utf-8"?>
+<p:sld xmlns:a="http://schemas.openxmlformats.org/drawingml/2006/main" xmlns:r="http://schemas.openxmlformats.org/officeDocument/2006/relationships" xmlns:p="http://schemas.openxmlformats.org/presentationml/2006/main">
+  <p:cSld>
+    <p:spTree>
+      <p:nvGrpSpPr>
+        <p:cNvPr id="1" name=""/>
+        <p:cNvGrpSpPr/>
+        <p:nvPr/>
+      </p:nvGrpSpPr>
+      <p:grpSpPr>
+        <a:xfrm>
+          <a:off x="0" y="0"/>
+          <a:ext cx="0" cy="0"/>
+          <a:chOff x="0" y="0"/>
+          <a:chExt cx="0" cy="0"/>
+        </a:xfrm>
+      </p:grpSpPr>
+      <p:sp>
+        <p:nvSpPr>
+          <p:cNvPr id="2" name="Title 1">
+            <a:extLst>
+              <a:ext uri="{FF2B5EF4-FFF2-40B4-BE49-F238E27FC236}">
+                <a16:creationId xmlns:a16="http://schemas.microsoft.com/office/drawing/2014/main" id="{976B7C23-67CA-46D7-8E6E-6325EF064630}"/>
+              </a:ext>
+            </a:extLst>
+          </p:cNvPr>
+          <p:cNvSpPr>
+            <a:spLocks noGrp="1"/>
+          </p:cNvSpPr>
+          <p:nvPr>
+            <p:ph type="title"/>
+          </p:nvPr>
+        </p:nvSpPr>
+        <p:spPr>
+          <a:xfrm>
+            <a:off x="838200" y="396930"/>
+            <a:ext cx="10515600" cy="756009"/>
+          </a:xfrm>
+        </p:spPr>
+        <p:txBody>
+          <a:bodyPr/>
+          <a:lstStyle/>
+          <a:p>
+            <a:r>
+              <a:rPr lang="en-US" dirty="0">
+                <a:latin typeface="Franklin Gothic Book" panose="020B0503020102020204" pitchFamily="34" charset="0"/>
+              </a:rPr>
+              <a:t>Data Collection and Preparation Phase</a:t>
+            </a:r>
+          </a:p>
+        </p:txBody>
+      </p:sp>
+      <p:sp>
+        <p:nvSpPr>
+          <p:cNvPr id="3" name="Content Placeholder 2">
+            <a:extLst>
+              <a:ext uri="{FF2B5EF4-FFF2-40B4-BE49-F238E27FC236}">
+                <a16:creationId xmlns:a16="http://schemas.microsoft.com/office/drawing/2014/main" id="{D67BD02C-74C8-4D0F-A9FF-979369B86C05}"/>
+              </a:ext>
+            </a:extLst>
+          </p:cNvPr>
+          <p:cNvSpPr>
+            <a:spLocks noGrp="1"/>
+          </p:cNvSpPr>
+          <p:nvPr>
+            <p:ph idx="1"/>
+          </p:nvPr>
+        </p:nvSpPr>
+        <p:spPr>
+          <a:xfrm>
+            <a:off x="838200" y="1780911"/>
+            <a:ext cx="10515600" cy="3296178"/>
+          </a:xfrm>
+        </p:spPr>
+        <p:txBody>
+          <a:bodyPr>
+            <a:normAutofit/>
+          </a:bodyPr>
+          <a:lstStyle/>
+          <a:p>
+            <a:r>
+              <a:rPr lang="en-US" dirty="0"/>
+              <a:t>We </a:t>
+            </a:r>
+            <a:r>
+              <a:rPr lang="en-US" dirty="0" err="1"/>
+              <a:t>wuse</a:t>
+            </a:r>
+            <a:r>
+              <a:rPr lang="en-US" dirty="0"/>
+              <a:t> Bash script to modify the data folder and find out SQL queries in java repository downloaded by </a:t>
+            </a:r>
+            <a:r>
+              <a:rPr lang="en-US" dirty="0" err="1"/>
+              <a:t>Github</a:t>
+            </a:r>
+            <a:r>
+              <a:rPr lang="en-US" dirty="0"/>
+              <a:t> API.</a:t>
+            </a:r>
+          </a:p>
+          <a:p>
+            <a:r>
+              <a:rPr lang="en-US" dirty="0"/>
+              <a:t>We  use </a:t>
+            </a:r>
+            <a:r>
+              <a:rPr lang="en-US" dirty="0" err="1"/>
+              <a:t>JavaParser</a:t>
+            </a:r>
+            <a:r>
+              <a:rPr lang="en-US" dirty="0"/>
+              <a:t>(an open source library to parse java code) to get all functions of a Java file.</a:t>
+            </a:r>
+          </a:p>
+          <a:p>
+            <a:r>
+              <a:rPr lang="en-US" dirty="0"/>
+              <a:t>Then add this Java function into a dummy class.</a:t>
+            </a:r>
+          </a:p>
+          <a:p>
+            <a:r>
+              <a:rPr lang="en-US" dirty="0"/>
+              <a:t>After this, we replace “Statement” class with “</a:t>
+            </a:r>
+            <a:r>
+              <a:rPr lang="en-US" dirty="0" err="1"/>
+              <a:t>preparedStatement</a:t>
+            </a:r>
+            <a:r>
+              <a:rPr lang="en-US" dirty="0"/>
+              <a:t>” and other necessary changes.</a:t>
+            </a:r>
+          </a:p>
+          <a:p>
+            <a:endParaRPr lang="en-US" dirty="0"/>
+          </a:p>
+        </p:txBody>
+      </p:sp>
+    </p:spTree>
+    <p:extLst>
+      <p:ext uri="{BB962C8B-B14F-4D97-AF65-F5344CB8AC3E}">
+        <p14:creationId xmlns:p14="http://schemas.microsoft.com/office/powerpoint/2010/main" val="1372770989"/>
+      </p:ext>
+    </p:extLst>
+  </p:cSld>
+  <p:clrMapOvr>
+    <a:masterClrMapping/>
+  </p:clrMapOvr>
+</p:sld>
+</file>
+
+<file path=ppt/slides/slide16.xml><?xml version="1.0" encoding="utf-8"?>
+<p:sld xmlns:a="http://schemas.openxmlformats.org/drawingml/2006/main" xmlns:r="http://schemas.openxmlformats.org/officeDocument/2006/relationships" xmlns:p="http://schemas.openxmlformats.org/presentationml/2006/main">
+  <p:cSld>
+    <p:spTree>
+      <p:nvGrpSpPr>
+        <p:cNvPr id="1" name=""/>
+        <p:cNvGrpSpPr/>
+        <p:nvPr/>
+      </p:nvGrpSpPr>
+      <p:grpSpPr>
+        <a:xfrm>
+          <a:off x="0" y="0"/>
+          <a:ext cx="0" cy="0"/>
+          <a:chOff x="0" y="0"/>
+          <a:chExt cx="0" cy="0"/>
+        </a:xfrm>
+      </p:grpSpPr>
+      <p:sp>
+        <p:nvSpPr>
+          <p:cNvPr id="2" name="Title 1">
+            <a:extLst>
+              <a:ext uri="{FF2B5EF4-FFF2-40B4-BE49-F238E27FC236}">
+                <a16:creationId xmlns:a16="http://schemas.microsoft.com/office/drawing/2014/main" id="{976B7C23-67CA-46D7-8E6E-6325EF064630}"/>
+              </a:ext>
+            </a:extLst>
+          </p:cNvPr>
+          <p:cNvSpPr>
+            <a:spLocks noGrp="1"/>
+          </p:cNvSpPr>
+          <p:nvPr>
+            <p:ph type="title"/>
+          </p:nvPr>
+        </p:nvSpPr>
+        <p:spPr>
+          <a:xfrm>
+            <a:off x="838200" y="396930"/>
+            <a:ext cx="10515600" cy="756009"/>
+          </a:xfrm>
+        </p:spPr>
+        <p:txBody>
+          <a:bodyPr/>
+          <a:lstStyle/>
+          <a:p>
+            <a:r>
+              <a:rPr lang="en-US" dirty="0">
+                <a:latin typeface="Franklin Gothic Book" panose="020B0503020102020204" pitchFamily="34" charset="0"/>
+              </a:rPr>
+              <a:t>Data Collection and Preparation Phase</a:t>
+            </a:r>
+          </a:p>
+        </p:txBody>
+      </p:sp>
+      <p:sp>
+        <p:nvSpPr>
+          <p:cNvPr id="3" name="Content Placeholder 2">
+            <a:extLst>
+              <a:ext uri="{FF2B5EF4-FFF2-40B4-BE49-F238E27FC236}">
+                <a16:creationId xmlns:a16="http://schemas.microsoft.com/office/drawing/2014/main" id="{D67BD02C-74C8-4D0F-A9FF-979369B86C05}"/>
+              </a:ext>
+            </a:extLst>
+          </p:cNvPr>
+          <p:cNvSpPr>
+            <a:spLocks noGrp="1"/>
+          </p:cNvSpPr>
+          <p:nvPr>
+            <p:ph idx="1"/>
+          </p:nvPr>
+        </p:nvSpPr>
+        <p:spPr>
+          <a:xfrm>
+            <a:off x="838200" y="1558454"/>
+            <a:ext cx="10515600" cy="4592964"/>
+          </a:xfrm>
+        </p:spPr>
+        <p:txBody>
+          <a:bodyPr>
+            <a:normAutofit/>
+          </a:bodyPr>
+          <a:lstStyle/>
+          <a:p>
+            <a:r>
+              <a:rPr lang="en-US" dirty="0"/>
+              <a:t>After all this steps, each folder will contain two files :</a:t>
+            </a:r>
+          </a:p>
+          <a:p>
+            <a:pPr marL="514350" indent="-514350">
+              <a:buAutoNum type="arabicPeriod"/>
+            </a:pPr>
+            <a:r>
+              <a:rPr lang="en-US" b="1" dirty="0"/>
+              <a:t>before.java</a:t>
+            </a:r>
+            <a:r>
+              <a:rPr lang="en-US" dirty="0"/>
+              <a:t>: main java function containing the SQL query encapsulated in dummy class.</a:t>
+            </a:r>
+          </a:p>
+          <a:p>
+            <a:pPr marL="514350" indent="-514350">
+              <a:buAutoNum type="arabicPeriod"/>
+            </a:pPr>
+            <a:r>
+              <a:rPr lang="en-US" b="1" dirty="0"/>
+              <a:t>after.java</a:t>
+            </a:r>
+            <a:r>
+              <a:rPr lang="en-US" dirty="0"/>
+              <a:t>: solution java function containing the SQL query in the prepared statement.</a:t>
+            </a:r>
+          </a:p>
+          <a:p>
+            <a:r>
+              <a:rPr lang="en-US" dirty="0"/>
+              <a:t>Then, we take all </a:t>
+            </a:r>
+            <a:r>
+              <a:rPr lang="en-US" b="1" dirty="0"/>
+              <a:t>before.java </a:t>
+            </a:r>
+            <a:r>
+              <a:rPr lang="en-US" dirty="0"/>
+              <a:t>codes in one folder and </a:t>
+            </a:r>
+            <a:r>
+              <a:rPr lang="en-US" b="1" dirty="0"/>
+              <a:t>after.java </a:t>
+            </a:r>
+            <a:r>
+              <a:rPr lang="en-US" dirty="0"/>
+              <a:t>codes in another folder with a suffix of the data id added after before and after.</a:t>
+            </a:r>
+          </a:p>
+          <a:p>
+            <a:pPr marL="0" indent="0">
+              <a:buNone/>
+            </a:pPr>
+            <a:r>
+              <a:rPr lang="en-US" dirty="0"/>
+              <a:t>In this way, data are be prepared for the next steps.</a:t>
+            </a:r>
+            <a:br>
+              <a:rPr lang="en-US" dirty="0"/>
+            </a:br>
+            <a:endParaRPr lang="en-US" dirty="0"/>
+          </a:p>
+        </p:txBody>
+      </p:sp>
+    </p:spTree>
+    <p:extLst>
+      <p:ext uri="{BB962C8B-B14F-4D97-AF65-F5344CB8AC3E}">
+        <p14:creationId xmlns:p14="http://schemas.microsoft.com/office/powerpoint/2010/main" val="2046639156"/>
+      </p:ext>
+    </p:extLst>
+  </p:cSld>
+  <p:clrMapOvr>
+    <a:masterClrMapping/>
+  </p:clrMapOvr>
+</p:sld>
+</file>
+
+<file path=ppt/slides/slide17.xml><?xml version="1.0" encoding="utf-8"?>
+<p:sld xmlns:a="http://schemas.openxmlformats.org/drawingml/2006/main" xmlns:r="http://schemas.openxmlformats.org/officeDocument/2006/relationships" xmlns:p="http://schemas.openxmlformats.org/presentationml/2006/main">
+  <p:cSld>
+    <p:spTree>
+      <p:nvGrpSpPr>
+        <p:cNvPr id="1" name=""/>
+        <p:cNvGrpSpPr/>
+        <p:nvPr/>
+      </p:nvGrpSpPr>
+      <p:grpSpPr>
+        <a:xfrm>
+          <a:off x="0" y="0"/>
+          <a:ext cx="0" cy="0"/>
+          <a:chOff x="0" y="0"/>
+          <a:chExt cx="0" cy="0"/>
+        </a:xfrm>
+      </p:grpSpPr>
+      <p:sp>
+        <p:nvSpPr>
+          <p:cNvPr id="2" name="Title 1">
+            <a:extLst>
+              <a:ext uri="{FF2B5EF4-FFF2-40B4-BE49-F238E27FC236}">
+                <a16:creationId xmlns:a16="http://schemas.microsoft.com/office/drawing/2014/main" id="{976B7C23-67CA-46D7-8E6E-6325EF064630}"/>
+              </a:ext>
+            </a:extLst>
+          </p:cNvPr>
+          <p:cNvSpPr>
+            <a:spLocks noGrp="1"/>
+          </p:cNvSpPr>
+          <p:nvPr>
+            <p:ph type="title"/>
+          </p:nvPr>
+        </p:nvSpPr>
+        <p:spPr>
+          <a:xfrm>
+            <a:off x="838200" y="396930"/>
+            <a:ext cx="10515600" cy="756009"/>
+          </a:xfrm>
+        </p:spPr>
+        <p:txBody>
+          <a:bodyPr>
+            <a:normAutofit/>
+          </a:bodyPr>
+          <a:lstStyle/>
+          <a:p>
+            <a:r>
+              <a:rPr lang="en-US" dirty="0">
+                <a:latin typeface="Franklin Gothic Book" panose="020B0503020102020204" pitchFamily="34" charset="0"/>
+              </a:rPr>
+              <a:t>Gumtree Spoon AST Diff</a:t>
+            </a:r>
+          </a:p>
+        </p:txBody>
+      </p:sp>
+      <p:sp>
+        <p:nvSpPr>
+          <p:cNvPr id="3" name="Content Placeholder 2">
+            <a:extLst>
+              <a:ext uri="{FF2B5EF4-FFF2-40B4-BE49-F238E27FC236}">
+                <a16:creationId xmlns:a16="http://schemas.microsoft.com/office/drawing/2014/main" id="{D67BD02C-74C8-4D0F-A9FF-979369B86C05}"/>
+              </a:ext>
+            </a:extLst>
+          </p:cNvPr>
+          <p:cNvSpPr>
+            <a:spLocks noGrp="1"/>
+          </p:cNvSpPr>
+          <p:nvPr>
+            <p:ph idx="1"/>
+          </p:nvPr>
+        </p:nvSpPr>
+        <p:spPr>
+          <a:xfrm>
+            <a:off x="838200" y="1953492"/>
+            <a:ext cx="10515600" cy="3449782"/>
+          </a:xfrm>
+        </p:spPr>
+        <p:txBody>
+          <a:bodyPr>
+            <a:normAutofit/>
+          </a:bodyPr>
+          <a:lstStyle/>
+          <a:p>
+            <a:r>
+              <a:rPr lang="en-US" dirty="0"/>
+              <a:t>Computes the AST difference between two </a:t>
+            </a:r>
+            <a:r>
+              <a:rPr lang="en-US" b="1" dirty="0"/>
+              <a:t>Spoon abstract syntax trees</a:t>
+            </a:r>
+            <a:r>
+              <a:rPr lang="en-US" dirty="0"/>
+              <a:t> using the </a:t>
+            </a:r>
+            <a:r>
+              <a:rPr lang="en-US" b="1" dirty="0"/>
+              <a:t>Gumtree algorithm </a:t>
+            </a:r>
+            <a:r>
+              <a:rPr lang="en-US" dirty="0"/>
+              <a:t>inspired from </a:t>
+            </a:r>
+            <a:r>
+              <a:rPr lang="en-US" b="1" dirty="0"/>
+              <a:t>Fine-grained and Accurate Source Code Differencing </a:t>
+            </a:r>
+            <a:r>
+              <a:rPr lang="en-US" dirty="0"/>
+              <a:t>by </a:t>
+            </a:r>
+            <a:r>
+              <a:rPr lang="en-US" b="1" dirty="0"/>
+              <a:t>Jean-Rémy </a:t>
+            </a:r>
+            <a:r>
+              <a:rPr lang="en-US" b="1" dirty="0" err="1"/>
+              <a:t>Falleri</a:t>
+            </a:r>
+            <a:r>
+              <a:rPr lang="en-US" dirty="0"/>
+              <a:t>, </a:t>
+            </a:r>
+            <a:r>
+              <a:rPr lang="en-US" b="1" dirty="0"/>
+              <a:t>Floréal </a:t>
+            </a:r>
+            <a:r>
+              <a:rPr lang="en-US" b="1" dirty="0" err="1"/>
+              <a:t>Morandat</a:t>
+            </a:r>
+            <a:r>
+              <a:rPr lang="en-US" dirty="0"/>
+              <a:t>, </a:t>
+            </a:r>
+            <a:r>
+              <a:rPr lang="en-US" b="1" dirty="0"/>
+              <a:t>Xavier Blanc</a:t>
+            </a:r>
+            <a:r>
+              <a:rPr lang="en-US" dirty="0"/>
+              <a:t>, </a:t>
+            </a:r>
+            <a:r>
+              <a:rPr lang="en-US" b="1" dirty="0"/>
+              <a:t>Matias Martinez</a:t>
+            </a:r>
+            <a:r>
+              <a:rPr lang="en-US" dirty="0"/>
+              <a:t>, </a:t>
+            </a:r>
+            <a:r>
+              <a:rPr lang="en-US" b="1" dirty="0"/>
+              <a:t>Martin </a:t>
+            </a:r>
+            <a:r>
+              <a:rPr lang="en-US" b="1" dirty="0" err="1"/>
+              <a:t>Monperrus</a:t>
+            </a:r>
+            <a:r>
+              <a:rPr lang="en-US" dirty="0"/>
+              <a:t>.</a:t>
+            </a:r>
+          </a:p>
+          <a:p>
+            <a:pPr marL="0" indent="0">
+              <a:buNone/>
+            </a:pPr>
+            <a:endParaRPr lang="en-US" dirty="0"/>
+          </a:p>
+          <a:p>
+            <a:r>
+              <a:rPr lang="en-US" dirty="0"/>
+              <a:t>This java library takes two java code as input, one is before code and after code and output a JSON file describing all differences between two codes in AST(Abstract Syntax Tree) format.</a:t>
+            </a:r>
+          </a:p>
+        </p:txBody>
+      </p:sp>
+    </p:spTree>
+    <p:extLst>
+      <p:ext uri="{BB962C8B-B14F-4D97-AF65-F5344CB8AC3E}">
+        <p14:creationId xmlns:p14="http://schemas.microsoft.com/office/powerpoint/2010/main" val="3579750640"/>
+      </p:ext>
+    </p:extLst>
+  </p:cSld>
+  <p:clrMapOvr>
+    <a:masterClrMapping/>
+  </p:clrMapOvr>
+</p:sld>
+</file>
+
+<file path=ppt/slides/slide18.xml><?xml version="1.0" encoding="utf-8"?>
+<p:sld xmlns:a="http://schemas.openxmlformats.org/drawingml/2006/main" xmlns:r="http://schemas.openxmlformats.org/officeDocument/2006/relationships" xmlns:p="http://schemas.openxmlformats.org/presentationml/2006/main">
+  <p:cSld>
+    <p:spTree>
+      <p:nvGrpSpPr>
+        <p:cNvPr id="1" name=""/>
+        <p:cNvGrpSpPr/>
+        <p:nvPr/>
+      </p:nvGrpSpPr>
+      <p:grpSpPr>
+        <a:xfrm>
+          <a:off x="0" y="0"/>
+          <a:ext cx="0" cy="0"/>
+          <a:chOff x="0" y="0"/>
+          <a:chExt cx="0" cy="0"/>
+        </a:xfrm>
+      </p:grpSpPr>
+      <p:sp>
+        <p:nvSpPr>
+          <p:cNvPr id="2" name="Title 1">
+            <a:extLst>
+              <a:ext uri="{FF2B5EF4-FFF2-40B4-BE49-F238E27FC236}">
+                <a16:creationId xmlns:a16="http://schemas.microsoft.com/office/drawing/2014/main" id="{976B7C23-67CA-46D7-8E6E-6325EF064630}"/>
+              </a:ext>
+            </a:extLst>
+          </p:cNvPr>
+          <p:cNvSpPr>
+            <a:spLocks noGrp="1"/>
+          </p:cNvSpPr>
+          <p:nvPr>
+            <p:ph type="title"/>
+          </p:nvPr>
+        </p:nvSpPr>
+        <p:spPr>
+          <a:xfrm>
+            <a:off x="838200" y="396930"/>
+            <a:ext cx="10515600" cy="756009"/>
+          </a:xfrm>
+        </p:spPr>
+        <p:txBody>
+          <a:bodyPr/>
+          <a:lstStyle/>
+          <a:p>
+            <a:r>
+              <a:rPr lang="en-US" dirty="0">
+                <a:latin typeface="Franklin Gothic Book" panose="020B0503020102020204" pitchFamily="34" charset="0"/>
+              </a:rPr>
+              <a:t>Dataset Preparation</a:t>
+            </a:r>
+          </a:p>
+        </p:txBody>
+      </p:sp>
+      <p:sp>
+        <p:nvSpPr>
+          <p:cNvPr id="3" name="Content Placeholder 2">
+            <a:extLst>
+              <a:ext uri="{FF2B5EF4-FFF2-40B4-BE49-F238E27FC236}">
+                <a16:creationId xmlns:a16="http://schemas.microsoft.com/office/drawing/2014/main" id="{D67BD02C-74C8-4D0F-A9FF-979369B86C05}"/>
+              </a:ext>
+            </a:extLst>
+          </p:cNvPr>
+          <p:cNvSpPr>
+            <a:spLocks noGrp="1"/>
+          </p:cNvSpPr>
+          <p:nvPr>
+            <p:ph idx="1"/>
+          </p:nvPr>
+        </p:nvSpPr>
+        <p:spPr>
+          <a:xfrm>
+            <a:off x="838200" y="1558454"/>
+            <a:ext cx="10515600" cy="4592964"/>
+          </a:xfrm>
+        </p:spPr>
+        <p:txBody>
+          <a:bodyPr>
+            <a:normAutofit lnSpcReduction="10000"/>
+          </a:bodyPr>
+          <a:lstStyle/>
+          <a:p>
+            <a:r>
+              <a:rPr lang="en-US" dirty="0"/>
+              <a:t>In the learning phase, we have to use a </a:t>
+            </a:r>
+            <a:r>
+              <a:rPr lang="en-US" b="1" dirty="0"/>
+              <a:t>tree </a:t>
+            </a:r>
+            <a:r>
+              <a:rPr lang="en-US" b="1" dirty="0" err="1"/>
+              <a:t>differencer</a:t>
+            </a:r>
+            <a:r>
+              <a:rPr lang="en-US" b="1" dirty="0"/>
+              <a:t> </a:t>
+            </a:r>
+            <a:r>
+              <a:rPr lang="en-US" dirty="0"/>
+              <a:t>to find out the change of code pair.</a:t>
+            </a:r>
+          </a:p>
+          <a:p>
+            <a:endParaRPr lang="en-US" dirty="0"/>
+          </a:p>
+          <a:p>
+            <a:endParaRPr lang="en-US" dirty="0"/>
+          </a:p>
+          <a:p>
+            <a:endParaRPr lang="en-US" dirty="0"/>
+          </a:p>
+          <a:p>
+            <a:endParaRPr lang="en-US" dirty="0"/>
+          </a:p>
+          <a:p>
+            <a:endParaRPr lang="en-US" dirty="0"/>
+          </a:p>
+          <a:p>
+            <a:r>
+              <a:rPr lang="en-US" dirty="0"/>
+              <a:t>We will use </a:t>
+            </a:r>
+            <a:r>
+              <a:rPr lang="en-US" b="1" dirty="0"/>
+              <a:t>Gumtree </a:t>
+            </a:r>
+            <a:r>
+              <a:rPr lang="en-US" dirty="0"/>
+              <a:t>as tree </a:t>
+            </a:r>
+            <a:r>
+              <a:rPr lang="en-US" dirty="0" err="1"/>
+              <a:t>differencer</a:t>
+            </a:r>
+            <a:r>
+              <a:rPr lang="en-US" dirty="0"/>
+              <a:t>.</a:t>
+            </a:r>
+          </a:p>
+          <a:p>
+            <a:r>
+              <a:rPr lang="en-US" dirty="0"/>
+              <a:t>We also use General SQL Parser for parsing SQL Query.</a:t>
+            </a:r>
+            <a:br>
+              <a:rPr lang="en-US" dirty="0"/>
+            </a:br>
+            <a:endParaRPr lang="en-US" dirty="0"/>
+          </a:p>
+        </p:txBody>
+      </p:sp>
+      <p:pic>
+        <p:nvPicPr>
+          <p:cNvPr id="5" name="Picture 4">
+            <a:extLst>
+              <a:ext uri="{FF2B5EF4-FFF2-40B4-BE49-F238E27FC236}">
+                <a16:creationId xmlns:a16="http://schemas.microsoft.com/office/drawing/2014/main" id="{B8EF08FE-1843-4C0B-87EA-DFBF1CA94A98}"/>
+              </a:ext>
+            </a:extLst>
+          </p:cNvPr>
+          <p:cNvPicPr>
+            <a:picLocks noChangeAspect="1"/>
+          </p:cNvPicPr>
+          <p:nvPr/>
+        </p:nvPicPr>
+        <p:blipFill>
+          <a:blip r:embed="rId2">
+            <a:extLst>
+              <a:ext uri="{28A0092B-C50C-407E-A947-70E740481C1C}">
+                <a14:useLocalDpi xmlns:a14="http://schemas.microsoft.com/office/drawing/2010/main" val="0"/>
+              </a:ext>
+            </a:extLst>
+          </a:blip>
+          <a:stretch>
+            <a:fillRect/>
+          </a:stretch>
+        </p:blipFill>
+        <p:spPr>
+          <a:xfrm>
+            <a:off x="838200" y="2245599"/>
+            <a:ext cx="10515600" cy="2366802"/>
+          </a:xfrm>
+          <a:prstGeom prst="rect">
+            <a:avLst/>
+          </a:prstGeom>
+        </p:spPr>
+      </p:pic>
+    </p:spTree>
+    <p:extLst>
+      <p:ext uri="{BB962C8B-B14F-4D97-AF65-F5344CB8AC3E}">
+        <p14:creationId xmlns:p14="http://schemas.microsoft.com/office/powerpoint/2010/main" val="2815682217"/>
+      </p:ext>
+    </p:extLst>
+  </p:cSld>
+  <p:clrMapOvr>
+    <a:masterClrMapping/>
+  </p:clrMapOvr>
+</p:sld>
+</file>
+
 <file path=ppt/slides/slide19.xml><?xml version="1.0" encoding="utf-8"?>
 <p:sld xmlns:a="http://schemas.openxmlformats.org/drawingml/2006/main" xmlns:r="http://schemas.openxmlformats.org/officeDocument/2006/relationships" xmlns:p="http://schemas.openxmlformats.org/presentationml/2006/main">
   <p:cSld>
@@ -8722,7 +8388,7 @@
           <p:cNvPr id="2" name="Title 1">
             <a:extLst>
               <a:ext uri="{FF2B5EF4-FFF2-40B4-BE49-F238E27FC236}">
-                <a16:creationId xmlns:a16="http://schemas.microsoft.com/office/drawing/2014/main" id="{52028611-D382-4F59-A77C-FDEB57F50246}"/>
+                <a16:creationId xmlns:a16="http://schemas.microsoft.com/office/drawing/2014/main" id="{976B7C23-67CA-46D7-8E6E-6325EF064630}"/>
               </a:ext>
             </a:extLst>
           </p:cNvPr>
@@ -8735,19 +8401,21 @@
         </p:nvSpPr>
         <p:spPr>
           <a:xfrm>
-            <a:off x="838200" y="365125"/>
-            <a:ext cx="10515600" cy="867327"/>
+            <a:off x="838200" y="396930"/>
+            <a:ext cx="10515600" cy="756009"/>
           </a:xfrm>
         </p:spPr>
         <p:txBody>
-          <a:bodyPr/>
+          <a:bodyPr>
+            <a:normAutofit/>
+          </a:bodyPr>
           <a:lstStyle/>
           <a:p>
             <a:r>
               <a:rPr lang="en-US" dirty="0">
                 <a:latin typeface="Franklin Gothic Book" panose="020B0503020102020204" pitchFamily="34" charset="0"/>
               </a:rPr>
-              <a:t>Identify The Problem</a:t>
+              <a:t>Clustering</a:t>
             </a:r>
           </a:p>
         </p:txBody>
@@ -8757,7 +8425,7 @@
           <p:cNvPr id="3" name="Content Placeholder 2">
             <a:extLst>
               <a:ext uri="{FF2B5EF4-FFF2-40B4-BE49-F238E27FC236}">
-                <a16:creationId xmlns:a16="http://schemas.microsoft.com/office/drawing/2014/main" id="{9A345A79-2A6B-4974-A932-12D537D3E2C2}"/>
+                <a16:creationId xmlns:a16="http://schemas.microsoft.com/office/drawing/2014/main" id="{D67BD02C-74C8-4D0F-A9FF-979369B86C05}"/>
               </a:ext>
             </a:extLst>
           </p:cNvPr>
@@ -8770,127 +8438,77 @@
         </p:nvSpPr>
         <p:spPr>
           <a:xfrm>
-            <a:off x="965421" y="1491669"/>
-            <a:ext cx="10515600" cy="4940935"/>
+            <a:off x="838200" y="1558454"/>
+            <a:ext cx="10515600" cy="4592964"/>
           </a:xfrm>
         </p:spPr>
         <p:txBody>
-          <a:bodyPr/>
+          <a:bodyPr>
+            <a:normAutofit/>
+          </a:bodyPr>
           <a:lstStyle/>
           <a:p>
-            <a:pPr marL="0" indent="0">
-              <a:buNone/>
-            </a:pPr>
             <a:r>
               <a:rPr lang="en-US" dirty="0"/>
-              <a:t>Our work is motivated from the paper “</a:t>
-            </a:r>
-            <a:r>
-              <a:rPr lang="en-US" b="1" i="1" dirty="0"/>
-              <a:t>On automated prepared statement generation to remove SQL injection vulnerabilities</a:t>
+              <a:t>We will use </a:t>
+            </a:r>
+            <a:r>
+              <a:rPr lang="en-US" b="1" dirty="0"/>
+              <a:t>agglomerative</a:t>
             </a:r>
             <a:r>
               <a:rPr lang="en-US" dirty="0"/>
-              <a:t>” by </a:t>
+              <a:t> clustering technique that organizes fix patterns into a </a:t>
             </a:r>
             <a:r>
               <a:rPr lang="en-US" b="1" dirty="0"/>
-              <a:t>Stephen Thomas</a:t>
+              <a:t>hierarchical</a:t>
             </a:r>
             <a:r>
               <a:rPr lang="en-US" dirty="0"/>
-              <a:t>, </a:t>
+              <a:t> structure.</a:t>
+            </a:r>
+          </a:p>
+          <a:p>
+            <a:r>
+              <a:rPr lang="en-US" dirty="0"/>
+              <a:t>We will also incorporating some surrounding </a:t>
             </a:r>
             <a:r>
               <a:rPr lang="en-US" b="1" dirty="0"/>
-              <a:t>Laurie Williams</a:t>
+              <a:t>context</a:t>
             </a:r>
             <a:r>
               <a:rPr lang="en-US" dirty="0"/>
-              <a:t>, </a:t>
+              <a:t>. </a:t>
+            </a:r>
+          </a:p>
+          <a:p>
+            <a:r>
+              <a:rPr lang="en-US" dirty="0"/>
+              <a:t>This context is crucial to decide which out of </a:t>
             </a:r>
             <a:r>
               <a:rPr lang="en-US" b="1" dirty="0"/>
-              <a:t>Tao </a:t>
-            </a:r>
-            <a:r>
-              <a:rPr lang="en-US" b="1" dirty="0" err="1"/>
-              <a:t>Xie</a:t>
+              <a:t>multiple possible fix </a:t>
+            </a:r>
+            <a:r>
+              <a:rPr lang="en-US" dirty="0"/>
+              <a:t>patterns to apply to a given piece of code. </a:t>
+            </a:r>
+          </a:p>
+          <a:p>
+            <a:r>
+              <a:rPr lang="en-US" dirty="0"/>
+              <a:t>We will use a technique called </a:t>
             </a:r>
             <a:r>
               <a:rPr lang="en-US" b="1" dirty="0"/>
-              <a:t>.</a:t>
-            </a:r>
-          </a:p>
-          <a:p>
-            <a:pPr marL="0" indent="0">
-              <a:buNone/>
-            </a:pPr>
+              <a:t>Anti-Unification</a:t>
+            </a:r>
             <a:r>
               <a:rPr lang="en-US" dirty="0"/>
-              <a:t>Their methodology was :</a:t>
-            </a:r>
-          </a:p>
-          <a:p>
-            <a:pPr marL="514350" indent="-514350">
-              <a:buFont typeface="+mj-lt"/>
-              <a:buAutoNum type="arabicPeriod"/>
-            </a:pPr>
-            <a:r>
-              <a:rPr lang="en-US" dirty="0"/>
-              <a:t>Use the </a:t>
-            </a:r>
-            <a:r>
-              <a:rPr lang="en-US" b="1" dirty="0"/>
-              <a:t>Eclipse IDE Formatter </a:t>
-            </a:r>
-            <a:r>
-              <a:rPr lang="en-US" dirty="0"/>
-              <a:t>to format the code</a:t>
-            </a:r>
-          </a:p>
-          <a:p>
-            <a:pPr marL="514350" indent="-514350">
-              <a:buFont typeface="+mj-lt"/>
-              <a:buAutoNum type="arabicPeriod"/>
-            </a:pPr>
-            <a:r>
-              <a:rPr lang="en-US" dirty="0"/>
-              <a:t>Use a static analyzer named </a:t>
-            </a:r>
-            <a:r>
-              <a:rPr lang="en-US" b="1" dirty="0" err="1"/>
-              <a:t>FindBugs</a:t>
-            </a:r>
-            <a:r>
-              <a:rPr lang="en-US" b="1" baseline="30000" dirty="0" err="1"/>
-              <a:t>TM</a:t>
-            </a:r>
-            <a:r>
-              <a:rPr lang="en-US" baseline="30000" dirty="0"/>
-              <a:t> </a:t>
-            </a:r>
-            <a:r>
-              <a:rPr lang="en-US" dirty="0"/>
-              <a:t> to find SQL vulnerabilities which runs on  JAVA bytecode</a:t>
-            </a:r>
-          </a:p>
-          <a:p>
-            <a:pPr marL="514350" indent="-514350">
-              <a:buFont typeface="+mj-lt"/>
-              <a:buAutoNum type="arabicPeriod"/>
-            </a:pPr>
-            <a:r>
-              <a:rPr lang="en-US" dirty="0"/>
-              <a:t>Use their algorithm to replace “statement” class to “</a:t>
-            </a:r>
-            <a:r>
-              <a:rPr lang="en-US" dirty="0" err="1"/>
-              <a:t>preparedStatement</a:t>
-            </a:r>
-            <a:r>
-              <a:rPr lang="en-US" dirty="0"/>
-              <a:t>” class</a:t>
+              <a:t> to generalize tree patterns.</a:t>
             </a:r>
           </a:p>
         </p:txBody>
@@ -8898,7 +8516,7 @@
     </p:spTree>
     <p:extLst>
       <p:ext uri="{BB962C8B-B14F-4D97-AF65-F5344CB8AC3E}">
-        <p14:creationId xmlns:p14="http://schemas.microsoft.com/office/powerpoint/2010/main" val="1864908055"/>
+        <p14:creationId xmlns:p14="http://schemas.microsoft.com/office/powerpoint/2010/main" val="3702020414"/>
       </p:ext>
     </p:extLst>
   </p:cSld>
@@ -9135,1429 +8753,6 @@
       </p:grpSpPr>
       <p:sp>
         <p:nvSpPr>
-          <p:cNvPr id="2" name="Title 1">
-            <a:extLst>
-              <a:ext uri="{FF2B5EF4-FFF2-40B4-BE49-F238E27FC236}">
-                <a16:creationId xmlns:a16="http://schemas.microsoft.com/office/drawing/2014/main" id="{800DD799-7F00-4690-B36D-32221FB996C2}"/>
-              </a:ext>
-            </a:extLst>
-          </p:cNvPr>
-          <p:cNvSpPr>
-            <a:spLocks noGrp="1"/>
-          </p:cNvSpPr>
-          <p:nvPr>
-            <p:ph type="title"/>
-          </p:nvPr>
-        </p:nvSpPr>
-        <p:spPr>
-          <a:xfrm>
-            <a:off x="838200" y="365126"/>
-            <a:ext cx="10515600" cy="875278"/>
-          </a:xfrm>
-        </p:spPr>
-        <p:txBody>
-          <a:bodyPr/>
-          <a:lstStyle/>
-          <a:p>
-            <a:r>
-              <a:rPr lang="en-US" dirty="0">
-                <a:latin typeface="Franklin Gothic Book" panose="020B0503020102020204" pitchFamily="34" charset="0"/>
-              </a:rPr>
-              <a:t>Fix Our Goal</a:t>
-            </a:r>
-          </a:p>
-        </p:txBody>
-      </p:sp>
-      <p:sp>
-        <p:nvSpPr>
-          <p:cNvPr id="3" name="Content Placeholder 2">
-            <a:extLst>
-              <a:ext uri="{FF2B5EF4-FFF2-40B4-BE49-F238E27FC236}">
-                <a16:creationId xmlns:a16="http://schemas.microsoft.com/office/drawing/2014/main" id="{B02AACEF-56FB-49F1-9B03-8F4C9FBBC0FE}"/>
-              </a:ext>
-            </a:extLst>
-          </p:cNvPr>
-          <p:cNvSpPr>
-            <a:spLocks noGrp="1"/>
-          </p:cNvSpPr>
-          <p:nvPr>
-            <p:ph idx="1"/>
-          </p:nvPr>
-        </p:nvSpPr>
-        <p:spPr>
-          <a:xfrm>
-            <a:off x="838200" y="2472855"/>
-            <a:ext cx="10515600" cy="2282024"/>
-          </a:xfrm>
-        </p:spPr>
-        <p:txBody>
-          <a:bodyPr/>
-          <a:lstStyle/>
-          <a:p>
-            <a:pPr marL="0" indent="0">
-              <a:buNone/>
-            </a:pPr>
-            <a:endParaRPr lang="en-US" dirty="0"/>
-          </a:p>
-          <a:p>
-            <a:pPr marL="0" indent="0">
-              <a:buNone/>
-            </a:pPr>
-            <a:r>
-              <a:rPr lang="en-US" dirty="0"/>
-              <a:t>Instead of using </a:t>
-            </a:r>
-            <a:r>
-              <a:rPr lang="en-US" b="1" dirty="0"/>
-              <a:t>static analyzer</a:t>
-            </a:r>
-            <a:r>
-              <a:rPr lang="en-US" dirty="0"/>
-              <a:t>, we will use </a:t>
-            </a:r>
-            <a:r>
-              <a:rPr lang="en-US" b="1" dirty="0" err="1"/>
-              <a:t>Getafix</a:t>
-            </a:r>
-            <a:r>
-              <a:rPr lang="en-US" b="1" dirty="0"/>
-              <a:t>: Learning to Fix Bugs Automatically </a:t>
-            </a:r>
-            <a:r>
-              <a:rPr lang="en-US" dirty="0"/>
-              <a:t>by </a:t>
-            </a:r>
-            <a:r>
-              <a:rPr lang="en-US" b="1" dirty="0"/>
-              <a:t>Johannes Bader</a:t>
-            </a:r>
-            <a:r>
-              <a:rPr lang="en-US" dirty="0"/>
-              <a:t>, </a:t>
-            </a:r>
-            <a:r>
-              <a:rPr lang="en-US" b="1" dirty="0"/>
-              <a:t>Andrew Scott, Michael </a:t>
-            </a:r>
-            <a:r>
-              <a:rPr lang="en-US" b="1" dirty="0" err="1"/>
-              <a:t>Pradel</a:t>
-            </a:r>
-            <a:r>
-              <a:rPr lang="en-US" dirty="0"/>
-              <a:t>, </a:t>
-            </a:r>
-            <a:r>
-              <a:rPr lang="en-US" b="1" dirty="0"/>
-              <a:t>Satish Chandra</a:t>
-            </a:r>
-            <a:r>
-              <a:rPr lang="en-US" dirty="0"/>
-              <a:t> from </a:t>
-            </a:r>
-            <a:r>
-              <a:rPr lang="en-US" b="1" dirty="0"/>
-              <a:t>Facebook </a:t>
-            </a:r>
-            <a:r>
-              <a:rPr lang="en-US" dirty="0"/>
-              <a:t>to fix SQL vulnerability.</a:t>
-            </a:r>
-          </a:p>
-          <a:p>
-            <a:pPr marL="0" indent="0">
-              <a:buNone/>
-            </a:pPr>
-            <a:endParaRPr lang="en-US" b="1" dirty="0"/>
-          </a:p>
-        </p:txBody>
-      </p:sp>
-    </p:spTree>
-    <p:extLst>
-      <p:ext uri="{BB962C8B-B14F-4D97-AF65-F5344CB8AC3E}">
-        <p14:creationId xmlns:p14="http://schemas.microsoft.com/office/powerpoint/2010/main" val="4090385231"/>
-      </p:ext>
-    </p:extLst>
-  </p:cSld>
-  <p:clrMapOvr>
-    <a:masterClrMapping/>
-  </p:clrMapOvr>
-</p:sld>
-</file>
-
-<file path=ppt/slides/slide21.xml><?xml version="1.0" encoding="utf-8"?>
-<p:sld xmlns:a="http://schemas.openxmlformats.org/drawingml/2006/main" xmlns:r="http://schemas.openxmlformats.org/officeDocument/2006/relationships" xmlns:p="http://schemas.openxmlformats.org/presentationml/2006/main">
-  <p:cSld>
-    <p:spTree>
-      <p:nvGrpSpPr>
-        <p:cNvPr id="1" name=""/>
-        <p:cNvGrpSpPr/>
-        <p:nvPr/>
-      </p:nvGrpSpPr>
-      <p:grpSpPr>
-        <a:xfrm>
-          <a:off x="0" y="0"/>
-          <a:ext cx="0" cy="0"/>
-          <a:chOff x="0" y="0"/>
-          <a:chExt cx="0" cy="0"/>
-        </a:xfrm>
-      </p:grpSpPr>
-      <p:sp>
-        <p:nvSpPr>
-          <p:cNvPr id="2" name="Title 1">
-            <a:extLst>
-              <a:ext uri="{FF2B5EF4-FFF2-40B4-BE49-F238E27FC236}">
-                <a16:creationId xmlns:a16="http://schemas.microsoft.com/office/drawing/2014/main" id="{52028611-D382-4F59-A77C-FDEB57F50246}"/>
-              </a:ext>
-            </a:extLst>
-          </p:cNvPr>
-          <p:cNvSpPr>
-            <a:spLocks noGrp="1"/>
-          </p:cNvSpPr>
-          <p:nvPr>
-            <p:ph type="title"/>
-          </p:nvPr>
-        </p:nvSpPr>
-        <p:spPr>
-          <a:xfrm>
-            <a:off x="838200" y="365125"/>
-            <a:ext cx="10515600" cy="867327"/>
-          </a:xfrm>
-        </p:spPr>
-        <p:txBody>
-          <a:bodyPr/>
-          <a:lstStyle/>
-          <a:p>
-            <a:r>
-              <a:rPr lang="en-US" dirty="0" err="1">
-                <a:latin typeface="Franklin Gothic Book" panose="020B0503020102020204" pitchFamily="34" charset="0"/>
-              </a:rPr>
-              <a:t>Getafix</a:t>
-            </a:r>
-            <a:r>
-              <a:rPr lang="en-US" dirty="0">
-                <a:latin typeface="Franklin Gothic Book" panose="020B0503020102020204" pitchFamily="34" charset="0"/>
-              </a:rPr>
-              <a:t> : Learning to Fix Bugs Automatically</a:t>
-            </a:r>
-          </a:p>
-        </p:txBody>
-      </p:sp>
-      <p:sp>
-        <p:nvSpPr>
-          <p:cNvPr id="3" name="Content Placeholder 2">
-            <a:extLst>
-              <a:ext uri="{FF2B5EF4-FFF2-40B4-BE49-F238E27FC236}">
-                <a16:creationId xmlns:a16="http://schemas.microsoft.com/office/drawing/2014/main" id="{9A345A79-2A6B-4974-A932-12D537D3E2C2}"/>
-              </a:ext>
-            </a:extLst>
-          </p:cNvPr>
-          <p:cNvSpPr>
-            <a:spLocks noGrp="1"/>
-          </p:cNvSpPr>
-          <p:nvPr>
-            <p:ph idx="1"/>
-          </p:nvPr>
-        </p:nvSpPr>
-        <p:spPr>
-          <a:xfrm>
-            <a:off x="965421" y="1491669"/>
-            <a:ext cx="10515600" cy="4940935"/>
-          </a:xfrm>
-        </p:spPr>
-        <p:txBody>
-          <a:bodyPr/>
-          <a:lstStyle/>
-          <a:p>
-            <a:pPr marL="0" indent="0">
-              <a:buNone/>
-            </a:pPr>
-            <a:r>
-              <a:rPr lang="en-US" b="1" dirty="0" err="1"/>
-              <a:t>Getafix</a:t>
-            </a:r>
-            <a:r>
-              <a:rPr lang="en-US" dirty="0"/>
-              <a:t> is based on a novel hierarchical </a:t>
-            </a:r>
-            <a:r>
-              <a:rPr lang="en-US" b="1" dirty="0"/>
-              <a:t>clustering algorithm </a:t>
-            </a:r>
-            <a:r>
-              <a:rPr lang="en-US" dirty="0"/>
-              <a:t>that summarizes fix patterns into a hierarchy ranging from general to specific patterns.</a:t>
-            </a:r>
-          </a:p>
-          <a:p>
-            <a:pPr marL="0" indent="0">
-              <a:buNone/>
-            </a:pPr>
-            <a:endParaRPr lang="en-US" dirty="0"/>
-          </a:p>
-          <a:p>
-            <a:pPr marL="0" indent="0">
-              <a:buNone/>
-            </a:pPr>
-            <a:r>
-              <a:rPr lang="en-US" dirty="0" err="1"/>
-              <a:t>Getafix</a:t>
-            </a:r>
-            <a:r>
-              <a:rPr lang="en-US" dirty="0"/>
-              <a:t> consists of </a:t>
-            </a:r>
-            <a:r>
-              <a:rPr lang="en-US" b="1" dirty="0"/>
-              <a:t>three </a:t>
-            </a:r>
-            <a:r>
-              <a:rPr lang="en-US" dirty="0"/>
-              <a:t>main components:</a:t>
-            </a:r>
-          </a:p>
-          <a:p>
-            <a:pPr marL="514350" indent="-514350">
-              <a:buAutoNum type="arabicPeriod"/>
-            </a:pPr>
-            <a:r>
-              <a:rPr lang="en-US" dirty="0"/>
-              <a:t>Data collection phase</a:t>
-            </a:r>
-          </a:p>
-          <a:p>
-            <a:pPr marL="514350" indent="-514350">
-              <a:buAutoNum type="arabicPeriod"/>
-            </a:pPr>
-            <a:r>
-              <a:rPr lang="en-US" dirty="0"/>
-              <a:t>Learning phase</a:t>
-            </a:r>
-          </a:p>
-          <a:p>
-            <a:pPr marL="514350" indent="-514350">
-              <a:buAutoNum type="arabicPeriod"/>
-            </a:pPr>
-            <a:r>
-              <a:rPr lang="en-US" dirty="0"/>
-              <a:t>Prediction phase</a:t>
-            </a:r>
-          </a:p>
-        </p:txBody>
-      </p:sp>
-    </p:spTree>
-    <p:extLst>
-      <p:ext uri="{BB962C8B-B14F-4D97-AF65-F5344CB8AC3E}">
-        <p14:creationId xmlns:p14="http://schemas.microsoft.com/office/powerpoint/2010/main" val="3191207850"/>
-      </p:ext>
-    </p:extLst>
-  </p:cSld>
-  <p:clrMapOvr>
-    <a:masterClrMapping/>
-  </p:clrMapOvr>
-</p:sld>
-</file>
-
-<file path=ppt/slides/slide22.xml><?xml version="1.0" encoding="utf-8"?>
-<p:sld xmlns:a="http://schemas.openxmlformats.org/drawingml/2006/main" xmlns:r="http://schemas.openxmlformats.org/officeDocument/2006/relationships" xmlns:p="http://schemas.openxmlformats.org/presentationml/2006/main">
-  <p:cSld>
-    <p:spTree>
-      <p:nvGrpSpPr>
-        <p:cNvPr id="1" name=""/>
-        <p:cNvGrpSpPr/>
-        <p:nvPr/>
-      </p:nvGrpSpPr>
-      <p:grpSpPr>
-        <a:xfrm>
-          <a:off x="0" y="0"/>
-          <a:ext cx="0" cy="0"/>
-          <a:chOff x="0" y="0"/>
-          <a:chExt cx="0" cy="0"/>
-        </a:xfrm>
-      </p:grpSpPr>
-      <p:sp>
-        <p:nvSpPr>
-          <p:cNvPr id="2" name="Title 1">
-            <a:extLst>
-              <a:ext uri="{FF2B5EF4-FFF2-40B4-BE49-F238E27FC236}">
-                <a16:creationId xmlns:a16="http://schemas.microsoft.com/office/drawing/2014/main" id="{52028611-D382-4F59-A77C-FDEB57F50246}"/>
-              </a:ext>
-            </a:extLst>
-          </p:cNvPr>
-          <p:cNvSpPr>
-            <a:spLocks noGrp="1"/>
-          </p:cNvSpPr>
-          <p:nvPr>
-            <p:ph type="title"/>
-          </p:nvPr>
-        </p:nvSpPr>
-        <p:spPr>
-          <a:xfrm>
-            <a:off x="838200" y="365125"/>
-            <a:ext cx="10515600" cy="867327"/>
-          </a:xfrm>
-        </p:spPr>
-        <p:txBody>
-          <a:bodyPr/>
-          <a:lstStyle/>
-          <a:p>
-            <a:r>
-              <a:rPr lang="en-US" dirty="0" err="1">
-                <a:latin typeface="Franklin Gothic Book" panose="020B0503020102020204" pitchFamily="34" charset="0"/>
-              </a:rPr>
-              <a:t>Getafix</a:t>
-            </a:r>
-            <a:r>
-              <a:rPr lang="en-US" dirty="0">
-                <a:latin typeface="Franklin Gothic Book" panose="020B0503020102020204" pitchFamily="34" charset="0"/>
-              </a:rPr>
-              <a:t> : Learning to Fix Bugs Automatically</a:t>
-            </a:r>
-          </a:p>
-        </p:txBody>
-      </p:sp>
-      <p:pic>
-        <p:nvPicPr>
-          <p:cNvPr id="5" name="Content Placeholder 4">
-            <a:extLst>
-              <a:ext uri="{FF2B5EF4-FFF2-40B4-BE49-F238E27FC236}">
-                <a16:creationId xmlns:a16="http://schemas.microsoft.com/office/drawing/2014/main" id="{99BAB5FD-9E1F-4C1A-BAFF-85F3F85599C2}"/>
-              </a:ext>
-            </a:extLst>
-          </p:cNvPr>
-          <p:cNvPicPr>
-            <a:picLocks noGrp="1" noChangeAspect="1"/>
-          </p:cNvPicPr>
-          <p:nvPr>
-            <p:ph idx="1"/>
-          </p:nvPr>
-        </p:nvPicPr>
-        <p:blipFill>
-          <a:blip r:embed="rId2">
-            <a:extLst>
-              <a:ext uri="{28A0092B-C50C-407E-A947-70E740481C1C}">
-                <a14:useLocalDpi xmlns:a14="http://schemas.microsoft.com/office/drawing/2010/main" val="0"/>
-              </a:ext>
-            </a:extLst>
-          </a:blip>
-          <a:stretch>
-            <a:fillRect/>
-          </a:stretch>
-        </p:blipFill>
-        <p:spPr>
-          <a:xfrm>
-            <a:off x="1165432" y="2359309"/>
-            <a:ext cx="9861135" cy="2773920"/>
-          </a:xfrm>
-        </p:spPr>
-      </p:pic>
-    </p:spTree>
-    <p:extLst>
-      <p:ext uri="{BB962C8B-B14F-4D97-AF65-F5344CB8AC3E}">
-        <p14:creationId xmlns:p14="http://schemas.microsoft.com/office/powerpoint/2010/main" val="130231693"/>
-      </p:ext>
-    </p:extLst>
-  </p:cSld>
-  <p:clrMapOvr>
-    <a:masterClrMapping/>
-  </p:clrMapOvr>
-</p:sld>
-</file>
-
-<file path=ppt/slides/slide23.xml><?xml version="1.0" encoding="utf-8"?>
-<p:sld xmlns:a="http://schemas.openxmlformats.org/drawingml/2006/main" xmlns:r="http://schemas.openxmlformats.org/officeDocument/2006/relationships" xmlns:p="http://schemas.openxmlformats.org/presentationml/2006/main">
-  <p:cSld>
-    <p:spTree>
-      <p:nvGrpSpPr>
-        <p:cNvPr id="1" name=""/>
-        <p:cNvGrpSpPr/>
-        <p:nvPr/>
-      </p:nvGrpSpPr>
-      <p:grpSpPr>
-        <a:xfrm>
-          <a:off x="0" y="0"/>
-          <a:ext cx="0" cy="0"/>
-          <a:chOff x="0" y="0"/>
-          <a:chExt cx="0" cy="0"/>
-        </a:xfrm>
-      </p:grpSpPr>
-      <p:sp>
-        <p:nvSpPr>
-          <p:cNvPr id="2" name="Title 1">
-            <a:extLst>
-              <a:ext uri="{FF2B5EF4-FFF2-40B4-BE49-F238E27FC236}">
-                <a16:creationId xmlns:a16="http://schemas.microsoft.com/office/drawing/2014/main" id="{976B7C23-67CA-46D7-8E6E-6325EF064630}"/>
-              </a:ext>
-            </a:extLst>
-          </p:cNvPr>
-          <p:cNvSpPr>
-            <a:spLocks noGrp="1"/>
-          </p:cNvSpPr>
-          <p:nvPr>
-            <p:ph type="title"/>
-          </p:nvPr>
-        </p:nvSpPr>
-        <p:spPr>
-          <a:xfrm>
-            <a:off x="838200" y="396930"/>
-            <a:ext cx="10515600" cy="756009"/>
-          </a:xfrm>
-        </p:spPr>
-        <p:txBody>
-          <a:bodyPr/>
-          <a:lstStyle/>
-          <a:p>
-            <a:r>
-              <a:rPr lang="en-US" dirty="0">
-                <a:latin typeface="Franklin Gothic Book" panose="020B0503020102020204" pitchFamily="34" charset="0"/>
-              </a:rPr>
-              <a:t>Data Collection and Preparation Phase</a:t>
-            </a:r>
-          </a:p>
-        </p:txBody>
-      </p:sp>
-      <p:sp>
-        <p:nvSpPr>
-          <p:cNvPr id="3" name="Content Placeholder 2">
-            <a:extLst>
-              <a:ext uri="{FF2B5EF4-FFF2-40B4-BE49-F238E27FC236}">
-                <a16:creationId xmlns:a16="http://schemas.microsoft.com/office/drawing/2014/main" id="{D67BD02C-74C8-4D0F-A9FF-979369B86C05}"/>
-              </a:ext>
-            </a:extLst>
-          </p:cNvPr>
-          <p:cNvSpPr>
-            <a:spLocks noGrp="1"/>
-          </p:cNvSpPr>
-          <p:nvPr>
-            <p:ph idx="1"/>
-          </p:nvPr>
-        </p:nvSpPr>
-        <p:spPr>
-          <a:xfrm>
-            <a:off x="838200" y="2210462"/>
-            <a:ext cx="10515600" cy="2687541"/>
-          </a:xfrm>
-        </p:spPr>
-        <p:txBody>
-          <a:bodyPr/>
-          <a:lstStyle/>
-          <a:p>
-            <a:r>
-              <a:rPr lang="en-US" dirty="0"/>
-              <a:t>We will collect data from </a:t>
-            </a:r>
-            <a:r>
-              <a:rPr lang="en-US" dirty="0" err="1"/>
-              <a:t>Github</a:t>
-            </a:r>
-            <a:r>
-              <a:rPr lang="en-US" dirty="0"/>
-              <a:t> by their API.</a:t>
-            </a:r>
-          </a:p>
-          <a:p>
-            <a:r>
-              <a:rPr lang="en-US" dirty="0"/>
-              <a:t>We will use a python script which  will collect Java project from </a:t>
-            </a:r>
-            <a:r>
-              <a:rPr lang="en-US" dirty="0" err="1"/>
-              <a:t>Github</a:t>
-            </a:r>
-            <a:r>
-              <a:rPr lang="en-US" dirty="0"/>
-              <a:t> and track the downloaded file.</a:t>
-            </a:r>
-          </a:p>
-          <a:p>
-            <a:r>
-              <a:rPr lang="en-US" dirty="0"/>
-              <a:t>We will also collect data from some projects which used JDBC.</a:t>
-            </a:r>
-          </a:p>
-        </p:txBody>
-      </p:sp>
-    </p:spTree>
-    <p:extLst>
-      <p:ext uri="{BB962C8B-B14F-4D97-AF65-F5344CB8AC3E}">
-        <p14:creationId xmlns:p14="http://schemas.microsoft.com/office/powerpoint/2010/main" val="138118208"/>
-      </p:ext>
-    </p:extLst>
-  </p:cSld>
-  <p:clrMapOvr>
-    <a:masterClrMapping/>
-  </p:clrMapOvr>
-</p:sld>
-</file>
-
-<file path=ppt/slides/slide24.xml><?xml version="1.0" encoding="utf-8"?>
-<p:sld xmlns:a="http://schemas.openxmlformats.org/drawingml/2006/main" xmlns:r="http://schemas.openxmlformats.org/officeDocument/2006/relationships" xmlns:p="http://schemas.openxmlformats.org/presentationml/2006/main">
-  <p:cSld>
-    <p:spTree>
-      <p:nvGrpSpPr>
-        <p:cNvPr id="1" name=""/>
-        <p:cNvGrpSpPr/>
-        <p:nvPr/>
-      </p:nvGrpSpPr>
-      <p:grpSpPr>
-        <a:xfrm>
-          <a:off x="0" y="0"/>
-          <a:ext cx="0" cy="0"/>
-          <a:chOff x="0" y="0"/>
-          <a:chExt cx="0" cy="0"/>
-        </a:xfrm>
-      </p:grpSpPr>
-      <p:sp>
-        <p:nvSpPr>
-          <p:cNvPr id="2" name="Title 1">
-            <a:extLst>
-              <a:ext uri="{FF2B5EF4-FFF2-40B4-BE49-F238E27FC236}">
-                <a16:creationId xmlns:a16="http://schemas.microsoft.com/office/drawing/2014/main" id="{976B7C23-67CA-46D7-8E6E-6325EF064630}"/>
-              </a:ext>
-            </a:extLst>
-          </p:cNvPr>
-          <p:cNvSpPr>
-            <a:spLocks noGrp="1"/>
-          </p:cNvSpPr>
-          <p:nvPr>
-            <p:ph type="title"/>
-          </p:nvPr>
-        </p:nvSpPr>
-        <p:spPr>
-          <a:xfrm>
-            <a:off x="838200" y="396930"/>
-            <a:ext cx="10515600" cy="756009"/>
-          </a:xfrm>
-        </p:spPr>
-        <p:txBody>
-          <a:bodyPr/>
-          <a:lstStyle/>
-          <a:p>
-            <a:r>
-              <a:rPr lang="en-US" dirty="0">
-                <a:latin typeface="Franklin Gothic Book" panose="020B0503020102020204" pitchFamily="34" charset="0"/>
-              </a:rPr>
-              <a:t>Data Collection and Preparation Phase</a:t>
-            </a:r>
-          </a:p>
-        </p:txBody>
-      </p:sp>
-      <p:sp>
-        <p:nvSpPr>
-          <p:cNvPr id="3" name="Content Placeholder 2">
-            <a:extLst>
-              <a:ext uri="{FF2B5EF4-FFF2-40B4-BE49-F238E27FC236}">
-                <a16:creationId xmlns:a16="http://schemas.microsoft.com/office/drawing/2014/main" id="{D67BD02C-74C8-4D0F-A9FF-979369B86C05}"/>
-              </a:ext>
-            </a:extLst>
-          </p:cNvPr>
-          <p:cNvSpPr>
-            <a:spLocks noGrp="1"/>
-          </p:cNvSpPr>
-          <p:nvPr>
-            <p:ph idx="1"/>
-          </p:nvPr>
-        </p:nvSpPr>
-        <p:spPr>
-          <a:xfrm>
-            <a:off x="838200" y="1780911"/>
-            <a:ext cx="10515600" cy="3296178"/>
-          </a:xfrm>
-        </p:spPr>
-        <p:txBody>
-          <a:bodyPr>
-            <a:normAutofit/>
-          </a:bodyPr>
-          <a:lstStyle/>
-          <a:p>
-            <a:r>
-              <a:rPr lang="en-US" dirty="0"/>
-              <a:t>We will use Bash script to modify the data folder and find out SQL queries in java repository downloaded by </a:t>
-            </a:r>
-            <a:r>
-              <a:rPr lang="en-US" dirty="0" err="1"/>
-              <a:t>Github</a:t>
-            </a:r>
-            <a:r>
-              <a:rPr lang="en-US" dirty="0"/>
-              <a:t> API.</a:t>
-            </a:r>
-          </a:p>
-          <a:p>
-            <a:r>
-              <a:rPr lang="en-US" dirty="0"/>
-              <a:t>We will use </a:t>
-            </a:r>
-            <a:r>
-              <a:rPr lang="en-US" dirty="0" err="1"/>
-              <a:t>JavaParser</a:t>
-            </a:r>
-            <a:r>
-              <a:rPr lang="en-US" dirty="0"/>
-              <a:t>(an open source library to parse java code) to get all functions of a Java file.</a:t>
-            </a:r>
-          </a:p>
-          <a:p>
-            <a:r>
-              <a:rPr lang="en-US" dirty="0"/>
-              <a:t>Then will add this Java function into a dummy class.</a:t>
-            </a:r>
-          </a:p>
-          <a:p>
-            <a:r>
-              <a:rPr lang="en-US" dirty="0"/>
-              <a:t>After this, we will replace “Statement” class with “</a:t>
-            </a:r>
-            <a:r>
-              <a:rPr lang="en-US" dirty="0" err="1"/>
-              <a:t>preparedStatement</a:t>
-            </a:r>
-            <a:r>
-              <a:rPr lang="en-US" dirty="0"/>
-              <a:t>” and other necessary changes.</a:t>
-            </a:r>
-          </a:p>
-          <a:p>
-            <a:endParaRPr lang="en-US" dirty="0"/>
-          </a:p>
-        </p:txBody>
-      </p:sp>
-    </p:spTree>
-    <p:extLst>
-      <p:ext uri="{BB962C8B-B14F-4D97-AF65-F5344CB8AC3E}">
-        <p14:creationId xmlns:p14="http://schemas.microsoft.com/office/powerpoint/2010/main" val="1372770989"/>
-      </p:ext>
-    </p:extLst>
-  </p:cSld>
-  <p:clrMapOvr>
-    <a:masterClrMapping/>
-  </p:clrMapOvr>
-</p:sld>
-</file>
-
-<file path=ppt/slides/slide25.xml><?xml version="1.0" encoding="utf-8"?>
-<p:sld xmlns:a="http://schemas.openxmlformats.org/drawingml/2006/main" xmlns:r="http://schemas.openxmlformats.org/officeDocument/2006/relationships" xmlns:p="http://schemas.openxmlformats.org/presentationml/2006/main">
-  <p:cSld>
-    <p:spTree>
-      <p:nvGrpSpPr>
-        <p:cNvPr id="1" name=""/>
-        <p:cNvGrpSpPr/>
-        <p:nvPr/>
-      </p:nvGrpSpPr>
-      <p:grpSpPr>
-        <a:xfrm>
-          <a:off x="0" y="0"/>
-          <a:ext cx="0" cy="0"/>
-          <a:chOff x="0" y="0"/>
-          <a:chExt cx="0" cy="0"/>
-        </a:xfrm>
-      </p:grpSpPr>
-      <p:sp>
-        <p:nvSpPr>
-          <p:cNvPr id="2" name="Title 1">
-            <a:extLst>
-              <a:ext uri="{FF2B5EF4-FFF2-40B4-BE49-F238E27FC236}">
-                <a16:creationId xmlns:a16="http://schemas.microsoft.com/office/drawing/2014/main" id="{976B7C23-67CA-46D7-8E6E-6325EF064630}"/>
-              </a:ext>
-            </a:extLst>
-          </p:cNvPr>
-          <p:cNvSpPr>
-            <a:spLocks noGrp="1"/>
-          </p:cNvSpPr>
-          <p:nvPr>
-            <p:ph type="title"/>
-          </p:nvPr>
-        </p:nvSpPr>
-        <p:spPr>
-          <a:xfrm>
-            <a:off x="838200" y="396930"/>
-            <a:ext cx="10515600" cy="756009"/>
-          </a:xfrm>
-        </p:spPr>
-        <p:txBody>
-          <a:bodyPr/>
-          <a:lstStyle/>
-          <a:p>
-            <a:r>
-              <a:rPr lang="en-US" dirty="0">
-                <a:latin typeface="Franklin Gothic Book" panose="020B0503020102020204" pitchFamily="34" charset="0"/>
-              </a:rPr>
-              <a:t>Data collection and Preparation Phase</a:t>
-            </a:r>
-          </a:p>
-        </p:txBody>
-      </p:sp>
-      <p:sp>
-        <p:nvSpPr>
-          <p:cNvPr id="3" name="Content Placeholder 2">
-            <a:extLst>
-              <a:ext uri="{FF2B5EF4-FFF2-40B4-BE49-F238E27FC236}">
-                <a16:creationId xmlns:a16="http://schemas.microsoft.com/office/drawing/2014/main" id="{D67BD02C-74C8-4D0F-A9FF-979369B86C05}"/>
-              </a:ext>
-            </a:extLst>
-          </p:cNvPr>
-          <p:cNvSpPr>
-            <a:spLocks noGrp="1"/>
-          </p:cNvSpPr>
-          <p:nvPr>
-            <p:ph idx="1"/>
-          </p:nvPr>
-        </p:nvSpPr>
-        <p:spPr>
-          <a:xfrm>
-            <a:off x="838200" y="1558454"/>
-            <a:ext cx="10515600" cy="4592964"/>
-          </a:xfrm>
-        </p:spPr>
-        <p:txBody>
-          <a:bodyPr>
-            <a:normAutofit/>
-          </a:bodyPr>
-          <a:lstStyle/>
-          <a:p>
-            <a:r>
-              <a:rPr lang="en-US" dirty="0"/>
-              <a:t>After all this steps, each folder will contain two files :</a:t>
-            </a:r>
-          </a:p>
-          <a:p>
-            <a:pPr marL="514350" indent="-514350">
-              <a:buAutoNum type="arabicPeriod"/>
-            </a:pPr>
-            <a:r>
-              <a:rPr lang="en-US" b="1" dirty="0"/>
-              <a:t>before.java</a:t>
-            </a:r>
-            <a:r>
-              <a:rPr lang="en-US" dirty="0"/>
-              <a:t>: main java function containing the SQL query encapsulated in dummy class.</a:t>
-            </a:r>
-          </a:p>
-          <a:p>
-            <a:pPr marL="514350" indent="-514350">
-              <a:buAutoNum type="arabicPeriod"/>
-            </a:pPr>
-            <a:r>
-              <a:rPr lang="en-US" b="1" dirty="0"/>
-              <a:t>after.java</a:t>
-            </a:r>
-            <a:r>
-              <a:rPr lang="en-US" dirty="0"/>
-              <a:t>: solution java function containing the SQL query in the prepared statement.</a:t>
-            </a:r>
-          </a:p>
-          <a:p>
-            <a:r>
-              <a:rPr lang="en-US" dirty="0"/>
-              <a:t>Then, we take all </a:t>
-            </a:r>
-            <a:r>
-              <a:rPr lang="en-US" b="1" dirty="0"/>
-              <a:t>before.java </a:t>
-            </a:r>
-            <a:r>
-              <a:rPr lang="en-US" dirty="0"/>
-              <a:t>codes in one folder and </a:t>
-            </a:r>
-            <a:r>
-              <a:rPr lang="en-US" b="1" dirty="0"/>
-              <a:t>after.java </a:t>
-            </a:r>
-            <a:r>
-              <a:rPr lang="en-US" dirty="0"/>
-              <a:t>codes in another folder with a suffix of the data id added after before and after.</a:t>
-            </a:r>
-          </a:p>
-          <a:p>
-            <a:pPr marL="0" indent="0">
-              <a:buNone/>
-            </a:pPr>
-            <a:r>
-              <a:rPr lang="en-US" dirty="0"/>
-              <a:t>In this way, data will be prepared for the next steps.</a:t>
-            </a:r>
-            <a:br>
-              <a:rPr lang="en-US" dirty="0"/>
-            </a:br>
-            <a:endParaRPr lang="en-US" dirty="0"/>
-          </a:p>
-        </p:txBody>
-      </p:sp>
-    </p:spTree>
-    <p:extLst>
-      <p:ext uri="{BB962C8B-B14F-4D97-AF65-F5344CB8AC3E}">
-        <p14:creationId xmlns:p14="http://schemas.microsoft.com/office/powerpoint/2010/main" val="2046639156"/>
-      </p:ext>
-    </p:extLst>
-  </p:cSld>
-  <p:clrMapOvr>
-    <a:masterClrMapping/>
-  </p:clrMapOvr>
-</p:sld>
-</file>
-
-<file path=ppt/slides/slide26.xml><?xml version="1.0" encoding="utf-8"?>
-<p:sld xmlns:a="http://schemas.openxmlformats.org/drawingml/2006/main" xmlns:r="http://schemas.openxmlformats.org/officeDocument/2006/relationships" xmlns:p="http://schemas.openxmlformats.org/presentationml/2006/main">
-  <p:cSld>
-    <p:spTree>
-      <p:nvGrpSpPr>
-        <p:cNvPr id="1" name=""/>
-        <p:cNvGrpSpPr/>
-        <p:nvPr/>
-      </p:nvGrpSpPr>
-      <p:grpSpPr>
-        <a:xfrm>
-          <a:off x="0" y="0"/>
-          <a:ext cx="0" cy="0"/>
-          <a:chOff x="0" y="0"/>
-          <a:chExt cx="0" cy="0"/>
-        </a:xfrm>
-      </p:grpSpPr>
-      <p:sp>
-        <p:nvSpPr>
-          <p:cNvPr id="2" name="Title 1">
-            <a:extLst>
-              <a:ext uri="{FF2B5EF4-FFF2-40B4-BE49-F238E27FC236}">
-                <a16:creationId xmlns:a16="http://schemas.microsoft.com/office/drawing/2014/main" id="{976B7C23-67CA-46D7-8E6E-6325EF064630}"/>
-              </a:ext>
-            </a:extLst>
-          </p:cNvPr>
-          <p:cNvSpPr>
-            <a:spLocks noGrp="1"/>
-          </p:cNvSpPr>
-          <p:nvPr>
-            <p:ph type="title"/>
-          </p:nvPr>
-        </p:nvSpPr>
-        <p:spPr>
-          <a:xfrm>
-            <a:off x="838200" y="396930"/>
-            <a:ext cx="10515600" cy="756009"/>
-          </a:xfrm>
-        </p:spPr>
-        <p:txBody>
-          <a:bodyPr/>
-          <a:lstStyle/>
-          <a:p>
-            <a:r>
-              <a:rPr lang="en-US" dirty="0">
-                <a:latin typeface="Franklin Gothic Book" panose="020B0503020102020204" pitchFamily="34" charset="0"/>
-              </a:rPr>
-              <a:t>Learning Phase</a:t>
-            </a:r>
-          </a:p>
-        </p:txBody>
-      </p:sp>
-      <p:sp>
-        <p:nvSpPr>
-          <p:cNvPr id="3" name="Content Placeholder 2">
-            <a:extLst>
-              <a:ext uri="{FF2B5EF4-FFF2-40B4-BE49-F238E27FC236}">
-                <a16:creationId xmlns:a16="http://schemas.microsoft.com/office/drawing/2014/main" id="{D67BD02C-74C8-4D0F-A9FF-979369B86C05}"/>
-              </a:ext>
-            </a:extLst>
-          </p:cNvPr>
-          <p:cNvSpPr>
-            <a:spLocks noGrp="1"/>
-          </p:cNvSpPr>
-          <p:nvPr>
-            <p:ph idx="1"/>
-          </p:nvPr>
-        </p:nvSpPr>
-        <p:spPr>
-          <a:xfrm>
-            <a:off x="838200" y="1558454"/>
-            <a:ext cx="10515600" cy="4592964"/>
-          </a:xfrm>
-        </p:spPr>
-        <p:txBody>
-          <a:bodyPr>
-            <a:normAutofit/>
-          </a:bodyPr>
-          <a:lstStyle/>
-          <a:p>
-            <a:r>
-              <a:rPr lang="en-US" dirty="0"/>
-              <a:t>In the learning phase, we have to use a </a:t>
-            </a:r>
-            <a:r>
-              <a:rPr lang="en-US" b="1" dirty="0"/>
-              <a:t>tree </a:t>
-            </a:r>
-            <a:r>
-              <a:rPr lang="en-US" b="1" dirty="0" err="1"/>
-              <a:t>differencer</a:t>
-            </a:r>
-            <a:r>
-              <a:rPr lang="en-US" b="1" dirty="0"/>
-              <a:t> </a:t>
-            </a:r>
-            <a:r>
-              <a:rPr lang="en-US" dirty="0"/>
-              <a:t>to find out the change of code pair.</a:t>
-            </a:r>
-          </a:p>
-          <a:p>
-            <a:endParaRPr lang="en-US" dirty="0"/>
-          </a:p>
-          <a:p>
-            <a:endParaRPr lang="en-US" dirty="0"/>
-          </a:p>
-          <a:p>
-            <a:endParaRPr lang="en-US" dirty="0"/>
-          </a:p>
-          <a:p>
-            <a:endParaRPr lang="en-US" dirty="0"/>
-          </a:p>
-          <a:p>
-            <a:endParaRPr lang="en-US" dirty="0"/>
-          </a:p>
-          <a:p>
-            <a:r>
-              <a:rPr lang="en-US" dirty="0"/>
-              <a:t>We will use </a:t>
-            </a:r>
-            <a:r>
-              <a:rPr lang="en-US" b="1" dirty="0"/>
-              <a:t>Gumtree </a:t>
-            </a:r>
-            <a:r>
-              <a:rPr lang="en-US" dirty="0"/>
-              <a:t>as tree </a:t>
-            </a:r>
-            <a:r>
-              <a:rPr lang="en-US" dirty="0" err="1"/>
-              <a:t>differencer</a:t>
-            </a:r>
-            <a:r>
-              <a:rPr lang="en-US" dirty="0"/>
-              <a:t>.</a:t>
-            </a:r>
-            <a:br>
-              <a:rPr lang="en-US" dirty="0"/>
-            </a:br>
-            <a:endParaRPr lang="en-US" dirty="0"/>
-          </a:p>
-        </p:txBody>
-      </p:sp>
-      <p:pic>
-        <p:nvPicPr>
-          <p:cNvPr id="5" name="Picture 4">
-            <a:extLst>
-              <a:ext uri="{FF2B5EF4-FFF2-40B4-BE49-F238E27FC236}">
-                <a16:creationId xmlns:a16="http://schemas.microsoft.com/office/drawing/2014/main" id="{B8EF08FE-1843-4C0B-87EA-DFBF1CA94A98}"/>
-              </a:ext>
-            </a:extLst>
-          </p:cNvPr>
-          <p:cNvPicPr>
-            <a:picLocks noChangeAspect="1"/>
-          </p:cNvPicPr>
-          <p:nvPr/>
-        </p:nvPicPr>
-        <p:blipFill>
-          <a:blip r:embed="rId2">
-            <a:extLst>
-              <a:ext uri="{28A0092B-C50C-407E-A947-70E740481C1C}">
-                <a14:useLocalDpi xmlns:a14="http://schemas.microsoft.com/office/drawing/2010/main" val="0"/>
-              </a:ext>
-            </a:extLst>
-          </a:blip>
-          <a:stretch>
-            <a:fillRect/>
-          </a:stretch>
-        </p:blipFill>
-        <p:spPr>
-          <a:xfrm>
-            <a:off x="838200" y="2537707"/>
-            <a:ext cx="10515600" cy="2366802"/>
-          </a:xfrm>
-          <a:prstGeom prst="rect">
-            <a:avLst/>
-          </a:prstGeom>
-        </p:spPr>
-      </p:pic>
-    </p:spTree>
-    <p:extLst>
-      <p:ext uri="{BB962C8B-B14F-4D97-AF65-F5344CB8AC3E}">
-        <p14:creationId xmlns:p14="http://schemas.microsoft.com/office/powerpoint/2010/main" val="2815682217"/>
-      </p:ext>
-    </p:extLst>
-  </p:cSld>
-  <p:clrMapOvr>
-    <a:masterClrMapping/>
-  </p:clrMapOvr>
-</p:sld>
-</file>
-
-<file path=ppt/slides/slide27.xml><?xml version="1.0" encoding="utf-8"?>
-<p:sld xmlns:a="http://schemas.openxmlformats.org/drawingml/2006/main" xmlns:r="http://schemas.openxmlformats.org/officeDocument/2006/relationships" xmlns:p="http://schemas.openxmlformats.org/presentationml/2006/main">
-  <p:cSld>
-    <p:spTree>
-      <p:nvGrpSpPr>
-        <p:cNvPr id="1" name=""/>
-        <p:cNvGrpSpPr/>
-        <p:nvPr/>
-      </p:nvGrpSpPr>
-      <p:grpSpPr>
-        <a:xfrm>
-          <a:off x="0" y="0"/>
-          <a:ext cx="0" cy="0"/>
-          <a:chOff x="0" y="0"/>
-          <a:chExt cx="0" cy="0"/>
-        </a:xfrm>
-      </p:grpSpPr>
-      <p:sp>
-        <p:nvSpPr>
-          <p:cNvPr id="2" name="Title 1">
-            <a:extLst>
-              <a:ext uri="{FF2B5EF4-FFF2-40B4-BE49-F238E27FC236}">
-                <a16:creationId xmlns:a16="http://schemas.microsoft.com/office/drawing/2014/main" id="{976B7C23-67CA-46D7-8E6E-6325EF064630}"/>
-              </a:ext>
-            </a:extLst>
-          </p:cNvPr>
-          <p:cNvSpPr>
-            <a:spLocks noGrp="1"/>
-          </p:cNvSpPr>
-          <p:nvPr>
-            <p:ph type="title"/>
-          </p:nvPr>
-        </p:nvSpPr>
-        <p:spPr>
-          <a:xfrm>
-            <a:off x="838200" y="396930"/>
-            <a:ext cx="10515600" cy="756009"/>
-          </a:xfrm>
-        </p:spPr>
-        <p:txBody>
-          <a:bodyPr>
-            <a:normAutofit/>
-          </a:bodyPr>
-          <a:lstStyle/>
-          <a:p>
-            <a:r>
-              <a:rPr lang="en-US" dirty="0">
-                <a:latin typeface="Franklin Gothic Book" panose="020B0503020102020204" pitchFamily="34" charset="0"/>
-              </a:rPr>
-              <a:t>Gumtree Spoon AST Diff</a:t>
-            </a:r>
-          </a:p>
-        </p:txBody>
-      </p:sp>
-      <p:sp>
-        <p:nvSpPr>
-          <p:cNvPr id="3" name="Content Placeholder 2">
-            <a:extLst>
-              <a:ext uri="{FF2B5EF4-FFF2-40B4-BE49-F238E27FC236}">
-                <a16:creationId xmlns:a16="http://schemas.microsoft.com/office/drawing/2014/main" id="{D67BD02C-74C8-4D0F-A9FF-979369B86C05}"/>
-              </a:ext>
-            </a:extLst>
-          </p:cNvPr>
-          <p:cNvSpPr>
-            <a:spLocks noGrp="1"/>
-          </p:cNvSpPr>
-          <p:nvPr>
-            <p:ph idx="1"/>
-          </p:nvPr>
-        </p:nvSpPr>
-        <p:spPr>
-          <a:xfrm>
-            <a:off x="838200" y="1953492"/>
-            <a:ext cx="10515600" cy="3449782"/>
-          </a:xfrm>
-        </p:spPr>
-        <p:txBody>
-          <a:bodyPr>
-            <a:normAutofit/>
-          </a:bodyPr>
-          <a:lstStyle/>
-          <a:p>
-            <a:r>
-              <a:rPr lang="en-US" dirty="0"/>
-              <a:t>Computes the AST difference between two </a:t>
-            </a:r>
-            <a:r>
-              <a:rPr lang="en-US" b="1" dirty="0"/>
-              <a:t>Spoon abstract syntax trees</a:t>
-            </a:r>
-            <a:r>
-              <a:rPr lang="en-US" dirty="0"/>
-              <a:t> using the </a:t>
-            </a:r>
-            <a:r>
-              <a:rPr lang="en-US" b="1" dirty="0"/>
-              <a:t>Gumtree algorithm </a:t>
-            </a:r>
-            <a:r>
-              <a:rPr lang="en-US" dirty="0"/>
-              <a:t>inspired from </a:t>
-            </a:r>
-            <a:r>
-              <a:rPr lang="en-US" b="1" dirty="0"/>
-              <a:t>Fine-grained and Accurate Source Code Differencing </a:t>
-            </a:r>
-            <a:r>
-              <a:rPr lang="en-US" dirty="0"/>
-              <a:t>by </a:t>
-            </a:r>
-            <a:r>
-              <a:rPr lang="en-US" b="1" dirty="0"/>
-              <a:t>Jean-Rémy </a:t>
-            </a:r>
-            <a:r>
-              <a:rPr lang="en-US" b="1" dirty="0" err="1"/>
-              <a:t>Falleri</a:t>
-            </a:r>
-            <a:r>
-              <a:rPr lang="en-US" dirty="0"/>
-              <a:t>, </a:t>
-            </a:r>
-            <a:r>
-              <a:rPr lang="en-US" b="1" dirty="0"/>
-              <a:t>Floréal </a:t>
-            </a:r>
-            <a:r>
-              <a:rPr lang="en-US" b="1" dirty="0" err="1"/>
-              <a:t>Morandat</a:t>
-            </a:r>
-            <a:r>
-              <a:rPr lang="en-US" dirty="0"/>
-              <a:t>, </a:t>
-            </a:r>
-            <a:r>
-              <a:rPr lang="en-US" b="1" dirty="0"/>
-              <a:t>Xavier Blanc</a:t>
-            </a:r>
-            <a:r>
-              <a:rPr lang="en-US" dirty="0"/>
-              <a:t>, </a:t>
-            </a:r>
-            <a:r>
-              <a:rPr lang="en-US" b="1" dirty="0"/>
-              <a:t>Matias Martinez</a:t>
-            </a:r>
-            <a:r>
-              <a:rPr lang="en-US" dirty="0"/>
-              <a:t>, </a:t>
-            </a:r>
-            <a:r>
-              <a:rPr lang="en-US" b="1" dirty="0"/>
-              <a:t>Martin </a:t>
-            </a:r>
-            <a:r>
-              <a:rPr lang="en-US" b="1" dirty="0" err="1"/>
-              <a:t>Monperrus</a:t>
-            </a:r>
-            <a:r>
-              <a:rPr lang="en-US" dirty="0"/>
-              <a:t>.</a:t>
-            </a:r>
-          </a:p>
-          <a:p>
-            <a:pPr marL="0" indent="0">
-              <a:buNone/>
-            </a:pPr>
-            <a:endParaRPr lang="en-US" dirty="0"/>
-          </a:p>
-          <a:p>
-            <a:r>
-              <a:rPr lang="en-US" dirty="0"/>
-              <a:t>This java library takes two java code as input, one is before code and after code and output a JSON file describing all differences between two codes in AST(Abstract Syntax Tree) format.</a:t>
-            </a:r>
-          </a:p>
-        </p:txBody>
-      </p:sp>
-    </p:spTree>
-    <p:extLst>
-      <p:ext uri="{BB962C8B-B14F-4D97-AF65-F5344CB8AC3E}">
-        <p14:creationId xmlns:p14="http://schemas.microsoft.com/office/powerpoint/2010/main" val="3579750640"/>
-      </p:ext>
-    </p:extLst>
-  </p:cSld>
-  <p:clrMapOvr>
-    <a:masterClrMapping/>
-  </p:clrMapOvr>
-</p:sld>
-</file>
-
-<file path=ppt/slides/slide28.xml><?xml version="1.0" encoding="utf-8"?>
-<p:sld xmlns:a="http://schemas.openxmlformats.org/drawingml/2006/main" xmlns:r="http://schemas.openxmlformats.org/officeDocument/2006/relationships" xmlns:p="http://schemas.openxmlformats.org/presentationml/2006/main">
-  <p:cSld>
-    <p:spTree>
-      <p:nvGrpSpPr>
-        <p:cNvPr id="1" name=""/>
-        <p:cNvGrpSpPr/>
-        <p:nvPr/>
-      </p:nvGrpSpPr>
-      <p:grpSpPr>
-        <a:xfrm>
-          <a:off x="0" y="0"/>
-          <a:ext cx="0" cy="0"/>
-          <a:chOff x="0" y="0"/>
-          <a:chExt cx="0" cy="0"/>
-        </a:xfrm>
-      </p:grpSpPr>
-      <p:sp>
-        <p:nvSpPr>
-          <p:cNvPr id="2" name="Title 1">
-            <a:extLst>
-              <a:ext uri="{FF2B5EF4-FFF2-40B4-BE49-F238E27FC236}">
-                <a16:creationId xmlns:a16="http://schemas.microsoft.com/office/drawing/2014/main" id="{976B7C23-67CA-46D7-8E6E-6325EF064630}"/>
-              </a:ext>
-            </a:extLst>
-          </p:cNvPr>
-          <p:cNvSpPr>
-            <a:spLocks noGrp="1"/>
-          </p:cNvSpPr>
-          <p:nvPr>
-            <p:ph type="title"/>
-          </p:nvPr>
-        </p:nvSpPr>
-        <p:spPr>
-          <a:xfrm>
-            <a:off x="838200" y="396930"/>
-            <a:ext cx="10515600" cy="756009"/>
-          </a:xfrm>
-        </p:spPr>
-        <p:txBody>
-          <a:bodyPr>
-            <a:normAutofit/>
-          </a:bodyPr>
-          <a:lstStyle/>
-          <a:p>
-            <a:r>
-              <a:rPr lang="en-US" dirty="0">
-                <a:latin typeface="Franklin Gothic Book" panose="020B0503020102020204" pitchFamily="34" charset="0"/>
-              </a:rPr>
-              <a:t>Clustering</a:t>
-            </a:r>
-          </a:p>
-        </p:txBody>
-      </p:sp>
-      <p:sp>
-        <p:nvSpPr>
-          <p:cNvPr id="3" name="Content Placeholder 2">
-            <a:extLst>
-              <a:ext uri="{FF2B5EF4-FFF2-40B4-BE49-F238E27FC236}">
-                <a16:creationId xmlns:a16="http://schemas.microsoft.com/office/drawing/2014/main" id="{D67BD02C-74C8-4D0F-A9FF-979369B86C05}"/>
-              </a:ext>
-            </a:extLst>
-          </p:cNvPr>
-          <p:cNvSpPr>
-            <a:spLocks noGrp="1"/>
-          </p:cNvSpPr>
-          <p:nvPr>
-            <p:ph idx="1"/>
-          </p:nvPr>
-        </p:nvSpPr>
-        <p:spPr>
-          <a:xfrm>
-            <a:off x="838200" y="1558454"/>
-            <a:ext cx="10515600" cy="4592964"/>
-          </a:xfrm>
-        </p:spPr>
-        <p:txBody>
-          <a:bodyPr>
-            <a:normAutofit/>
-          </a:bodyPr>
-          <a:lstStyle/>
-          <a:p>
-            <a:r>
-              <a:rPr lang="en-US" dirty="0"/>
-              <a:t>We will use </a:t>
-            </a:r>
-            <a:r>
-              <a:rPr lang="en-US" b="1" dirty="0"/>
-              <a:t>agglomerative</a:t>
-            </a:r>
-            <a:r>
-              <a:rPr lang="en-US" dirty="0"/>
-              <a:t> clustering technique that organizes fix patterns into a </a:t>
-            </a:r>
-            <a:r>
-              <a:rPr lang="en-US" b="1" dirty="0"/>
-              <a:t>hierarchical</a:t>
-            </a:r>
-            <a:r>
-              <a:rPr lang="en-US" dirty="0"/>
-              <a:t> structure.</a:t>
-            </a:r>
-          </a:p>
-          <a:p>
-            <a:r>
-              <a:rPr lang="en-US" dirty="0"/>
-              <a:t>We will also incorporating some surrounding </a:t>
-            </a:r>
-            <a:r>
-              <a:rPr lang="en-US" b="1" dirty="0"/>
-              <a:t>context</a:t>
-            </a:r>
-            <a:r>
-              <a:rPr lang="en-US" dirty="0"/>
-              <a:t>. </a:t>
-            </a:r>
-          </a:p>
-          <a:p>
-            <a:r>
-              <a:rPr lang="en-US" dirty="0"/>
-              <a:t>This context is crucial to decide which out of </a:t>
-            </a:r>
-            <a:r>
-              <a:rPr lang="en-US" b="1" dirty="0"/>
-              <a:t>multiple possible fix </a:t>
-            </a:r>
-            <a:r>
-              <a:rPr lang="en-US" dirty="0"/>
-              <a:t>patterns to apply to a given piece of code. </a:t>
-            </a:r>
-          </a:p>
-          <a:p>
-            <a:r>
-              <a:rPr lang="en-US" dirty="0"/>
-              <a:t>We will use a technique called </a:t>
-            </a:r>
-            <a:r>
-              <a:rPr lang="en-US" b="1" dirty="0"/>
-              <a:t>Anti-Unification</a:t>
-            </a:r>
-            <a:r>
-              <a:rPr lang="en-US" dirty="0"/>
-              <a:t> to generalize tree patterns.</a:t>
-            </a:r>
-          </a:p>
-        </p:txBody>
-      </p:sp>
-    </p:spTree>
-    <p:extLst>
-      <p:ext uri="{BB962C8B-B14F-4D97-AF65-F5344CB8AC3E}">
-        <p14:creationId xmlns:p14="http://schemas.microsoft.com/office/powerpoint/2010/main" val="3702020414"/>
-      </p:ext>
-    </p:extLst>
-  </p:cSld>
-  <p:clrMapOvr>
-    <a:masterClrMapping/>
-  </p:clrMapOvr>
-</p:sld>
-</file>
-
-<file path=ppt/slides/slide29.xml><?xml version="1.0" encoding="utf-8"?>
-<p:sld xmlns:a="http://schemas.openxmlformats.org/drawingml/2006/main" xmlns:r="http://schemas.openxmlformats.org/officeDocument/2006/relationships" xmlns:p="http://schemas.openxmlformats.org/presentationml/2006/main">
-  <p:cSld>
-    <p:spTree>
-      <p:nvGrpSpPr>
-        <p:cNvPr id="1" name=""/>
-        <p:cNvGrpSpPr/>
-        <p:nvPr/>
-      </p:nvGrpSpPr>
-      <p:grpSpPr>
-        <a:xfrm>
-          <a:off x="0" y="0"/>
-          <a:ext cx="0" cy="0"/>
-          <a:chOff x="0" y="0"/>
-          <a:chExt cx="0" cy="0"/>
-        </a:xfrm>
-      </p:grpSpPr>
-      <p:sp>
-        <p:nvSpPr>
           <p:cNvPr id="2" name="Title 1"/>
           <p:cNvSpPr>
             <a:spLocks noGrp="1"/>
@@ -10655,7 +8850,7 @@
 </p:sld>
 </file>
 
-<file path=ppt/slides/slide3.xml><?xml version="1.0" encoding="utf-8"?>
+<file path=ppt/slides/slide21.xml><?xml version="1.0" encoding="utf-8"?>
 <p:sld xmlns:a="http://schemas.openxmlformats.org/drawingml/2006/main" xmlns:r="http://schemas.openxmlformats.org/officeDocument/2006/relationships" xmlns:p="http://schemas.openxmlformats.org/presentationml/2006/main">
   <p:cSld>
     <p:spTree>
@@ -10677,124 +8872,6 @@
           <p:cNvPr id="2" name="Title 1">
             <a:extLst>
               <a:ext uri="{FF2B5EF4-FFF2-40B4-BE49-F238E27FC236}">
-                <a16:creationId xmlns:a16="http://schemas.microsoft.com/office/drawing/2014/main" id="{E93CA3FE-BA0C-4288-A8BF-E8830D37F026}"/>
-              </a:ext>
-            </a:extLst>
-          </p:cNvPr>
-          <p:cNvSpPr>
-            <a:spLocks noGrp="1"/>
-          </p:cNvSpPr>
-          <p:nvPr>
-            <p:ph type="title"/>
-          </p:nvPr>
-        </p:nvSpPr>
-        <p:spPr>
-          <a:xfrm>
-            <a:off x="838200" y="365126"/>
-            <a:ext cx="10515600" cy="811668"/>
-          </a:xfrm>
-        </p:spPr>
-        <p:txBody>
-          <a:bodyPr/>
-          <a:lstStyle/>
-          <a:p>
-            <a:r>
-              <a:rPr lang="en-US" dirty="0">
-                <a:latin typeface="Franklin Gothic Book" panose="020B0503020102020204" pitchFamily="34" charset="0"/>
-              </a:rPr>
-              <a:t>Problem Description</a:t>
-            </a:r>
-          </a:p>
-        </p:txBody>
-      </p:sp>
-      <p:sp>
-        <p:nvSpPr>
-          <p:cNvPr id="3" name="Content Placeholder 2">
-            <a:extLst>
-              <a:ext uri="{FF2B5EF4-FFF2-40B4-BE49-F238E27FC236}">
-                <a16:creationId xmlns:a16="http://schemas.microsoft.com/office/drawing/2014/main" id="{13661D3B-4E5A-40D8-AB9C-21489FE79819}"/>
-              </a:ext>
-            </a:extLst>
-          </p:cNvPr>
-          <p:cNvSpPr>
-            <a:spLocks noGrp="1"/>
-          </p:cNvSpPr>
-          <p:nvPr>
-            <p:ph idx="1"/>
-          </p:nvPr>
-        </p:nvSpPr>
-        <p:spPr>
-          <a:xfrm>
-            <a:off x="838200" y="1841930"/>
-            <a:ext cx="10515600" cy="4137452"/>
-          </a:xfrm>
-        </p:spPr>
-        <p:txBody>
-          <a:bodyPr>
-            <a:normAutofit/>
-          </a:bodyPr>
-          <a:lstStyle/>
-          <a:p>
-            <a:r>
-              <a:rPr lang="en-US" dirty="0"/>
-              <a:t>In this problem , we are going to deal with SQL(Structured Query Language) injection vulnerability</a:t>
-            </a:r>
-          </a:p>
-          <a:p>
-            <a:r>
-              <a:rPr lang="en-US" dirty="0"/>
-              <a:t>There are many existing java codes which are using JDBC(Java Database Connectivity) , an application programming interface (API) to connect database from java code</a:t>
-            </a:r>
-          </a:p>
-          <a:p>
-            <a:r>
-              <a:rPr lang="en-US" dirty="0"/>
-              <a:t>In those java codes, programmers unintentionally make mistake which can lead to SQL injection vulnerability</a:t>
-            </a:r>
-          </a:p>
-          <a:p>
-            <a:r>
-              <a:rPr lang="en-US" dirty="0"/>
-              <a:t>Attackers can attack these vulnerabilities to gain access to the database, modify the information of the database</a:t>
-            </a:r>
-          </a:p>
-        </p:txBody>
-      </p:sp>
-    </p:spTree>
-    <p:extLst>
-      <p:ext uri="{BB962C8B-B14F-4D97-AF65-F5344CB8AC3E}">
-        <p14:creationId xmlns:p14="http://schemas.microsoft.com/office/powerpoint/2010/main" val="2643472283"/>
-      </p:ext>
-    </p:extLst>
-  </p:cSld>
-  <p:clrMapOvr>
-    <a:masterClrMapping/>
-  </p:clrMapOvr>
-</p:sld>
-</file>
-
-<file path=ppt/slides/slide30.xml><?xml version="1.0" encoding="utf-8"?>
-<p:sld xmlns:a="http://schemas.openxmlformats.org/drawingml/2006/main" xmlns:r="http://schemas.openxmlformats.org/officeDocument/2006/relationships" xmlns:p="http://schemas.openxmlformats.org/presentationml/2006/main">
-  <p:cSld>
-    <p:spTree>
-      <p:nvGrpSpPr>
-        <p:cNvPr id="1" name=""/>
-        <p:cNvGrpSpPr/>
-        <p:nvPr/>
-      </p:nvGrpSpPr>
-      <p:grpSpPr>
-        <a:xfrm>
-          <a:off x="0" y="0"/>
-          <a:ext cx="0" cy="0"/>
-          <a:chOff x="0" y="0"/>
-          <a:chExt cx="0" cy="0"/>
-        </a:xfrm>
-      </p:grpSpPr>
-      <p:sp>
-        <p:nvSpPr>
-          <p:cNvPr id="2" name="Title 1">
-            <a:extLst>
-              <a:ext uri="{FF2B5EF4-FFF2-40B4-BE49-F238E27FC236}">
                 <a16:creationId xmlns:a16="http://schemas.microsoft.com/office/drawing/2014/main" id="{976B7C23-67CA-46D7-8E6E-6325EF064630}"/>
               </a:ext>
             </a:extLst>
@@ -10923,7 +9000,7 @@
 </p:sld>
 </file>
 
-<file path=ppt/slides/slide31.xml><?xml version="1.0" encoding="utf-8"?>
+<file path=ppt/slides/slide22.xml><?xml version="1.0" encoding="utf-8"?>
 <p:sld xmlns:a="http://schemas.openxmlformats.org/drawingml/2006/main" xmlns:r="http://schemas.openxmlformats.org/officeDocument/2006/relationships" xmlns:p="http://schemas.openxmlformats.org/presentationml/2006/main">
   <p:cSld>
     <p:bg>
@@ -11090,7 +9167,7 @@
 </p:sld>
 </file>
 
-<file path=ppt/slides/slide32.xml><?xml version="1.0" encoding="utf-8"?>
+<file path=ppt/slides/slide23.xml><?xml version="1.0" encoding="utf-8"?>
 <p:sld xmlns:a="http://schemas.openxmlformats.org/drawingml/2006/main" xmlns:r="http://schemas.openxmlformats.org/officeDocument/2006/relationships" xmlns:p="http://schemas.openxmlformats.org/presentationml/2006/main">
   <p:cSld>
     <p:spTree>
@@ -11227,7 +9304,7 @@
 </p:sld>
 </file>
 
-<file path=ppt/slides/slide33.xml><?xml version="1.0" encoding="utf-8"?>
+<file path=ppt/slides/slide24.xml><?xml version="1.0" encoding="utf-8"?>
 <p:sld xmlns:a="http://schemas.openxmlformats.org/drawingml/2006/main" xmlns:r="http://schemas.openxmlformats.org/officeDocument/2006/relationships" xmlns:p="http://schemas.openxmlformats.org/presentationml/2006/main">
   <p:cSld>
     <p:spTree>
@@ -11276,163 +9353,6 @@
               <a:rPr lang="en-US" dirty="0">
                 <a:latin typeface="Franklin Gothic Book" panose="020B0503020102020204" pitchFamily="34" charset="0"/>
               </a:rPr>
-              <a:t>Dataset Preparation</a:t>
-            </a:r>
-          </a:p>
-        </p:txBody>
-      </p:sp>
-      <p:sp>
-        <p:nvSpPr>
-          <p:cNvPr id="3" name="Content Placeholder 2">
-            <a:extLst>
-              <a:ext uri="{FF2B5EF4-FFF2-40B4-BE49-F238E27FC236}">
-                <a16:creationId xmlns:a16="http://schemas.microsoft.com/office/drawing/2014/main" id="{FEF21E47-912C-40F3-8896-4AA79ABA928C}"/>
-              </a:ext>
-            </a:extLst>
-          </p:cNvPr>
-          <p:cNvSpPr>
-            <a:spLocks noGrp="1"/>
-          </p:cNvSpPr>
-          <p:nvPr>
-            <p:ph idx="1"/>
-          </p:nvPr>
-        </p:nvSpPr>
-        <p:spPr>
-          <a:xfrm>
-            <a:off x="838200" y="1346663"/>
-            <a:ext cx="10515600" cy="3632662"/>
-          </a:xfrm>
-        </p:spPr>
-        <p:txBody>
-          <a:bodyPr>
-            <a:normAutofit/>
-          </a:bodyPr>
-          <a:lstStyle/>
-          <a:p>
-            <a:r>
-              <a:rPr lang="en-US" dirty="0"/>
-              <a:t>After this process, we used </a:t>
-            </a:r>
-            <a:r>
-              <a:rPr lang="en-US" dirty="0" err="1"/>
-              <a:t>JavaParser</a:t>
-            </a:r>
-            <a:r>
-              <a:rPr lang="en-US" dirty="0"/>
-              <a:t> to get functions of this java file and encapsulate with a dummy class.</a:t>
-            </a:r>
-          </a:p>
-          <a:p>
-            <a:r>
-              <a:rPr lang="en-US" dirty="0"/>
-              <a:t>We then found out which java functions including SQL query, we only need them. We considered only executed query by </a:t>
-            </a:r>
-            <a:r>
-              <a:rPr lang="en-US" b="1" dirty="0"/>
-              <a:t>JDBC.</a:t>
-            </a:r>
-            <a:endParaRPr lang="en-US" dirty="0"/>
-          </a:p>
-          <a:p>
-            <a:r>
-              <a:rPr lang="en-US" dirty="0"/>
-              <a:t>After this, we manually replaced </a:t>
-            </a:r>
-            <a:r>
-              <a:rPr lang="en-US" b="1" dirty="0" err="1"/>
-              <a:t>preparedStatement</a:t>
-            </a:r>
-            <a:r>
-              <a:rPr lang="en-US" dirty="0"/>
-              <a:t> in place of </a:t>
-            </a:r>
-            <a:r>
-              <a:rPr lang="en-US" b="1" dirty="0"/>
-              <a:t>statement</a:t>
-            </a:r>
-            <a:r>
-              <a:rPr lang="en-US" dirty="0"/>
-              <a:t>.</a:t>
-            </a:r>
-          </a:p>
-          <a:p>
-            <a:r>
-              <a:rPr lang="en-US" dirty="0"/>
-              <a:t>Till now, we separated about </a:t>
-            </a:r>
-            <a:r>
-              <a:rPr lang="en-US" b="1" dirty="0"/>
-              <a:t>1500 Java functions</a:t>
-            </a:r>
-            <a:r>
-              <a:rPr lang="en-US" dirty="0"/>
-              <a:t>.</a:t>
-            </a:r>
-          </a:p>
-        </p:txBody>
-      </p:sp>
-    </p:spTree>
-    <p:extLst>
-      <p:ext uri="{BB962C8B-B14F-4D97-AF65-F5344CB8AC3E}">
-        <p14:creationId xmlns:p14="http://schemas.microsoft.com/office/powerpoint/2010/main" val="1239376610"/>
-      </p:ext>
-    </p:extLst>
-  </p:cSld>
-  <p:clrMapOvr>
-    <a:masterClrMapping/>
-  </p:clrMapOvr>
-</p:sld>
-</file>
-
-<file path=ppt/slides/slide34.xml><?xml version="1.0" encoding="utf-8"?>
-<p:sld xmlns:a="http://schemas.openxmlformats.org/drawingml/2006/main" xmlns:r="http://schemas.openxmlformats.org/officeDocument/2006/relationships" xmlns:p="http://schemas.openxmlformats.org/presentationml/2006/main">
-  <p:cSld>
-    <p:spTree>
-      <p:nvGrpSpPr>
-        <p:cNvPr id="1" name=""/>
-        <p:cNvGrpSpPr/>
-        <p:nvPr/>
-      </p:nvGrpSpPr>
-      <p:grpSpPr>
-        <a:xfrm>
-          <a:off x="0" y="0"/>
-          <a:ext cx="0" cy="0"/>
-          <a:chOff x="0" y="0"/>
-          <a:chExt cx="0" cy="0"/>
-        </a:xfrm>
-      </p:grpSpPr>
-      <p:sp>
-        <p:nvSpPr>
-          <p:cNvPr id="2" name="Title 1">
-            <a:extLst>
-              <a:ext uri="{FF2B5EF4-FFF2-40B4-BE49-F238E27FC236}">
-                <a16:creationId xmlns:a16="http://schemas.microsoft.com/office/drawing/2014/main" id="{790D5372-3A97-4224-91D3-E993241D3D95}"/>
-              </a:ext>
-            </a:extLst>
-          </p:cNvPr>
-          <p:cNvSpPr>
-            <a:spLocks noGrp="1"/>
-          </p:cNvSpPr>
-          <p:nvPr>
-            <p:ph type="title"/>
-          </p:nvPr>
-        </p:nvSpPr>
-        <p:spPr>
-          <a:xfrm>
-            <a:off x="838200" y="365125"/>
-            <a:ext cx="10515600" cy="682279"/>
-          </a:xfrm>
-        </p:spPr>
-        <p:txBody>
-          <a:bodyPr>
-            <a:normAutofit fontScale="90000"/>
-          </a:bodyPr>
-          <a:lstStyle/>
-          <a:p>
-            <a:r>
-              <a:rPr lang="en-US" dirty="0">
-                <a:latin typeface="Franklin Gothic Book" panose="020B0503020102020204" pitchFamily="34" charset="0"/>
-              </a:rPr>
               <a:t>Learning to Fix </a:t>
             </a:r>
           </a:p>
@@ -11522,7 +9442,7 @@
 </p:sld>
 </file>
 
-<file path=ppt/slides/slide35.xml><?xml version="1.0" encoding="utf-8"?>
+<file path=ppt/slides/slide25.xml><?xml version="1.0" encoding="utf-8"?>
 <p:sld xmlns:a="http://schemas.openxmlformats.org/drawingml/2006/main" xmlns:r="http://schemas.openxmlformats.org/officeDocument/2006/relationships" xmlns:p="http://schemas.openxmlformats.org/presentationml/2006/main">
   <p:cSld>
     <p:bg>
@@ -11689,7 +9609,7 @@
 </p:sld>
 </file>
 
-<file path=ppt/slides/slide36.xml><?xml version="1.0" encoding="utf-8"?>
+<file path=ppt/slides/slide26.xml><?xml version="1.0" encoding="utf-8"?>
 <p:sld xmlns:a="http://schemas.openxmlformats.org/drawingml/2006/main" xmlns:r="http://schemas.openxmlformats.org/officeDocument/2006/relationships" xmlns:p="http://schemas.openxmlformats.org/presentationml/2006/main">
   <p:cSld>
     <p:spTree>
@@ -11809,7 +9729,7 @@
 </p:sld>
 </file>
 
-<file path=ppt/slides/slide37.xml><?xml version="1.0" encoding="utf-8"?>
+<file path=ppt/slides/slide27.xml><?xml version="1.0" encoding="utf-8"?>
 <p:sld xmlns:a="http://schemas.openxmlformats.org/drawingml/2006/main" xmlns:r="http://schemas.openxmlformats.org/officeDocument/2006/relationships" xmlns:p="http://schemas.openxmlformats.org/presentationml/2006/main">
   <p:cSld>
     <p:bg>
@@ -12600,6 +10520,124 @@
 </p:sld>
 </file>
 
+<file path=ppt/slides/slide3.xml><?xml version="1.0" encoding="utf-8"?>
+<p:sld xmlns:a="http://schemas.openxmlformats.org/drawingml/2006/main" xmlns:r="http://schemas.openxmlformats.org/officeDocument/2006/relationships" xmlns:p="http://schemas.openxmlformats.org/presentationml/2006/main">
+  <p:cSld>
+    <p:spTree>
+      <p:nvGrpSpPr>
+        <p:cNvPr id="1" name=""/>
+        <p:cNvGrpSpPr/>
+        <p:nvPr/>
+      </p:nvGrpSpPr>
+      <p:grpSpPr>
+        <a:xfrm>
+          <a:off x="0" y="0"/>
+          <a:ext cx="0" cy="0"/>
+          <a:chOff x="0" y="0"/>
+          <a:chExt cx="0" cy="0"/>
+        </a:xfrm>
+      </p:grpSpPr>
+      <p:sp>
+        <p:nvSpPr>
+          <p:cNvPr id="2" name="Title 1">
+            <a:extLst>
+              <a:ext uri="{FF2B5EF4-FFF2-40B4-BE49-F238E27FC236}">
+                <a16:creationId xmlns:a16="http://schemas.microsoft.com/office/drawing/2014/main" id="{E93CA3FE-BA0C-4288-A8BF-E8830D37F026}"/>
+              </a:ext>
+            </a:extLst>
+          </p:cNvPr>
+          <p:cNvSpPr>
+            <a:spLocks noGrp="1"/>
+          </p:cNvSpPr>
+          <p:nvPr>
+            <p:ph type="title"/>
+          </p:nvPr>
+        </p:nvSpPr>
+        <p:spPr>
+          <a:xfrm>
+            <a:off x="838200" y="365126"/>
+            <a:ext cx="10515600" cy="811668"/>
+          </a:xfrm>
+        </p:spPr>
+        <p:txBody>
+          <a:bodyPr/>
+          <a:lstStyle/>
+          <a:p>
+            <a:r>
+              <a:rPr lang="en-US" dirty="0">
+                <a:latin typeface="Franklin Gothic Book" panose="020B0503020102020204" pitchFamily="34" charset="0"/>
+              </a:rPr>
+              <a:t>Problem Description</a:t>
+            </a:r>
+          </a:p>
+        </p:txBody>
+      </p:sp>
+      <p:sp>
+        <p:nvSpPr>
+          <p:cNvPr id="3" name="Content Placeholder 2">
+            <a:extLst>
+              <a:ext uri="{FF2B5EF4-FFF2-40B4-BE49-F238E27FC236}">
+                <a16:creationId xmlns:a16="http://schemas.microsoft.com/office/drawing/2014/main" id="{13661D3B-4E5A-40D8-AB9C-21489FE79819}"/>
+              </a:ext>
+            </a:extLst>
+          </p:cNvPr>
+          <p:cNvSpPr>
+            <a:spLocks noGrp="1"/>
+          </p:cNvSpPr>
+          <p:nvPr>
+            <p:ph idx="1"/>
+          </p:nvPr>
+        </p:nvSpPr>
+        <p:spPr>
+          <a:xfrm>
+            <a:off x="838200" y="1841930"/>
+            <a:ext cx="10515600" cy="4137452"/>
+          </a:xfrm>
+        </p:spPr>
+        <p:txBody>
+          <a:bodyPr>
+            <a:normAutofit/>
+          </a:bodyPr>
+          <a:lstStyle/>
+          <a:p>
+            <a:r>
+              <a:rPr lang="en-US" dirty="0"/>
+              <a:t>In this problem , we are going to deal with SQL(Structured Query Language) injection vulnerability</a:t>
+            </a:r>
+          </a:p>
+          <a:p>
+            <a:r>
+              <a:rPr lang="en-US" dirty="0"/>
+              <a:t>There are many existing java codes which are using JDBC(Java Database Connectivity) , an application programming interface (API) to connect database from java code</a:t>
+            </a:r>
+          </a:p>
+          <a:p>
+            <a:r>
+              <a:rPr lang="en-US" dirty="0"/>
+              <a:t>In those java codes, programmers unintentionally make mistake which can lead to SQL injection vulnerability</a:t>
+            </a:r>
+          </a:p>
+          <a:p>
+            <a:r>
+              <a:rPr lang="en-US" dirty="0"/>
+              <a:t>Attackers can attack these vulnerabilities to gain access to the database, modify the information of the database</a:t>
+            </a:r>
+          </a:p>
+        </p:txBody>
+      </p:sp>
+    </p:spTree>
+    <p:extLst>
+      <p:ext uri="{BB962C8B-B14F-4D97-AF65-F5344CB8AC3E}">
+        <p14:creationId xmlns:p14="http://schemas.microsoft.com/office/powerpoint/2010/main" val="2643472283"/>
+      </p:ext>
+    </p:extLst>
+  </p:cSld>
+  <p:clrMapOvr>
+    <a:masterClrMapping/>
+  </p:clrMapOvr>
+</p:sld>
+</file>
+
 <file path=ppt/slides/slide4.xml><?xml version="1.0" encoding="utf-8"?>
 <p:sld xmlns:a="http://schemas.openxmlformats.org/drawingml/2006/main" xmlns:r="http://schemas.openxmlformats.org/officeDocument/2006/relationships" xmlns:p="http://schemas.openxmlformats.org/presentationml/2006/main">
   <p:cSld>
@@ -13000,124 +11038,6 @@
 </file>
 
 <file path=ppt/slides/slide7.xml><?xml version="1.0" encoding="utf-8"?>
-<p:sld xmlns:a="http://schemas.openxmlformats.org/drawingml/2006/main" xmlns:r="http://schemas.openxmlformats.org/officeDocument/2006/relationships" xmlns:p="http://schemas.openxmlformats.org/presentationml/2006/main">
-  <p:cSld>
-    <p:spTree>
-      <p:nvGrpSpPr>
-        <p:cNvPr id="1" name=""/>
-        <p:cNvGrpSpPr/>
-        <p:nvPr/>
-      </p:nvGrpSpPr>
-      <p:grpSpPr>
-        <a:xfrm>
-          <a:off x="0" y="0"/>
-          <a:ext cx="0" cy="0"/>
-          <a:chOff x="0" y="0"/>
-          <a:chExt cx="0" cy="0"/>
-        </a:xfrm>
-      </p:grpSpPr>
-      <p:sp>
-        <p:nvSpPr>
-          <p:cNvPr id="2" name="Title 1">
-            <a:extLst>
-              <a:ext uri="{FF2B5EF4-FFF2-40B4-BE49-F238E27FC236}">
-                <a16:creationId xmlns:a16="http://schemas.microsoft.com/office/drawing/2014/main" id="{713471F7-0FB8-41A1-B23C-7C1E9B9F176C}"/>
-              </a:ext>
-            </a:extLst>
-          </p:cNvPr>
-          <p:cNvSpPr>
-            <a:spLocks noGrp="1"/>
-          </p:cNvSpPr>
-          <p:nvPr>
-            <p:ph type="title"/>
-          </p:nvPr>
-        </p:nvSpPr>
-        <p:spPr>
-          <a:xfrm>
-            <a:off x="838200" y="365125"/>
-            <a:ext cx="10515600" cy="851425"/>
-          </a:xfrm>
-        </p:spPr>
-        <p:txBody>
-          <a:bodyPr>
-            <a:normAutofit/>
-          </a:bodyPr>
-          <a:lstStyle/>
-          <a:p>
-            <a:r>
-              <a:rPr lang="en-US" dirty="0">
-                <a:latin typeface="Franklin Gothic Book" panose="020B0503020102020204" pitchFamily="34" charset="0"/>
-              </a:rPr>
-              <a:t>How an SQL Injection Attack Performed</a:t>
-            </a:r>
-          </a:p>
-        </p:txBody>
-      </p:sp>
-      <p:sp>
-        <p:nvSpPr>
-          <p:cNvPr id="3" name="Content Placeholder 2">
-            <a:extLst>
-              <a:ext uri="{FF2B5EF4-FFF2-40B4-BE49-F238E27FC236}">
-                <a16:creationId xmlns:a16="http://schemas.microsoft.com/office/drawing/2014/main" id="{6869AA67-0F4A-4612-AD45-7CF0B1F5EF63}"/>
-              </a:ext>
-            </a:extLst>
-          </p:cNvPr>
-          <p:cNvSpPr>
-            <a:spLocks noGrp="1"/>
-          </p:cNvSpPr>
-          <p:nvPr>
-            <p:ph idx="1"/>
-          </p:nvPr>
-        </p:nvSpPr>
-        <p:spPr>
-          <a:xfrm>
-            <a:off x="838200" y="1746112"/>
-            <a:ext cx="10515600" cy="4351338"/>
-          </a:xfrm>
-        </p:spPr>
-        <p:txBody>
-          <a:bodyPr/>
-          <a:lstStyle/>
-          <a:p>
-            <a:r>
-              <a:rPr lang="en-US" dirty="0"/>
-              <a:t>To make an SQL Injection attack, an attacker must first find vulnerable user inputs within the web page or  application</a:t>
-            </a:r>
-          </a:p>
-          <a:p>
-            <a:r>
-              <a:rPr lang="en-US" dirty="0"/>
-              <a:t>A web page or web application that has an SQL Injection vulnerability uses such user input directly in an SQL query, then attacker can create input content, often called a malicious payload </a:t>
-            </a:r>
-          </a:p>
-          <a:p>
-            <a:r>
-              <a:rPr lang="en-US" dirty="0"/>
-              <a:t>After the attacker sends this content, malicious SQL commands are executed in the database.</a:t>
-            </a:r>
-          </a:p>
-          <a:p>
-            <a:r>
-              <a:rPr lang="en-US" dirty="0"/>
-              <a:t>The malicious SQL commands can provide attacker the whole information of the database, access to modify the database</a:t>
-            </a:r>
-          </a:p>
-        </p:txBody>
-      </p:sp>
-    </p:spTree>
-    <p:extLst>
-      <p:ext uri="{BB962C8B-B14F-4D97-AF65-F5344CB8AC3E}">
-        <p14:creationId xmlns:p14="http://schemas.microsoft.com/office/powerpoint/2010/main" val="1196929616"/>
-      </p:ext>
-    </p:extLst>
-  </p:cSld>
-  <p:clrMapOvr>
-    <a:masterClrMapping/>
-  </p:clrMapOvr>
-</p:sld>
-</file>
-
-<file path=ppt/slides/slide8.xml><?xml version="1.0" encoding="utf-8"?>
 <p:sld xmlns:a="http://schemas.openxmlformats.org/drawingml/2006/main" xmlns:r="http://schemas.openxmlformats.org/officeDocument/2006/relationships" xmlns:p="http://schemas.openxmlformats.org/presentationml/2006/main">
   <p:cSld>
     <p:spTree>
@@ -15029,6 +12949,160 @@
 </p:sld>
 </file>
 
+<file path=ppt/slides/slide8.xml><?xml version="1.0" encoding="utf-8"?>
+<p:sld xmlns:a="http://schemas.openxmlformats.org/drawingml/2006/main" xmlns:r="http://schemas.openxmlformats.org/officeDocument/2006/relationships" xmlns:p="http://schemas.openxmlformats.org/presentationml/2006/main">
+  <p:cSld>
+    <p:spTree>
+      <p:nvGrpSpPr>
+        <p:cNvPr id="1" name=""/>
+        <p:cNvGrpSpPr/>
+        <p:nvPr/>
+      </p:nvGrpSpPr>
+      <p:grpSpPr>
+        <a:xfrm>
+          <a:off x="0" y="0"/>
+          <a:ext cx="0" cy="0"/>
+          <a:chOff x="0" y="0"/>
+          <a:chExt cx="0" cy="0"/>
+        </a:xfrm>
+      </p:grpSpPr>
+      <p:sp>
+        <p:nvSpPr>
+          <p:cNvPr id="2" name="Title 1">
+            <a:extLst>
+              <a:ext uri="{FF2B5EF4-FFF2-40B4-BE49-F238E27FC236}">
+                <a16:creationId xmlns:a16="http://schemas.microsoft.com/office/drawing/2014/main" id="{D26614AE-C51B-405A-9918-CA7CEBCEA741}"/>
+              </a:ext>
+            </a:extLst>
+          </p:cNvPr>
+          <p:cNvSpPr>
+            <a:spLocks noGrp="1"/>
+          </p:cNvSpPr>
+          <p:nvPr>
+            <p:ph type="title"/>
+          </p:nvPr>
+        </p:nvSpPr>
+        <p:spPr>
+          <a:xfrm>
+            <a:off x="838200" y="365125"/>
+            <a:ext cx="10515600" cy="962743"/>
+          </a:xfrm>
+        </p:spPr>
+        <p:txBody>
+          <a:bodyPr/>
+          <a:lstStyle/>
+          <a:p>
+            <a:r>
+              <a:rPr lang="en-US" dirty="0">
+                <a:latin typeface="Franklin Gothic Book" panose="020B0503020102020204" pitchFamily="34" charset="0"/>
+              </a:rPr>
+              <a:t>Java Database Connectivity (</a:t>
+            </a:r>
+            <a:r>
+              <a:rPr lang="en-US" b="1" dirty="0">
+                <a:latin typeface="Franklin Gothic Book" panose="020B0503020102020204" pitchFamily="34" charset="0"/>
+              </a:rPr>
+              <a:t>JDBC</a:t>
+            </a:r>
+            <a:r>
+              <a:rPr lang="en-US" dirty="0">
+                <a:latin typeface="Franklin Gothic Book" panose="020B0503020102020204" pitchFamily="34" charset="0"/>
+              </a:rPr>
+              <a:t>)</a:t>
+            </a:r>
+          </a:p>
+        </p:txBody>
+      </p:sp>
+      <p:sp>
+        <p:nvSpPr>
+          <p:cNvPr id="3" name="Content Placeholder 2">
+            <a:extLst>
+              <a:ext uri="{FF2B5EF4-FFF2-40B4-BE49-F238E27FC236}">
+                <a16:creationId xmlns:a16="http://schemas.microsoft.com/office/drawing/2014/main" id="{552DD24B-B101-4308-B734-1FBA8D56B67D}"/>
+              </a:ext>
+            </a:extLst>
+          </p:cNvPr>
+          <p:cNvSpPr>
+            <a:spLocks noGrp="1"/>
+          </p:cNvSpPr>
+          <p:nvPr>
+            <p:ph idx="1"/>
+          </p:nvPr>
+        </p:nvSpPr>
+        <p:spPr>
+          <a:xfrm>
+            <a:off x="838200" y="1661823"/>
+            <a:ext cx="10515600" cy="4515140"/>
+          </a:xfrm>
+        </p:spPr>
+        <p:txBody>
+          <a:bodyPr>
+            <a:normAutofit lnSpcReduction="10000"/>
+          </a:bodyPr>
+          <a:lstStyle/>
+          <a:p>
+            <a:r>
+              <a:rPr lang="en-US" b="1" dirty="0"/>
+              <a:t>Java Database Connectivity</a:t>
+            </a:r>
+            <a:r>
+              <a:rPr lang="en-US" dirty="0"/>
+              <a:t> (</a:t>
+            </a:r>
+            <a:r>
+              <a:rPr lang="en-US" b="1" dirty="0"/>
+              <a:t>JDBC</a:t>
+            </a:r>
+            <a:r>
+              <a:rPr lang="en-US" dirty="0"/>
+              <a:t>) is an application programming interface (API) for the programming language Java</a:t>
+            </a:r>
+          </a:p>
+          <a:p>
+            <a:r>
+              <a:rPr lang="en-US" dirty="0"/>
+              <a:t>Defines how a client may access a database</a:t>
+            </a:r>
+          </a:p>
+          <a:p>
+            <a:r>
+              <a:rPr lang="en-US" dirty="0"/>
+              <a:t>A Java-based data access technology used for Java database connectivity.</a:t>
+            </a:r>
+          </a:p>
+          <a:p>
+            <a:r>
+              <a:rPr lang="en-US" dirty="0"/>
+              <a:t>Part of the Java Standard Edition platform, from Oracle Corporation</a:t>
+            </a:r>
+          </a:p>
+          <a:p>
+            <a:r>
+              <a:rPr lang="en-US" dirty="0"/>
+              <a:t>Provides methods to query and update data in a database, and is oriented towards relational databases</a:t>
+            </a:r>
+          </a:p>
+          <a:p>
+            <a:r>
+              <a:rPr lang="en-US" dirty="0"/>
+              <a:t>A JDBC-to-ODBC bridge enables connections to any ODBC-accessible data source in the Java virtual machine (JVM) host environment</a:t>
+            </a:r>
+          </a:p>
+        </p:txBody>
+      </p:sp>
+    </p:spTree>
+    <p:extLst>
+      <p:ext uri="{BB962C8B-B14F-4D97-AF65-F5344CB8AC3E}">
+        <p14:creationId xmlns:p14="http://schemas.microsoft.com/office/powerpoint/2010/main" val="2120208632"/>
+      </p:ext>
+    </p:extLst>
+  </p:cSld>
+  <p:clrMapOvr>
+    <a:masterClrMapping/>
+  </p:clrMapOvr>
+</p:sld>
+</file>
+
 <file path=ppt/slides/slide9.xml><?xml version="1.0" encoding="utf-8"?>
 <p:sld xmlns:a="http://schemas.openxmlformats.org/drawingml/2006/main" xmlns:r="http://schemas.openxmlformats.org/officeDocument/2006/relationships" xmlns:p="http://schemas.openxmlformats.org/presentationml/2006/main">
   <p:cSld>
@@ -15051,7 +13125,7 @@
           <p:cNvPr id="2" name="Title 1">
             <a:extLst>
               <a:ext uri="{FF2B5EF4-FFF2-40B4-BE49-F238E27FC236}">
-                <a16:creationId xmlns:a16="http://schemas.microsoft.com/office/drawing/2014/main" id="{BF8439C0-EEED-49F6-81F5-4281ADEC38C2}"/>
+                <a16:creationId xmlns:a16="http://schemas.microsoft.com/office/drawing/2014/main" id="{BE1A42D3-F33A-41E7-8512-CEA35F482902}"/>
               </a:ext>
             </a:extLst>
           </p:cNvPr>
@@ -15064,8 +13138,8 @@
         </p:nvSpPr>
         <p:spPr>
           <a:xfrm>
-            <a:off x="838200" y="514059"/>
-            <a:ext cx="10515600" cy="724203"/>
+            <a:off x="838200" y="465834"/>
+            <a:ext cx="10515600" cy="859376"/>
           </a:xfrm>
         </p:spPr>
         <p:txBody>
@@ -15076,7 +13150,7 @@
               <a:rPr lang="en-US" dirty="0">
                 <a:latin typeface="Franklin Gothic Book" panose="020B0503020102020204" pitchFamily="34" charset="0"/>
               </a:rPr>
-              <a:t>Types of SQL Injection</a:t>
+              <a:t>JDBC Classes</a:t>
             </a:r>
           </a:p>
         </p:txBody>
@@ -15086,7 +13160,7 @@
           <p:cNvPr id="3" name="Content Placeholder 2">
             <a:extLst>
               <a:ext uri="{FF2B5EF4-FFF2-40B4-BE49-F238E27FC236}">
-                <a16:creationId xmlns:a16="http://schemas.microsoft.com/office/drawing/2014/main" id="{53450A49-8B9B-47DA-A813-07A9431609BC}"/>
+                <a16:creationId xmlns:a16="http://schemas.microsoft.com/office/drawing/2014/main" id="{A9012416-305B-47B4-90FB-5F8DA4B0D0D9}"/>
               </a:ext>
             </a:extLst>
           </p:cNvPr>
@@ -15099,113 +13173,226 @@
         </p:nvSpPr>
         <p:spPr>
           <a:xfrm>
-            <a:off x="838200" y="1542554"/>
-            <a:ext cx="10515600" cy="4801387"/>
+            <a:off x="838200" y="1547530"/>
+            <a:ext cx="10515600" cy="4351338"/>
           </a:xfrm>
         </p:spPr>
         <p:txBody>
           <a:bodyPr>
-            <a:normAutofit/>
+            <a:noAutofit/>
           </a:bodyPr>
           <a:lstStyle/>
           <a:p>
             <a:pPr marL="0" indent="0">
+              <a:lnSpc>
+                <a:spcPct val="100000"/>
+              </a:lnSpc>
               <a:buNone/>
             </a:pPr>
             <a:r>
-              <a:rPr lang="en-US" dirty="0"/>
-              <a:t>SQL Injection can be classified into three major categories –</a:t>
-            </a:r>
-          </a:p>
-          <a:p>
-            <a:pPr marL="514350" indent="-514350">
-              <a:buFont typeface="+mj-lt"/>
-              <a:buAutoNum type="arabicPeriod"/>
+              <a:rPr lang="en-US" altLang="en-US" dirty="0">
+                <a:solidFill>
+                  <a:srgbClr val="222222"/>
+                </a:solidFill>
+                <a:latin typeface="Arial" panose="020B0604020202020204" pitchFamily="34" charset="0"/>
+                <a:cs typeface="Arial" panose="020B0604020202020204" pitchFamily="34" charset="0"/>
+              </a:rPr>
+              <a:t>JDBC represents statements using one of the following classes:</a:t>
+            </a:r>
+            <a:endParaRPr lang="en-US" altLang="en-US" dirty="0"/>
+          </a:p>
+          <a:p>
+            <a:pPr marL="0" lvl="0" indent="0" eaLnBrk="0" fontAlgn="base" hangingPunct="0">
+              <a:lnSpc>
+                <a:spcPct val="100000"/>
+              </a:lnSpc>
+              <a:spcBef>
+                <a:spcPct val="0"/>
+              </a:spcBef>
+              <a:spcAft>
+                <a:spcPct val="0"/>
+              </a:spcAft>
+              <a:buFontTx/>
+              <a:buChar char="•"/>
             </a:pPr>
             <a:r>
-              <a:rPr lang="en-US" b="1" dirty="0"/>
-              <a:t>In-band </a:t>
-            </a:r>
-            <a:r>
-              <a:rPr lang="en-US" b="1" dirty="0" err="1"/>
-              <a:t>SQLi</a:t>
-            </a:r>
-            <a:r>
-              <a:rPr lang="en-US" b="1" dirty="0"/>
-              <a:t> : </a:t>
-            </a:r>
-            <a:r>
-              <a:rPr lang="en-US" dirty="0"/>
-              <a:t> In-band SQL Injection occurs when an attacker is able to use the same communication channel to both launch the attack and gather results.</a:t>
-            </a:r>
-          </a:p>
-          <a:p>
-            <a:pPr marL="1028700" lvl="1" indent="-571500">
-              <a:buFont typeface="+mj-lt"/>
-              <a:buAutoNum type="romanUcPeriod"/>
+              <a:rPr lang="en-US" altLang="en-US" b="1" dirty="0">
+                <a:latin typeface="Franklin Gothic Book" panose="020B0503020102020204" pitchFamily="34" charset="0"/>
+                <a:cs typeface="Arial" panose="020B0604020202020204" pitchFamily="34" charset="0"/>
+              </a:rPr>
+              <a:t>Statement</a:t>
+            </a:r>
+            <a:r>
+              <a:rPr lang="en-US" altLang="en-US" dirty="0">
+                <a:solidFill>
+                  <a:srgbClr val="222222"/>
+                </a:solidFill>
+                <a:latin typeface="Franklin Gothic Book" panose="020B0503020102020204" pitchFamily="34" charset="0"/>
+                <a:cs typeface="Arial" panose="020B0604020202020204" pitchFamily="34" charset="0"/>
+              </a:rPr>
+              <a:t> </a:t>
+            </a:r>
+            <a:r>
+              <a:rPr lang="en-US" altLang="en-US" dirty="0">
+                <a:solidFill>
+                  <a:srgbClr val="222222"/>
+                </a:solidFill>
+                <a:latin typeface="Arial" panose="020B0604020202020204" pitchFamily="34" charset="0"/>
+                <a:cs typeface="Arial" panose="020B0604020202020204" pitchFamily="34" charset="0"/>
+              </a:rPr>
+              <a:t>– the statement is sent to the database server each and every time.</a:t>
+            </a:r>
+          </a:p>
+          <a:p>
+            <a:pPr marL="0" lvl="0" indent="0" eaLnBrk="0" fontAlgn="base" hangingPunct="0">
+              <a:lnSpc>
+                <a:spcPct val="100000"/>
+              </a:lnSpc>
+              <a:spcBef>
+                <a:spcPct val="0"/>
+              </a:spcBef>
+              <a:spcAft>
+                <a:spcPct val="0"/>
+              </a:spcAft>
+              <a:buFontTx/>
+              <a:buChar char="•"/>
             </a:pPr>
-            <a:r>
-              <a:rPr lang="en-US" sz="2800" b="1" dirty="0"/>
-              <a:t>Error-based </a:t>
-            </a:r>
-            <a:r>
-              <a:rPr lang="en-US" sz="2800" b="1" dirty="0" err="1"/>
-              <a:t>SQLi</a:t>
-            </a:r>
-            <a:r>
-              <a:rPr lang="en-US" sz="2800" b="1" dirty="0"/>
-              <a:t> </a:t>
-            </a:r>
-            <a:r>
-              <a:rPr lang="en-US" sz="2800" dirty="0"/>
-              <a:t>: Error-based </a:t>
-            </a:r>
-            <a:r>
-              <a:rPr lang="en-US" sz="2800" dirty="0" err="1"/>
-              <a:t>SQLi</a:t>
-            </a:r>
-            <a:r>
-              <a:rPr lang="en-US" sz="2800" dirty="0"/>
-              <a:t> relies on error messages thrown by the database server to obtain information about the structure of the database</a:t>
-            </a:r>
-          </a:p>
-          <a:p>
-            <a:pPr marL="971550" lvl="1" indent="-514350">
-              <a:buFont typeface="+mj-lt"/>
-              <a:buAutoNum type="romanUcPeriod"/>
+            <a:endParaRPr lang="en-US" altLang="en-US" dirty="0">
+              <a:solidFill>
+                <a:srgbClr val="222222"/>
+              </a:solidFill>
+              <a:latin typeface="Arial" panose="020B0604020202020204" pitchFamily="34" charset="0"/>
+              <a:cs typeface="Arial" panose="020B0604020202020204" pitchFamily="34" charset="0"/>
+            </a:endParaRPr>
+          </a:p>
+          <a:p>
+            <a:pPr marL="0" lvl="0" indent="0" eaLnBrk="0" fontAlgn="base" hangingPunct="0">
+              <a:lnSpc>
+                <a:spcPct val="100000"/>
+              </a:lnSpc>
+              <a:spcBef>
+                <a:spcPct val="0"/>
+              </a:spcBef>
+              <a:spcAft>
+                <a:spcPct val="0"/>
+              </a:spcAft>
+              <a:buFontTx/>
+              <a:buChar char="•"/>
             </a:pPr>
             <a:r>
-              <a:rPr lang="en-US" sz="2800" b="1" dirty="0"/>
-              <a:t>Union-based </a:t>
-            </a:r>
-            <a:r>
-              <a:rPr lang="en-US" sz="2800" b="1" dirty="0" err="1"/>
-              <a:t>SQLi</a:t>
-            </a:r>
-            <a:r>
-              <a:rPr lang="en-US" sz="2800" b="1" dirty="0"/>
-              <a:t> </a:t>
-            </a:r>
-            <a:r>
-              <a:rPr lang="en-US" sz="2800" dirty="0"/>
-              <a:t>: Union-based </a:t>
-            </a:r>
-            <a:r>
-              <a:rPr lang="en-US" sz="2800" dirty="0" err="1"/>
-              <a:t>SQLi</a:t>
-            </a:r>
-            <a:r>
-              <a:rPr lang="en-US" sz="2800" dirty="0"/>
-              <a:t> leverages the UNION SQL operator to combine the results of two or more SELECT statements into a single result.</a:t>
-            </a:r>
-            <a:endParaRPr lang="en-US" sz="2800" b="1" dirty="0"/>
+              <a:rPr lang="en-US" altLang="en-US" b="1" dirty="0">
+                <a:latin typeface="Franklin Gothic Book" panose="020B0503020102020204" pitchFamily="34" charset="0"/>
+                <a:cs typeface="Arial" panose="020B0604020202020204" pitchFamily="34" charset="0"/>
+              </a:rPr>
+              <a:t>PreparedStatement</a:t>
+            </a:r>
+            <a:r>
+              <a:rPr lang="en-US" altLang="en-US" dirty="0">
+                <a:solidFill>
+                  <a:srgbClr val="222222"/>
+                </a:solidFill>
+                <a:latin typeface="Arial" panose="020B0604020202020204" pitchFamily="34" charset="0"/>
+                <a:cs typeface="Arial" panose="020B0604020202020204" pitchFamily="34" charset="0"/>
+              </a:rPr>
+              <a:t> – the statement is cached and then the </a:t>
+            </a:r>
+            <a:r>
+              <a:rPr lang="en-US" altLang="en-US" dirty="0">
+                <a:latin typeface="Arial" panose="020B0604020202020204" pitchFamily="34" charset="0"/>
+                <a:cs typeface="Arial" panose="020B0604020202020204" pitchFamily="34" charset="0"/>
+              </a:rPr>
+              <a:t>execution path</a:t>
+            </a:r>
+            <a:r>
+              <a:rPr lang="en-US" altLang="en-US" dirty="0">
+                <a:solidFill>
+                  <a:srgbClr val="222222"/>
+                </a:solidFill>
+                <a:latin typeface="Arial" panose="020B0604020202020204" pitchFamily="34" charset="0"/>
+                <a:cs typeface="Arial" panose="020B0604020202020204" pitchFamily="34" charset="0"/>
+              </a:rPr>
+              <a:t> is pre-determined on the database server allowing it to be executed multiple times in an efficient manner.</a:t>
+            </a:r>
+          </a:p>
+          <a:p>
+            <a:pPr marL="0" lvl="0" indent="0" eaLnBrk="0" fontAlgn="base" hangingPunct="0">
+              <a:lnSpc>
+                <a:spcPct val="100000"/>
+              </a:lnSpc>
+              <a:spcBef>
+                <a:spcPct val="0"/>
+              </a:spcBef>
+              <a:spcAft>
+                <a:spcPct val="0"/>
+              </a:spcAft>
+              <a:buNone/>
+            </a:pPr>
+            <a:endParaRPr lang="en-US" altLang="en-US" dirty="0">
+              <a:solidFill>
+                <a:srgbClr val="222222"/>
+              </a:solidFill>
+              <a:latin typeface="Arial" panose="020B0604020202020204" pitchFamily="34" charset="0"/>
+              <a:cs typeface="Arial" panose="020B0604020202020204" pitchFamily="34" charset="0"/>
+            </a:endParaRPr>
+          </a:p>
+          <a:p>
+            <a:pPr marL="0" lvl="0" indent="0" eaLnBrk="0" fontAlgn="base" hangingPunct="0">
+              <a:lnSpc>
+                <a:spcPct val="100000"/>
+              </a:lnSpc>
+              <a:spcBef>
+                <a:spcPct val="0"/>
+              </a:spcBef>
+              <a:spcAft>
+                <a:spcPct val="0"/>
+              </a:spcAft>
+              <a:buFontTx/>
+              <a:buChar char="•"/>
+            </a:pPr>
+            <a:r>
+              <a:rPr lang="en-US" altLang="en-US" b="1" dirty="0">
+                <a:latin typeface="Franklin Gothic Book" panose="020B0503020102020204" pitchFamily="34" charset="0"/>
+                <a:cs typeface="Arial" panose="020B0604020202020204" pitchFamily="34" charset="0"/>
+              </a:rPr>
+              <a:t>CallableStatement</a:t>
+            </a:r>
+            <a:r>
+              <a:rPr lang="en-US" altLang="en-US" dirty="0">
+                <a:solidFill>
+                  <a:srgbClr val="222222"/>
+                </a:solidFill>
+                <a:latin typeface="Arial" panose="020B0604020202020204" pitchFamily="34" charset="0"/>
+                <a:cs typeface="Arial" panose="020B0604020202020204" pitchFamily="34" charset="0"/>
+              </a:rPr>
+              <a:t> – used for executing </a:t>
+            </a:r>
+            <a:r>
+              <a:rPr lang="en-US" altLang="en-US" dirty="0">
+                <a:latin typeface="Arial" panose="020B0604020202020204" pitchFamily="34" charset="0"/>
+                <a:cs typeface="Arial" panose="020B0604020202020204" pitchFamily="34" charset="0"/>
+              </a:rPr>
+              <a:t>stored procedures</a:t>
+            </a:r>
+            <a:r>
+              <a:rPr lang="en-US" altLang="en-US" dirty="0">
+                <a:solidFill>
+                  <a:srgbClr val="222222"/>
+                </a:solidFill>
+                <a:latin typeface="Arial" panose="020B0604020202020204" pitchFamily="34" charset="0"/>
+                <a:cs typeface="Arial" panose="020B0604020202020204" pitchFamily="34" charset="0"/>
+              </a:rPr>
+              <a:t> on the database.</a:t>
+            </a:r>
+          </a:p>
+          <a:p>
+            <a:endParaRPr lang="en-US" dirty="0"/>
           </a:p>
         </p:txBody>
       </p:sp>
     </p:spTree>
     <p:extLst>
       <p:ext uri="{BB962C8B-B14F-4D97-AF65-F5344CB8AC3E}">
-        <p14:creationId xmlns:p14="http://schemas.microsoft.com/office/powerpoint/2010/main" val="4195192425"/>
+        <p14:creationId xmlns:p14="http://schemas.microsoft.com/office/powerpoint/2010/main" val="2338048470"/>
       </p:ext>
     </p:extLst>
   </p:cSld>
@@ -16101,12 +14288,11 @@
 </file>
 
 <file path=customXml/item1.xml><?xml version="1.0" encoding="utf-8"?>
-<?mso-contentType ?>
-<FormTemplates xmlns="http://schemas.microsoft.com/sharepoint/v3/contenttype/forms">
-  <Display>DocumentLibraryForm</Display>
-  <Edit>DocumentLibraryForm</Edit>
-  <New>DocumentLibraryForm</New>
-</FormTemplates>
+<p:properties xmlns:p="http://schemas.microsoft.com/office/2006/metadata/properties" xmlns:xsi="http://www.w3.org/2001/XMLSchema-instance" xmlns:pc="http://schemas.microsoft.com/office/infopath/2007/PartnerControls">
+  <documentManagement>
+    <MediaServiceKeyPoints xmlns="71af3243-3dd4-4a8d-8c0d-dd76da1f02a5" xsi:nil="true"/>
+  </documentManagement>
+</p:properties>
 </file>
 
 <file path=customXml/item2.xml><?xml version="1.0" encoding="utf-8"?>
@@ -16321,17 +14507,27 @@
 </file>
 
 <file path=customXml/item3.xml><?xml version="1.0" encoding="utf-8"?>
-<p:properties xmlns:p="http://schemas.microsoft.com/office/2006/metadata/properties" xmlns:xsi="http://www.w3.org/2001/XMLSchema-instance" xmlns:pc="http://schemas.microsoft.com/office/infopath/2007/PartnerControls">
-  <documentManagement>
-    <MediaServiceKeyPoints xmlns="71af3243-3dd4-4a8d-8c0d-dd76da1f02a5" xsi:nil="true"/>
-  </documentManagement>
-</p:properties>
+<?mso-contentType ?>
+<FormTemplates xmlns="http://schemas.microsoft.com/sharepoint/v3/contenttype/forms">
+  <Display>DocumentLibraryForm</Display>
+  <Edit>DocumentLibraryForm</Edit>
+  <New>DocumentLibraryForm</New>
+</FormTemplates>
 </file>
 
 <file path=customXml/itemProps1.xml><?xml version="1.0" encoding="utf-8"?>
-<ds:datastoreItem xmlns:ds="http://schemas.openxmlformats.org/officeDocument/2006/customXml" ds:itemID="{5CA875DA-F9FD-4F83-A049-3B1027B542DE}">
+<ds:datastoreItem xmlns:ds="http://schemas.openxmlformats.org/officeDocument/2006/customXml" ds:itemID="{03C7D9E6-B0D9-433E-BD46-EB60F64F4DA8}">
   <ds:schemaRefs>
-    <ds:schemaRef ds:uri="http://schemas.microsoft.com/sharepoint/v3/contenttype/forms"/>
+    <ds:schemaRef ds:uri="16c05727-aa75-4e4a-9b5f-8a80a1165891"/>
+    <ds:schemaRef ds:uri="http://schemas.microsoft.com/office/2006/documentManagement/types"/>
+    <ds:schemaRef ds:uri="http://schemas.microsoft.com/office/infopath/2007/PartnerControls"/>
+    <ds:schemaRef ds:uri="http://purl.org/dc/elements/1.1/"/>
+    <ds:schemaRef ds:uri="http://schemas.microsoft.com/office/2006/metadata/properties"/>
+    <ds:schemaRef ds:uri="http://purl.org/dc/terms/"/>
+    <ds:schemaRef ds:uri="http://schemas.openxmlformats.org/package/2006/metadata/core-properties"/>
+    <ds:schemaRef ds:uri="71af3243-3dd4-4a8d-8c0d-dd76da1f02a5"/>
+    <ds:schemaRef ds:uri="http://www.w3.org/XML/1998/namespace"/>
+    <ds:schemaRef ds:uri="http://purl.org/dc/dcmitype/"/>
   </ds:schemaRefs>
 </ds:datastoreItem>
 </file>
@@ -16356,18 +14552,9 @@
 </file>
 
 <file path=customXml/itemProps3.xml><?xml version="1.0" encoding="utf-8"?>
-<ds:datastoreItem xmlns:ds="http://schemas.openxmlformats.org/officeDocument/2006/customXml" ds:itemID="{03C7D9E6-B0D9-433E-BD46-EB60F64F4DA8}">
+<ds:datastoreItem xmlns:ds="http://schemas.openxmlformats.org/officeDocument/2006/customXml" ds:itemID="{5CA875DA-F9FD-4F83-A049-3B1027B542DE}">
   <ds:schemaRefs>
-    <ds:schemaRef ds:uri="16c05727-aa75-4e4a-9b5f-8a80a1165891"/>
-    <ds:schemaRef ds:uri="http://schemas.microsoft.com/office/2006/documentManagement/types"/>
-    <ds:schemaRef ds:uri="http://schemas.microsoft.com/office/infopath/2007/PartnerControls"/>
-    <ds:schemaRef ds:uri="http://purl.org/dc/elements/1.1/"/>
-    <ds:schemaRef ds:uri="http://schemas.microsoft.com/office/2006/metadata/properties"/>
-    <ds:schemaRef ds:uri="http://purl.org/dc/terms/"/>
-    <ds:schemaRef ds:uri="http://schemas.openxmlformats.org/package/2006/metadata/core-properties"/>
-    <ds:schemaRef ds:uri="71af3243-3dd4-4a8d-8c0d-dd76da1f02a5"/>
-    <ds:schemaRef ds:uri="http://www.w3.org/XML/1998/namespace"/>
-    <ds:schemaRef ds:uri="http://purl.org/dc/dcmitype/"/>
+    <ds:schemaRef ds:uri="http://schemas.microsoft.com/sharepoint/v3/contenttype/forms"/>
   </ds:schemaRefs>
 </ds:datastoreItem>
 </file>